--- a/Presentation/G-10 Presentation.pptx
+++ b/Presentation/G-10 Presentation.pptx
@@ -12,18 +12,18 @@
   </p:handoutMasterIdLst>
   <p:sldIdLst>
     <p:sldId id="257" r:id="rId5"/>
-    <p:sldId id="389" r:id="rId6"/>
-    <p:sldId id="384" r:id="rId7"/>
-    <p:sldId id="317" r:id="rId8"/>
-    <p:sldId id="278" r:id="rId9"/>
-    <p:sldId id="277" r:id="rId10"/>
-    <p:sldId id="279" r:id="rId11"/>
-    <p:sldId id="268" r:id="rId12"/>
-    <p:sldId id="272" r:id="rId13"/>
-    <p:sldId id="270" r:id="rId14"/>
-    <p:sldId id="281" r:id="rId15"/>
-    <p:sldId id="321" r:id="rId16"/>
-    <p:sldId id="391" r:id="rId17"/>
+    <p:sldId id="384" r:id="rId6"/>
+    <p:sldId id="389" r:id="rId7"/>
+    <p:sldId id="279" r:id="rId8"/>
+    <p:sldId id="317" r:id="rId9"/>
+    <p:sldId id="278" r:id="rId10"/>
+    <p:sldId id="277" r:id="rId11"/>
+    <p:sldId id="270" r:id="rId12"/>
+    <p:sldId id="281" r:id="rId13"/>
+    <p:sldId id="272" r:id="rId14"/>
+    <p:sldId id="321" r:id="rId15"/>
+    <p:sldId id="391" r:id="rId16"/>
+    <p:sldId id="268" r:id="rId17"/>
   </p:sldIdLst>
   <p:sldSz cx="12192000" cy="6858000"/>
   <p:notesSz cx="6858000" cy="9144000"/>
@@ -951,7 +951,7 @@
             <a:rPr lang="en-US" sz="1800" dirty="0">
               <a:latin typeface="+mn-lt"/>
             </a:rPr>
-            <a:t>Title</a:t>
+            <a:t>Release</a:t>
           </a:r>
         </a:p>
       </dgm:t>
@@ -997,7 +997,7 @@
             <a:rPr lang="en-US" sz="1800" dirty="0">
               <a:latin typeface="+mn-lt"/>
             </a:rPr>
-            <a:t>To start a presentation, go to the Slide Show tab, and select          From Beginning.</a:t>
+            <a:t>V1.0 Initial Release – Would like to add directions</a:t>
           </a:r>
         </a:p>
       </dgm:t>
@@ -1039,7 +1039,7 @@
             <a:rPr lang="en-US" sz="1800" dirty="0">
               <a:latin typeface="+mn-lt"/>
             </a:rPr>
-            <a:t>Title</a:t>
+            <a:t>Adding Info Card</a:t>
           </a:r>
         </a:p>
       </dgm:t>
@@ -1085,7 +1085,7 @@
             <a:rPr lang="en-US" sz="1800" dirty="0">
               <a:latin typeface="+mn-lt"/>
             </a:rPr>
-            <a:t>To display Presenter view, in Slide Show view, on the control bar at the bottom left select the three dots, and then Show                 Presenter View.</a:t>
+            <a:t>Info card displayed directly on page related to the Band</a:t>
           </a:r>
         </a:p>
       </dgm:t>
@@ -1127,7 +1127,7 @@
             <a:rPr lang="en-US" sz="1800" dirty="0">
               <a:latin typeface="+mn-lt"/>
             </a:rPr>
-            <a:t>Title</a:t>
+            <a:t>Music Player</a:t>
           </a:r>
         </a:p>
       </dgm:t>
@@ -1171,7 +1171,7 @@
           </a:pPr>
           <a:r>
             <a:rPr lang="en-US" sz="1800" dirty="0"/>
-            <a:t>During your presentation, the speaker notes are visible on your monitor, but aren't visible to      the audience.</a:t>
+            <a:t>Embedded Music Player on the pages that plays the music of the Band</a:t>
           </a:r>
           <a:endParaRPr lang="en-US" sz="1800" dirty="0">
             <a:latin typeface="+mn-lt"/>
@@ -1217,10 +1217,22 @@
             <a:buChar char=""/>
           </a:pPr>
           <a:r>
-            <a:rPr lang="en-US" sz="1800" dirty="0">
+            <a:rPr lang="en-US" sz="1600" dirty="0">
               <a:latin typeface="+mn-lt"/>
             </a:rPr>
-            <a:t>Title</a:t>
+            <a:t>State </a:t>
+          </a:r>
+          <a:r>
+            <a:rPr lang="en-US" sz="1600" baseline="0" dirty="0">
+              <a:latin typeface="+mn-lt"/>
+            </a:rPr>
+            <a:t>Concert</a:t>
+          </a:r>
+          <a:r>
+            <a:rPr lang="en-US" sz="1600" dirty="0">
+              <a:latin typeface="+mn-lt"/>
+            </a:rPr>
+            <a:t> Lookup</a:t>
           </a:r>
         </a:p>
       </dgm:t>
@@ -1262,7 +1274,7 @@
             <a:rPr lang="en-US" sz="1800" dirty="0">
               <a:latin typeface="+mn-lt"/>
             </a:rPr>
-            <a:t>Title</a:t>
+            <a:t>Tour Tracker</a:t>
           </a:r>
         </a:p>
       </dgm:t>
@@ -1301,12 +1313,11 @@
             <a:buChar char=""/>
           </a:pPr>
           <a:r>
-            <a:rPr lang="en-US" sz="1800" dirty="0"/>
-            <a:t>If you don’t see the Notes pane or it is completely minimized, click Notes on the task bar across the bottom of the PowerPoint window.</a:t>
+            <a:rPr lang="en-US" sz="1800" dirty="0">
+              <a:latin typeface="+mn-lt"/>
+            </a:rPr>
+            <a:t>Users can input a band name and see entire concert tour paths and dates displayed on the map</a:t>
           </a:r>
-          <a:endParaRPr lang="en-US" sz="1800" dirty="0">
-            <a:latin typeface="+mn-lt"/>
-          </a:endParaRPr>
         </a:p>
       </dgm:t>
     </dgm:pt>
@@ -1344,12 +1355,11 @@
             <a:buChar char=""/>
           </a:pPr>
           <a:r>
-            <a:rPr lang="en-US" sz="1800" dirty="0"/>
-            <a:t>The Notes pane is a box that appears below each slide. Tap it to add notes.</a:t>
+            <a:rPr lang="en-US" sz="1800" dirty="0">
+              <a:latin typeface="+mn-lt"/>
+            </a:rPr>
+            <a:t>Allows User to see list of concerts playing in their state.  Displays times and locations on the map when selected</a:t>
           </a:r>
-          <a:endParaRPr lang="en-US" sz="1800" dirty="0">
-            <a:latin typeface="+mn-lt"/>
-          </a:endParaRPr>
         </a:p>
       </dgm:t>
     </dgm:pt>
@@ -1793,7 +1803,7 @@
             <a:rPr lang="en-US" sz="1800" kern="1200" dirty="0">
               <a:latin typeface="+mn-lt"/>
             </a:rPr>
-            <a:t>Title</a:t>
+            <a:t>Release</a:t>
           </a:r>
         </a:p>
       </dsp:txBody>
@@ -1856,7 +1866,7 @@
             <a:rPr lang="en-US" sz="1800" kern="1200" dirty="0">
               <a:latin typeface="+mn-lt"/>
             </a:rPr>
-            <a:t>To start a presentation, go to the Slide Show tab, and select          From Beginning.</a:t>
+            <a:t>V1.0 Initial Release – Would like to add directions</a:t>
           </a:r>
         </a:p>
       </dsp:txBody>
@@ -2027,7 +2037,7 @@
             <a:rPr lang="en-US" sz="1800" kern="1200" dirty="0">
               <a:latin typeface="+mn-lt"/>
             </a:rPr>
-            <a:t>Title</a:t>
+            <a:t>Adding Info Card</a:t>
           </a:r>
         </a:p>
       </dsp:txBody>
@@ -2090,7 +2100,7 @@
             <a:rPr lang="en-US" sz="1800" kern="1200" dirty="0">
               <a:latin typeface="+mn-lt"/>
             </a:rPr>
-            <a:t>To display Presenter view, in Slide Show view, on the control bar at the bottom left select the three dots, and then Show                 Presenter View.</a:t>
+            <a:t>Info card displayed directly on page related to the Band</a:t>
           </a:r>
         </a:p>
       </dsp:txBody>
@@ -2261,7 +2271,7 @@
             <a:rPr lang="en-US" sz="1800" kern="1200" dirty="0">
               <a:latin typeface="+mn-lt"/>
             </a:rPr>
-            <a:t>Title</a:t>
+            <a:t>Music Player</a:t>
           </a:r>
         </a:p>
       </dsp:txBody>
@@ -2322,7 +2332,7 @@
           </a:pPr>
           <a:r>
             <a:rPr lang="en-US" sz="1800" kern="1200" dirty="0"/>
-            <a:t>During your presentation, the speaker notes are visible on your monitor, but aren't visible to      the audience.</a:t>
+            <a:t>Embedded Music Player on the pages that plays the music of the Band</a:t>
           </a:r>
           <a:endParaRPr lang="en-US" sz="1800" kern="1200" dirty="0">
             <a:latin typeface="+mn-lt"/>
@@ -2475,12 +2485,12 @@
         </a:fontRef>
       </dsp:style>
       <dsp:txBody>
-        <a:bodyPr spcFirstLastPara="0" vert="horz" wrap="square" lIns="137160" tIns="137160" rIns="137160" bIns="137160" numCol="1" spcCol="1270" anchor="ctr" anchorCtr="1">
+        <a:bodyPr spcFirstLastPara="0" vert="horz" wrap="square" lIns="121920" tIns="121920" rIns="121920" bIns="121920" numCol="1" spcCol="1270" anchor="ctr" anchorCtr="1">
           <a:noAutofit/>
         </a:bodyPr>
         <a:lstStyle/>
         <a:p>
-          <a:pPr marL="0" lvl="0" indent="0" algn="ctr" defTabSz="800100">
+          <a:pPr marL="0" lvl="0" indent="0" algn="ctr" defTabSz="711200">
             <a:lnSpc>
               <a:spcPct val="90000"/>
             </a:lnSpc>
@@ -2494,10 +2504,22 @@
             <a:buNone/>
           </a:pPr>
           <a:r>
-            <a:rPr lang="en-US" sz="1800" kern="1200" dirty="0">
+            <a:rPr lang="en-US" sz="1600" kern="1200" dirty="0">
               <a:latin typeface="+mn-lt"/>
             </a:rPr>
-            <a:t>Title</a:t>
+            <a:t>State </a:t>
+          </a:r>
+          <a:r>
+            <a:rPr lang="en-US" sz="1600" kern="1200" baseline="0" dirty="0">
+              <a:latin typeface="+mn-lt"/>
+            </a:rPr>
+            <a:t>Concert</a:t>
+          </a:r>
+          <a:r>
+            <a:rPr lang="en-US" sz="1600" kern="1200" dirty="0">
+              <a:latin typeface="+mn-lt"/>
+            </a:rPr>
+            <a:t> Lookup</a:t>
           </a:r>
         </a:p>
       </dsp:txBody>
@@ -2557,12 +2579,11 @@
             <a:buNone/>
           </a:pPr>
           <a:r>
-            <a:rPr lang="en-US" sz="1800" kern="1200" dirty="0"/>
-            <a:t>The Notes pane is a box that appears below each slide. Tap it to add notes.</a:t>
+            <a:rPr lang="en-US" sz="1800" kern="1200" dirty="0">
+              <a:latin typeface="+mn-lt"/>
+            </a:rPr>
+            <a:t>Allows User to see list of concerts playing in their state.  Displays times and locations on the map when selected</a:t>
           </a:r>
-          <a:endParaRPr lang="en-US" sz="1800" kern="1200" dirty="0">
-            <a:latin typeface="+mn-lt"/>
-          </a:endParaRPr>
         </a:p>
       </dsp:txBody>
       <dsp:txXfrm>
@@ -2733,7 +2754,7 @@
             <a:rPr lang="en-US" sz="1800" kern="1200" dirty="0">
               <a:latin typeface="+mn-lt"/>
             </a:rPr>
-            <a:t>Title</a:t>
+            <a:t>Tour Tracker</a:t>
           </a:r>
         </a:p>
       </dsp:txBody>
@@ -2793,12 +2814,11 @@
             <a:buNone/>
           </a:pPr>
           <a:r>
-            <a:rPr lang="en-US" sz="1800" kern="1200" dirty="0"/>
-            <a:t>If you don’t see the Notes pane or it is completely minimized, click Notes on the task bar across the bottom of the PowerPoint window.</a:t>
+            <a:rPr lang="en-US" sz="1800" kern="1200" dirty="0">
+              <a:latin typeface="+mn-lt"/>
+            </a:rPr>
+            <a:t>Users can input a band name and see entire concert tour paths and dates displayed on the map</a:t>
           </a:r>
-          <a:endParaRPr lang="en-US" sz="1800" kern="1200" dirty="0">
-            <a:latin typeface="+mn-lt"/>
-          </a:endParaRPr>
         </a:p>
       </dsp:txBody>
       <dsp:txXfrm>
@@ -5205,7 +5225,7 @@
           <a:p>
             <a:fld id="{1983A999-5E0E-42CA-8400-604AE921FF7C}" type="slidenum">
               <a:rPr lang="en-US" smtClean="0"/>
-              <a:t>3</a:t>
+              <a:t>2</a:t>
             </a:fld>
             <a:endParaRPr lang="en-US"/>
           </a:p>
@@ -5289,7 +5309,7 @@
           <a:p>
             <a:fld id="{1983A999-5E0E-42CA-8400-604AE921FF7C}" type="slidenum">
               <a:rPr lang="en-US" smtClean="0"/>
-              <a:t>4</a:t>
+              <a:t>5</a:t>
             </a:fld>
             <a:endParaRPr lang="en-US"/>
           </a:p>
@@ -5382,7 +5402,7 @@
     </p:spTree>
     <p:extLst>
       <p:ext uri="{BB962C8B-B14F-4D97-AF65-F5344CB8AC3E}">
-        <p14:creationId xmlns:p14="http://schemas.microsoft.com/office/powerpoint/2010/main" val="396330408"/>
+        <p14:creationId xmlns:p14="http://schemas.microsoft.com/office/powerpoint/2010/main" val="404304175"/>
       </p:ext>
     </p:extLst>
   </p:cSld>
@@ -5457,7 +5477,7 @@
           <a:p>
             <a:fld id="{32DC0559-D619-4E56-BF6F-3712370C2150}" type="slidenum">
               <a:rPr lang="en-US" smtClean="0"/>
-              <a:t>9</a:t>
+              <a:t>10</a:t>
             </a:fld>
             <a:endParaRPr lang="en-US"/>
           </a:p>
@@ -5541,7 +5561,7 @@
           <a:p>
             <a:fld id="{1983A999-5E0E-42CA-8400-604AE921FF7C}" type="slidenum">
               <a:rPr lang="en-US" smtClean="0"/>
-              <a:t>10</a:t>
+              <a:t>11</a:t>
             </a:fld>
             <a:endParaRPr lang="en-US"/>
           </a:p>
@@ -5550,7 +5570,7 @@
     </p:spTree>
     <p:extLst>
       <p:ext uri="{BB962C8B-B14F-4D97-AF65-F5344CB8AC3E}">
-        <p14:creationId xmlns:p14="http://schemas.microsoft.com/office/powerpoint/2010/main" val="404304175"/>
+        <p14:creationId xmlns:p14="http://schemas.microsoft.com/office/powerpoint/2010/main" val="4150892672"/>
       </p:ext>
     </p:extLst>
   </p:cSld>
@@ -5625,7 +5645,7 @@
           <a:p>
             <a:fld id="{1983A999-5E0E-42CA-8400-604AE921FF7C}" type="slidenum">
               <a:rPr lang="en-US" smtClean="0"/>
-              <a:t>12</a:t>
+              <a:t>13</a:t>
             </a:fld>
             <a:endParaRPr lang="en-US"/>
           </a:p>
@@ -5634,7 +5654,7 @@
     </p:spTree>
     <p:extLst>
       <p:ext uri="{BB962C8B-B14F-4D97-AF65-F5344CB8AC3E}">
-        <p14:creationId xmlns:p14="http://schemas.microsoft.com/office/powerpoint/2010/main" val="4150892672"/>
+        <p14:creationId xmlns:p14="http://schemas.microsoft.com/office/powerpoint/2010/main" val="396330408"/>
       </p:ext>
     </p:extLst>
   </p:cSld>
@@ -17848,340 +17868,12 @@
           <a:chExt cx="0" cy="0"/>
         </a:xfrm>
       </p:grpSpPr>
-      <p:grpSp>
-        <p:nvGrpSpPr>
-          <p:cNvPr id="25" name="Group 24">
-            <a:extLst>
-              <a:ext uri="{FF2B5EF4-FFF2-40B4-BE49-F238E27FC236}">
-                <a16:creationId xmlns:a16="http://schemas.microsoft.com/office/drawing/2014/main" id="{D10F3D66-0109-4903-90B9-66D0E288F721}"/>
-              </a:ext>
-              <a:ext uri="{C183D7F6-B498-43B3-948B-1728B52AA6E4}">
-                <adec:decorative xmlns:adec="http://schemas.microsoft.com/office/drawing/2017/decorative" val="1"/>
-              </a:ext>
-            </a:extLst>
-          </p:cNvPr>
-          <p:cNvGrpSpPr/>
-          <p:nvPr/>
-        </p:nvGrpSpPr>
-        <p:grpSpPr>
-          <a:xfrm>
-            <a:off x="10379261" y="2030035"/>
-            <a:ext cx="1335600" cy="1262947"/>
-            <a:chOff x="10145015" y="2343978"/>
-            <a:chExt cx="1335600" cy="1262947"/>
-          </a:xfrm>
-        </p:grpSpPr>
-        <p:sp>
-          <p:nvSpPr>
-            <p:cNvPr id="26" name="Freeform: Shape 25">
-              <a:extLst>
-                <a:ext uri="{FF2B5EF4-FFF2-40B4-BE49-F238E27FC236}">
-                  <a16:creationId xmlns:a16="http://schemas.microsoft.com/office/drawing/2014/main" id="{57DAB968-9B52-4EFF-AD39-7657DFEA6E48}"/>
-                </a:ext>
-              </a:extLst>
-            </p:cNvPr>
-            <p:cNvSpPr>
-              <a:spLocks noChangeAspect="1"/>
-            </p:cNvSpPr>
-            <p:nvPr/>
-          </p:nvSpPr>
-          <p:spPr>
-            <a:xfrm rot="8100000">
-              <a:off x="10400615" y="2343978"/>
-              <a:ext cx="1080000" cy="1262947"/>
-            </a:xfrm>
-            <a:custGeom>
-              <a:avLst/>
-              <a:gdLst>
-                <a:gd name="connsiteX0" fmla="*/ 540000 w 1080000"/>
-                <a:gd name="connsiteY0" fmla="*/ 0 h 1262947"/>
-                <a:gd name="connsiteX1" fmla="*/ 1080000 w 1080000"/>
-                <a:gd name="connsiteY1" fmla="*/ 931034 h 1262947"/>
-                <a:gd name="connsiteX2" fmla="*/ 1064374 w 1080000"/>
-                <a:gd name="connsiteY2" fmla="*/ 931034 h 1262947"/>
-                <a:gd name="connsiteX3" fmla="*/ 1069029 w 1080000"/>
-                <a:gd name="connsiteY3" fmla="*/ 938533 h 1262947"/>
-                <a:gd name="connsiteX4" fmla="*/ 1080000 w 1080000"/>
-                <a:gd name="connsiteY4" fmla="*/ 992947 h 1262947"/>
-                <a:gd name="connsiteX5" fmla="*/ 540000 w 1080000"/>
-                <a:gd name="connsiteY5" fmla="*/ 1262947 h 1262947"/>
-                <a:gd name="connsiteX6" fmla="*/ 0 w 1080000"/>
-                <a:gd name="connsiteY6" fmla="*/ 992947 h 1262947"/>
-                <a:gd name="connsiteX7" fmla="*/ 10971 w 1080000"/>
-                <a:gd name="connsiteY7" fmla="*/ 938533 h 1262947"/>
-                <a:gd name="connsiteX8" fmla="*/ 15626 w 1080000"/>
-                <a:gd name="connsiteY8" fmla="*/ 931034 h 1262947"/>
-                <a:gd name="connsiteX9" fmla="*/ 0 w 1080000"/>
-                <a:gd name="connsiteY9" fmla="*/ 931034 h 1262947"/>
-                <a:gd name="connsiteX0" fmla="*/ 540000 w 1080000"/>
-                <a:gd name="connsiteY0" fmla="*/ 0 h 1262947"/>
-                <a:gd name="connsiteX1" fmla="*/ 1080000 w 1080000"/>
-                <a:gd name="connsiteY1" fmla="*/ 931034 h 1262947"/>
-                <a:gd name="connsiteX2" fmla="*/ 1064374 w 1080000"/>
-                <a:gd name="connsiteY2" fmla="*/ 931034 h 1262947"/>
-                <a:gd name="connsiteX3" fmla="*/ 1069029 w 1080000"/>
-                <a:gd name="connsiteY3" fmla="*/ 938533 h 1262947"/>
-                <a:gd name="connsiteX4" fmla="*/ 1080000 w 1080000"/>
-                <a:gd name="connsiteY4" fmla="*/ 992947 h 1262947"/>
-                <a:gd name="connsiteX5" fmla="*/ 540000 w 1080000"/>
-                <a:gd name="connsiteY5" fmla="*/ 1262947 h 1262947"/>
-                <a:gd name="connsiteX6" fmla="*/ 0 w 1080000"/>
-                <a:gd name="connsiteY6" fmla="*/ 992947 h 1262947"/>
-                <a:gd name="connsiteX7" fmla="*/ 10971 w 1080000"/>
-                <a:gd name="connsiteY7" fmla="*/ 938533 h 1262947"/>
-                <a:gd name="connsiteX8" fmla="*/ 15626 w 1080000"/>
-                <a:gd name="connsiteY8" fmla="*/ 931034 h 1262947"/>
-                <a:gd name="connsiteX9" fmla="*/ 540000 w 1080000"/>
-                <a:gd name="connsiteY9" fmla="*/ 0 h 1262947"/>
-                <a:gd name="connsiteX0" fmla="*/ 540000 w 1080000"/>
-                <a:gd name="connsiteY0" fmla="*/ 0 h 1262947"/>
-                <a:gd name="connsiteX1" fmla="*/ 1064374 w 1080000"/>
-                <a:gd name="connsiteY1" fmla="*/ 931034 h 1262947"/>
-                <a:gd name="connsiteX2" fmla="*/ 1069029 w 1080000"/>
-                <a:gd name="connsiteY2" fmla="*/ 938533 h 1262947"/>
-                <a:gd name="connsiteX3" fmla="*/ 1080000 w 1080000"/>
-                <a:gd name="connsiteY3" fmla="*/ 992947 h 1262947"/>
-                <a:gd name="connsiteX4" fmla="*/ 540000 w 1080000"/>
-                <a:gd name="connsiteY4" fmla="*/ 1262947 h 1262947"/>
-                <a:gd name="connsiteX5" fmla="*/ 0 w 1080000"/>
-                <a:gd name="connsiteY5" fmla="*/ 992947 h 1262947"/>
-                <a:gd name="connsiteX6" fmla="*/ 10971 w 1080000"/>
-                <a:gd name="connsiteY6" fmla="*/ 938533 h 1262947"/>
-                <a:gd name="connsiteX7" fmla="*/ 15626 w 1080000"/>
-                <a:gd name="connsiteY7" fmla="*/ 931034 h 1262947"/>
-                <a:gd name="connsiteX8" fmla="*/ 540000 w 1080000"/>
-                <a:gd name="connsiteY8" fmla="*/ 0 h 1262947"/>
-              </a:gdLst>
-              <a:ahLst/>
-              <a:cxnLst>
-                <a:cxn ang="0">
-                  <a:pos x="connsiteX0" y="connsiteY0"/>
-                </a:cxn>
-                <a:cxn ang="0">
-                  <a:pos x="connsiteX1" y="connsiteY1"/>
-                </a:cxn>
-                <a:cxn ang="0">
-                  <a:pos x="connsiteX2" y="connsiteY2"/>
-                </a:cxn>
-                <a:cxn ang="0">
-                  <a:pos x="connsiteX3" y="connsiteY3"/>
-                </a:cxn>
-                <a:cxn ang="0">
-                  <a:pos x="connsiteX4" y="connsiteY4"/>
-                </a:cxn>
-                <a:cxn ang="0">
-                  <a:pos x="connsiteX5" y="connsiteY5"/>
-                </a:cxn>
-                <a:cxn ang="0">
-                  <a:pos x="connsiteX6" y="connsiteY6"/>
-                </a:cxn>
-                <a:cxn ang="0">
-                  <a:pos x="connsiteX7" y="connsiteY7"/>
-                </a:cxn>
-                <a:cxn ang="0">
-                  <a:pos x="connsiteX8" y="connsiteY8"/>
-                </a:cxn>
-              </a:cxnLst>
-              <a:rect l="l" t="t" r="r" b="b"/>
-              <a:pathLst>
-                <a:path w="1080000" h="1262947">
-                  <a:moveTo>
-                    <a:pt x="540000" y="0"/>
-                  </a:moveTo>
-                  <a:lnTo>
-                    <a:pt x="1064374" y="931034"/>
-                  </a:lnTo>
-                  <a:lnTo>
-                    <a:pt x="1069029" y="938533"/>
-                  </a:lnTo>
-                  <a:cubicBezTo>
-                    <a:pt x="1076223" y="956109"/>
-                    <a:pt x="1080000" y="974307"/>
-                    <a:pt x="1080000" y="992947"/>
-                  </a:cubicBezTo>
-                  <a:cubicBezTo>
-                    <a:pt x="1080000" y="1142064"/>
-                    <a:pt x="838234" y="1262947"/>
-                    <a:pt x="540000" y="1262947"/>
-                  </a:cubicBezTo>
-                  <a:cubicBezTo>
-                    <a:pt x="241766" y="1262947"/>
-                    <a:pt x="0" y="1142064"/>
-                    <a:pt x="0" y="992947"/>
-                  </a:cubicBezTo>
-                  <a:cubicBezTo>
-                    <a:pt x="0" y="974307"/>
-                    <a:pt x="3778" y="956109"/>
-                    <a:pt x="10971" y="938533"/>
-                  </a:cubicBezTo>
-                  <a:lnTo>
-                    <a:pt x="15626" y="931034"/>
-                  </a:lnTo>
-                  <a:lnTo>
-                    <a:pt x="540000" y="0"/>
-                  </a:lnTo>
-                  <a:close/>
-                </a:path>
-              </a:pathLst>
-            </a:custGeom>
-            <a:gradFill>
-              <a:gsLst>
-                <a:gs pos="60000">
-                  <a:schemeClr val="bg2">
-                    <a:lumMod val="90000"/>
-                    <a:lumOff val="10000"/>
-                  </a:schemeClr>
-                </a:gs>
-                <a:gs pos="30000">
-                  <a:schemeClr val="bg2">
-                    <a:lumMod val="90000"/>
-                    <a:lumOff val="10000"/>
-                  </a:schemeClr>
-                </a:gs>
-                <a:gs pos="40000">
-                  <a:schemeClr val="bg2">
-                    <a:lumMod val="80000"/>
-                    <a:lumOff val="20000"/>
-                  </a:schemeClr>
-                </a:gs>
-                <a:gs pos="100000">
-                  <a:schemeClr val="bg2"/>
-                </a:gs>
-              </a:gsLst>
-              <a:lin ang="600000" scaled="0"/>
-            </a:gradFill>
-            <a:ln>
-              <a:noFill/>
-            </a:ln>
-            <a:effectLst>
-              <a:innerShdw blurRad="254000" dist="101600" dir="7320000">
-                <a:schemeClr val="accent1">
-                  <a:lumMod val="60000"/>
-                  <a:lumOff val="40000"/>
-                  <a:alpha val="40000"/>
-                </a:schemeClr>
-              </a:innerShdw>
-            </a:effectLst>
-          </p:spPr>
-          <p:style>
-            <a:lnRef idx="2">
-              <a:schemeClr val="accent1">
-                <a:shade val="50000"/>
-              </a:schemeClr>
-            </a:lnRef>
-            <a:fillRef idx="1">
-              <a:schemeClr val="accent1"/>
-            </a:fillRef>
-            <a:effectRef idx="0">
-              <a:schemeClr val="accent1"/>
-            </a:effectRef>
-            <a:fontRef idx="minor">
-              <a:schemeClr val="lt1"/>
-            </a:fontRef>
-          </p:style>
-          <p:txBody>
-            <a:bodyPr rot="0" spcFirstLastPara="0" vertOverflow="overflow" horzOverflow="overflow" vert="horz" wrap="square" lIns="91440" tIns="45720" rIns="91440" bIns="45720" numCol="1" spcCol="0" rtlCol="0" fromWordArt="0" anchor="ctr" anchorCtr="0" forceAA="0" compatLnSpc="1">
-              <a:prstTxWarp prst="textNoShape">
-                <a:avLst/>
-              </a:prstTxWarp>
-              <a:noAutofit/>
-            </a:bodyPr>
-            <a:lstStyle/>
-            <a:p>
-              <a:pPr algn="ctr"/>
-              <a:endParaRPr lang="en-US"/>
-            </a:p>
-          </p:txBody>
-        </p:sp>
-        <p:sp>
-          <p:nvSpPr>
-            <p:cNvPr id="27" name="Oval 26">
-              <a:extLst>
-                <a:ext uri="{FF2B5EF4-FFF2-40B4-BE49-F238E27FC236}">
-                  <a16:creationId xmlns:a16="http://schemas.microsoft.com/office/drawing/2014/main" id="{962BE440-9634-4380-B142-5DB692420C52}"/>
-                </a:ext>
-              </a:extLst>
-            </p:cNvPr>
-            <p:cNvSpPr/>
-            <p:nvPr/>
-          </p:nvSpPr>
-          <p:spPr>
-            <a:xfrm rot="13500000">
-              <a:off x="10415015" y="2179851"/>
-              <a:ext cx="540000" cy="1080000"/>
-            </a:xfrm>
-            <a:prstGeom prst="ellipse">
-              <a:avLst/>
-            </a:prstGeom>
-            <a:gradFill>
-              <a:gsLst>
-                <a:gs pos="100000">
-                  <a:schemeClr val="accent1">
-                    <a:lumMod val="60000"/>
-                    <a:lumOff val="40000"/>
-                    <a:alpha val="0"/>
-                  </a:schemeClr>
-                </a:gs>
-                <a:gs pos="0">
-                  <a:schemeClr val="bg2">
-                    <a:lumMod val="75000"/>
-                    <a:lumOff val="25000"/>
-                    <a:alpha val="33000"/>
-                  </a:schemeClr>
-                </a:gs>
-              </a:gsLst>
-              <a:lin ang="5400000" scaled="0"/>
-            </a:gradFill>
-            <a:ln>
-              <a:noFill/>
-            </a:ln>
-            <a:effectLst>
-              <a:innerShdw blurRad="1270000" dist="2540000">
-                <a:schemeClr val="accent1">
-                  <a:lumMod val="60000"/>
-                  <a:lumOff val="40000"/>
-                  <a:alpha val="0"/>
-                </a:schemeClr>
-              </a:innerShdw>
-            </a:effectLst>
-          </p:spPr>
-          <p:style>
-            <a:lnRef idx="2">
-              <a:schemeClr val="accent1">
-                <a:shade val="50000"/>
-              </a:schemeClr>
-            </a:lnRef>
-            <a:fillRef idx="1">
-              <a:schemeClr val="accent1"/>
-            </a:fillRef>
-            <a:effectRef idx="0">
-              <a:schemeClr val="accent1"/>
-            </a:effectRef>
-            <a:fontRef idx="minor">
-              <a:schemeClr val="lt1"/>
-            </a:fontRef>
-          </p:style>
-          <p:txBody>
-            <a:bodyPr rot="0" spcFirstLastPara="0" vertOverflow="overflow" horzOverflow="overflow" vert="horz" wrap="square" lIns="91440" tIns="45720" rIns="91440" bIns="45720" numCol="1" spcCol="0" rtlCol="0" fromWordArt="0" anchor="ctr" anchorCtr="0" forceAA="0" compatLnSpc="1">
-              <a:prstTxWarp prst="textNoShape">
-                <a:avLst/>
-              </a:prstTxWarp>
-              <a:noAutofit/>
-            </a:bodyPr>
-            <a:lstStyle/>
-            <a:p>
-              <a:pPr algn="ctr"/>
-              <a:endParaRPr lang="en-US"/>
-            </a:p>
-          </p:txBody>
-        </p:sp>
-      </p:grpSp>
       <p:sp>
         <p:nvSpPr>
-          <p:cNvPr id="7" name="Title 6">
+          <p:cNvPr id="3" name="Title 2">
             <a:extLst>
               <a:ext uri="{FF2B5EF4-FFF2-40B4-BE49-F238E27FC236}">
-                <a16:creationId xmlns:a16="http://schemas.microsoft.com/office/drawing/2014/main" id="{4B18D636-CC10-4B1E-AA38-419DCCF2D9C9}"/>
+                <a16:creationId xmlns:a16="http://schemas.microsoft.com/office/drawing/2014/main" id="{FAD72D26-24EF-4CBD-9431-A558CB7CA906}"/>
               </a:ext>
             </a:extLst>
           </p:cNvPr>
@@ -18195,28 +17887,57 @@
         <p:spPr>
           <a:xfrm>
             <a:off x="550862" y="549275"/>
-            <a:ext cx="11097551" cy="1332000"/>
+            <a:ext cx="11091600" cy="1332000"/>
           </a:xfrm>
         </p:spPr>
         <p:txBody>
-          <a:bodyPr>
-            <a:normAutofit/>
-          </a:bodyPr>
+          <a:bodyPr/>
           <a:lstStyle/>
           <a:p>
             <a:r>
               <a:rPr lang="en-US" dirty="0"/>
-              <a:t>Content </a:t>
+              <a:t>Future Additions</a:t>
             </a:r>
           </a:p>
         </p:txBody>
       </p:sp>
+      <p:graphicFrame>
+        <p:nvGraphicFramePr>
+          <p:cNvPr id="4" name="Content Placeholder 3" descr="Timeline Smart Art Placeholder ">
+            <a:extLst>
+              <a:ext uri="{FF2B5EF4-FFF2-40B4-BE49-F238E27FC236}">
+                <a16:creationId xmlns:a16="http://schemas.microsoft.com/office/drawing/2014/main" id="{93897051-DA8D-4072-A594-51769F8D52F5}"/>
+              </a:ext>
+            </a:extLst>
+          </p:cNvPr>
+          <p:cNvGraphicFramePr>
+            <a:graphicFrameLocks noGrp="1"/>
+          </p:cNvGraphicFramePr>
+          <p:nvPr>
+            <p:ph idx="1"/>
+            <p:extLst>
+              <p:ext uri="{D42A27DB-BD31-4B8C-83A1-F6EECF244321}">
+                <p14:modId xmlns:p14="http://schemas.microsoft.com/office/powerpoint/2010/main" val="1414556317"/>
+              </p:ext>
+            </p:extLst>
+          </p:nvPr>
+        </p:nvGraphicFramePr>
+        <p:xfrm>
+          <a:off x="550863" y="2112963"/>
+          <a:ext cx="11090275" cy="3979862"/>
+        </p:xfrm>
+        <a:graphic>
+          <a:graphicData uri="http://schemas.openxmlformats.org/drawingml/2006/diagram">
+            <dgm:relIds xmlns:dgm="http://schemas.openxmlformats.org/drawingml/2006/diagram" xmlns:r="http://schemas.openxmlformats.org/officeDocument/2006/relationships" r:dm="rId3" r:lo="rId4" r:qs="rId5" r:cs="rId6"/>
+          </a:graphicData>
+        </a:graphic>
+      </p:graphicFrame>
       <p:sp>
         <p:nvSpPr>
-          <p:cNvPr id="9" name="Text Placeholder 8">
+          <p:cNvPr id="6" name="Slide Number Placeholder 5">
             <a:extLst>
               <a:ext uri="{FF2B5EF4-FFF2-40B4-BE49-F238E27FC236}">
-                <a16:creationId xmlns:a16="http://schemas.microsoft.com/office/drawing/2014/main" id="{0D098C43-2F2A-4100-89BC-5931039293FA}"/>
+                <a16:creationId xmlns:a16="http://schemas.microsoft.com/office/drawing/2014/main" id="{5E5CAC52-3FD1-464A-805A-B8F7AF04574A}"/>
               </a:ext>
             </a:extLst>
           </p:cNvPr>
@@ -18224,33 +17945,34 @@
             <a:spLocks noGrp="1"/>
           </p:cNvSpPr>
           <p:nvPr>
-            <p:ph type="body" idx="1"/>
+            <p:ph type="sldNum" sz="quarter" idx="12"/>
           </p:nvPr>
         </p:nvSpPr>
         <p:spPr>
           <a:xfrm>
-            <a:off x="550864" y="1731375"/>
-            <a:ext cx="5437186" cy="535354"/>
+            <a:off x="9948863" y="6507212"/>
+            <a:ext cx="1692274" cy="153888"/>
           </a:xfrm>
         </p:spPr>
         <p:txBody>
           <a:bodyPr/>
           <a:lstStyle/>
           <a:p>
-            <a:r>
-              <a:rPr lang="en-US"/>
-              <a:t>Subtitle</a:t>
-            </a:r>
-            <a:endParaRPr lang="en-US" dirty="0"/>
+            <a:fld id="{DBA1B0FB-D917-4C8C-928F-313BD683BF39}" type="slidenum">
+              <a:rPr lang="en-US" smtClean="0"/>
+              <a:pPr/>
+              <a:t>10</a:t>
+            </a:fld>
+            <a:endParaRPr lang="en-US"/>
           </a:p>
         </p:txBody>
       </p:sp>
       <p:sp>
         <p:nvSpPr>
-          <p:cNvPr id="10" name="Content Placeholder 9">
+          <p:cNvPr id="8" name="Footer Placeholder 14">
             <a:extLst>
               <a:ext uri="{FF2B5EF4-FFF2-40B4-BE49-F238E27FC236}">
-                <a16:creationId xmlns:a16="http://schemas.microsoft.com/office/drawing/2014/main" id="{1DB251F7-EBE7-46AC-A920-FFE2C5AF68EA}"/>
+                <a16:creationId xmlns:a16="http://schemas.microsoft.com/office/drawing/2014/main" id="{69761100-028F-0148-555C-6D7F456E6698}"/>
               </a:ext>
             </a:extLst>
           </p:cNvPr>
@@ -18258,13 +17980,13 @@
             <a:spLocks noGrp="1"/>
           </p:cNvSpPr>
           <p:nvPr>
-            <p:ph sz="half" idx="2"/>
+            <p:ph type="ftr" sz="quarter" idx="11"/>
           </p:nvPr>
         </p:nvSpPr>
         <p:spPr>
           <a:xfrm>
-            <a:off x="550863" y="2427370"/>
-            <a:ext cx="5429114" cy="3515555"/>
+            <a:off x="3359150" y="6507212"/>
+            <a:ext cx="6379210" cy="153888"/>
           </a:xfrm>
         </p:spPr>
         <p:txBody>
@@ -18273,104 +17995,17 @@
           <a:p>
             <a:r>
               <a:rPr lang="en-US" dirty="0"/>
-              <a:t>Add text, images, art, and videos. </a:t>
-            </a:r>
-          </a:p>
-          <a:p>
-            <a:r>
-              <a:rPr lang="en-US" dirty="0"/>
-              <a:t>Add transitions, animations, and motion. </a:t>
-            </a:r>
-          </a:p>
-          <a:p>
-            <a:r>
-              <a:rPr lang="en-US" dirty="0"/>
-              <a:t>Save to OneDrive, to get to your presentations from your computer, tablet, or phone. </a:t>
+              <a:t>G-10 Concert Lounge</a:t>
             </a:r>
           </a:p>
         </p:txBody>
       </p:sp>
       <p:sp>
         <p:nvSpPr>
-          <p:cNvPr id="11" name="Text Placeholder 10">
+          <p:cNvPr id="9" name="Date Placeholder 3">
             <a:extLst>
               <a:ext uri="{FF2B5EF4-FFF2-40B4-BE49-F238E27FC236}">
-                <a16:creationId xmlns:a16="http://schemas.microsoft.com/office/drawing/2014/main" id="{60726BA7-44D6-4116-90E3-38325026EAAD}"/>
-              </a:ext>
-            </a:extLst>
-          </p:cNvPr>
-          <p:cNvSpPr>
-            <a:spLocks noGrp="1"/>
-          </p:cNvSpPr>
-          <p:nvPr>
-            <p:ph type="body" sz="quarter" idx="3"/>
-          </p:nvPr>
-        </p:nvSpPr>
-        <p:spPr>
-          <a:xfrm>
-            <a:off x="6212024" y="1731375"/>
-            <a:ext cx="5436392" cy="535354"/>
-          </a:xfrm>
-        </p:spPr>
-        <p:txBody>
-          <a:bodyPr/>
-          <a:lstStyle/>
-          <a:p>
-            <a:r>
-              <a:rPr lang="en-US" dirty="0"/>
-              <a:t>Subtitle</a:t>
-            </a:r>
-          </a:p>
-        </p:txBody>
-      </p:sp>
-      <p:sp>
-        <p:nvSpPr>
-          <p:cNvPr id="12" name="Content Placeholder 11">
-            <a:extLst>
-              <a:ext uri="{FF2B5EF4-FFF2-40B4-BE49-F238E27FC236}">
-                <a16:creationId xmlns:a16="http://schemas.microsoft.com/office/drawing/2014/main" id="{7FB7F30B-2A84-4C44-BC5A-E826ED6E74A2}"/>
-              </a:ext>
-            </a:extLst>
-          </p:cNvPr>
-          <p:cNvSpPr>
-            <a:spLocks noGrp="1"/>
-          </p:cNvSpPr>
-          <p:nvPr>
-            <p:ph sz="quarter" idx="4"/>
-          </p:nvPr>
-        </p:nvSpPr>
-        <p:spPr>
-          <a:xfrm>
-            <a:off x="6212023" y="2427370"/>
-            <a:ext cx="5436391" cy="3515555"/>
-          </a:xfrm>
-        </p:spPr>
-        <p:txBody>
-          <a:bodyPr/>
-          <a:lstStyle/>
-          <a:p>
-            <a:r>
-              <a:rPr lang="en-US" dirty="0"/>
-              <a:t>Open the Design Ideas pane for instant slide makeovers. </a:t>
-            </a:r>
-          </a:p>
-          <a:p>
-            <a:r>
-              <a:rPr lang="en-US" dirty="0"/>
-              <a:t>When we have design ideas, we’ll show them to you right there. </a:t>
-            </a:r>
-          </a:p>
-          <a:p>
-            <a:endParaRPr lang="en-US" dirty="0"/>
-          </a:p>
-        </p:txBody>
-      </p:sp>
-      <p:sp>
-        <p:nvSpPr>
-          <p:cNvPr id="4" name="Date Placeholder 3">
-            <a:extLst>
-              <a:ext uri="{FF2B5EF4-FFF2-40B4-BE49-F238E27FC236}">
-                <a16:creationId xmlns:a16="http://schemas.microsoft.com/office/drawing/2014/main" id="{0C329F70-04F7-4C70-BCF8-D4371F54EF2F}"/>
+                <a16:creationId xmlns:a16="http://schemas.microsoft.com/office/drawing/2014/main" id="{DA310DFF-680A-2748-B3B3-A838BA8D5168}"/>
               </a:ext>
             </a:extLst>
           </p:cNvPr>
@@ -18392,246 +18027,16 @@
           <a:lstStyle/>
           <a:p>
             <a:r>
-              <a:rPr lang="en-US"/>
-              <a:t>Tuesday, February 2, 20XX</a:t>
-            </a:r>
-            <a:endParaRPr lang="en-US" dirty="0"/>
-          </a:p>
-        </p:txBody>
-      </p:sp>
-      <p:sp>
-        <p:nvSpPr>
-          <p:cNvPr id="5" name="Footer Placeholder 4">
-            <a:extLst>
-              <a:ext uri="{FF2B5EF4-FFF2-40B4-BE49-F238E27FC236}">
-                <a16:creationId xmlns:a16="http://schemas.microsoft.com/office/drawing/2014/main" id="{06A3302E-502D-4151-81C9-5FD6AF9596D6}"/>
-              </a:ext>
-            </a:extLst>
-          </p:cNvPr>
-          <p:cNvSpPr>
-            <a:spLocks noGrp="1"/>
-          </p:cNvSpPr>
-          <p:nvPr>
-            <p:ph type="ftr" sz="quarter" idx="11"/>
-          </p:nvPr>
-        </p:nvSpPr>
-        <p:spPr>
-          <a:xfrm>
-            <a:off x="3359150" y="6507212"/>
-            <a:ext cx="6379210" cy="153888"/>
-          </a:xfrm>
-        </p:spPr>
-        <p:txBody>
-          <a:bodyPr/>
-          <a:lstStyle/>
-          <a:p>
-            <a:r>
-              <a:rPr lang="en-US"/>
-              <a:t>Sample Footer Text</a:t>
-            </a:r>
-          </a:p>
-        </p:txBody>
-      </p:sp>
-      <p:sp>
-        <p:nvSpPr>
-          <p:cNvPr id="6" name="Slide Number Placeholder 5">
-            <a:extLst>
-              <a:ext uri="{FF2B5EF4-FFF2-40B4-BE49-F238E27FC236}">
-                <a16:creationId xmlns:a16="http://schemas.microsoft.com/office/drawing/2014/main" id="{9ED907F8-C614-4D59-A03F-BF9CD5E35703}"/>
-              </a:ext>
-            </a:extLst>
-          </p:cNvPr>
-          <p:cNvSpPr>
-            <a:spLocks noGrp="1"/>
-          </p:cNvSpPr>
-          <p:nvPr>
-            <p:ph type="sldNum" sz="quarter" idx="12"/>
-          </p:nvPr>
-        </p:nvSpPr>
-        <p:spPr>
-          <a:xfrm>
-            <a:off x="9948863" y="6507212"/>
-            <a:ext cx="1692274" cy="153888"/>
-          </a:xfrm>
-        </p:spPr>
-        <p:txBody>
-          <a:bodyPr/>
-          <a:lstStyle/>
-          <a:p>
-            <a:fld id="{DBA1B0FB-D917-4C8C-928F-313BD683BF39}" type="slidenum">
-              <a:rPr lang="en-US" smtClean="0"/>
-              <a:pPr/>
-              <a:t>10</a:t>
-            </a:fld>
-            <a:endParaRPr lang="en-US"/>
-          </a:p>
-        </p:txBody>
-      </p:sp>
-      <p:sp>
-        <p:nvSpPr>
-          <p:cNvPr id="22" name="Freeform: Shape 21">
-            <a:extLst>
-              <a:ext uri="{FF2B5EF4-FFF2-40B4-BE49-F238E27FC236}">
-                <a16:creationId xmlns:a16="http://schemas.microsoft.com/office/drawing/2014/main" id="{C6F3814E-455F-456B-B1AF-7B993965A2C0}"/>
-              </a:ext>
-              <a:ext uri="{C183D7F6-B498-43B3-948B-1728B52AA6E4}">
-                <adec:decorative xmlns:adec="http://schemas.microsoft.com/office/drawing/2017/decorative" val="1"/>
-              </a:ext>
-            </a:extLst>
-          </p:cNvPr>
-          <p:cNvSpPr>
-            <a:spLocks noChangeAspect="1"/>
-          </p:cNvSpPr>
-          <p:nvPr/>
-        </p:nvSpPr>
-        <p:spPr>
-          <a:xfrm>
-            <a:off x="4295775" y="0"/>
-            <a:ext cx="360000" cy="274638"/>
-          </a:xfrm>
-          <a:custGeom>
-            <a:avLst/>
-            <a:gdLst>
-              <a:gd name="connsiteX0" fmla="*/ 30714 w 360000"/>
-              <a:gd name="connsiteY0" fmla="*/ 0 h 274638"/>
-              <a:gd name="connsiteX1" fmla="*/ 329286 w 360000"/>
-              <a:gd name="connsiteY1" fmla="*/ 0 h 274638"/>
-              <a:gd name="connsiteX2" fmla="*/ 345855 w 360000"/>
-              <a:gd name="connsiteY2" fmla="*/ 24574 h 274638"/>
-              <a:gd name="connsiteX3" fmla="*/ 360000 w 360000"/>
-              <a:gd name="connsiteY3" fmla="*/ 94638 h 274638"/>
-              <a:gd name="connsiteX4" fmla="*/ 180000 w 360000"/>
-              <a:gd name="connsiteY4" fmla="*/ 274638 h 274638"/>
-              <a:gd name="connsiteX5" fmla="*/ 0 w 360000"/>
-              <a:gd name="connsiteY5" fmla="*/ 94638 h 274638"/>
-              <a:gd name="connsiteX6" fmla="*/ 14145 w 360000"/>
-              <a:gd name="connsiteY6" fmla="*/ 24574 h 274638"/>
-            </a:gdLst>
-            <a:ahLst/>
-            <a:cxnLst>
-              <a:cxn ang="0">
-                <a:pos x="connsiteX0" y="connsiteY0"/>
-              </a:cxn>
-              <a:cxn ang="0">
-                <a:pos x="connsiteX1" y="connsiteY1"/>
-              </a:cxn>
-              <a:cxn ang="0">
-                <a:pos x="connsiteX2" y="connsiteY2"/>
-              </a:cxn>
-              <a:cxn ang="0">
-                <a:pos x="connsiteX3" y="connsiteY3"/>
-              </a:cxn>
-              <a:cxn ang="0">
-                <a:pos x="connsiteX4" y="connsiteY4"/>
-              </a:cxn>
-              <a:cxn ang="0">
-                <a:pos x="connsiteX5" y="connsiteY5"/>
-              </a:cxn>
-              <a:cxn ang="0">
-                <a:pos x="connsiteX6" y="connsiteY6"/>
-              </a:cxn>
-            </a:cxnLst>
-            <a:rect l="l" t="t" r="r" b="b"/>
-            <a:pathLst>
-              <a:path w="360000" h="274638">
-                <a:moveTo>
-                  <a:pt x="30714" y="0"/>
-                </a:moveTo>
-                <a:lnTo>
-                  <a:pt x="329286" y="0"/>
-                </a:lnTo>
-                <a:lnTo>
-                  <a:pt x="345855" y="24574"/>
-                </a:lnTo>
-                <a:cubicBezTo>
-                  <a:pt x="354963" y="46109"/>
-                  <a:pt x="360000" y="69785"/>
-                  <a:pt x="360000" y="94638"/>
-                </a:cubicBezTo>
-                <a:cubicBezTo>
-                  <a:pt x="360000" y="194049"/>
-                  <a:pt x="279411" y="274638"/>
-                  <a:pt x="180000" y="274638"/>
-                </a:cubicBezTo>
-                <a:cubicBezTo>
-                  <a:pt x="80589" y="274638"/>
-                  <a:pt x="0" y="194049"/>
-                  <a:pt x="0" y="94638"/>
-                </a:cubicBezTo>
-                <a:cubicBezTo>
-                  <a:pt x="0" y="69785"/>
-                  <a:pt x="5037" y="46109"/>
-                  <a:pt x="14145" y="24574"/>
-                </a:cubicBezTo>
-                <a:close/>
-              </a:path>
-            </a:pathLst>
-          </a:custGeom>
-          <a:gradFill flip="none" rotWithShape="1">
-            <a:gsLst>
-              <a:gs pos="100000">
-                <a:schemeClr val="bg2">
-                  <a:lumMod val="50000"/>
-                  <a:lumOff val="50000"/>
-                </a:schemeClr>
-              </a:gs>
-              <a:gs pos="60000">
-                <a:schemeClr val="bg2"/>
-              </a:gs>
-            </a:gsLst>
-            <a:path path="circle">
-              <a:fillToRect l="100000" b="100000"/>
-            </a:path>
-            <a:tileRect t="-100000" r="-100000"/>
-          </a:gradFill>
-          <a:ln>
-            <a:noFill/>
-          </a:ln>
-          <a:effectLst>
-            <a:innerShdw blurRad="127000" dist="63500" dir="2700000">
-              <a:schemeClr val="accent1">
-                <a:lumMod val="60000"/>
-                <a:lumOff val="40000"/>
-                <a:alpha val="20000"/>
-              </a:schemeClr>
-            </a:innerShdw>
-            <a:softEdge rad="0"/>
-          </a:effectLst>
-        </p:spPr>
-        <p:style>
-          <a:lnRef idx="2">
-            <a:schemeClr val="accent1">
-              <a:shade val="50000"/>
-            </a:schemeClr>
-          </a:lnRef>
-          <a:fillRef idx="1">
-            <a:schemeClr val="accent1"/>
-          </a:fillRef>
-          <a:effectRef idx="0">
-            <a:schemeClr val="accent1"/>
-          </a:effectRef>
-          <a:fontRef idx="minor">
-            <a:schemeClr val="lt1"/>
-          </a:fontRef>
-        </p:style>
-        <p:txBody>
-          <a:bodyPr rot="0" spcFirstLastPara="0" vertOverflow="overflow" horzOverflow="overflow" vert="horz" wrap="square" lIns="91440" tIns="45720" rIns="91440" bIns="45720" numCol="1" spcCol="0" rtlCol="0" fromWordArt="0" anchor="ctr" anchorCtr="0" forceAA="0" compatLnSpc="1">
-            <a:prstTxWarp prst="textNoShape">
-              <a:avLst/>
-            </a:prstTxWarp>
-            <a:noAutofit/>
-          </a:bodyPr>
-          <a:lstStyle/>
-          <a:p>
-            <a:pPr algn="ctr"/>
-            <a:endParaRPr lang="en-US"/>
+              <a:rPr lang="en-US" dirty="0"/>
+              <a:t>Friday, July 8, 2022</a:t>
+            </a:r>
           </a:p>
         </p:txBody>
       </p:sp>
     </p:spTree>
     <p:extLst>
       <p:ext uri="{BB962C8B-B14F-4D97-AF65-F5344CB8AC3E}">
-        <p14:creationId xmlns:p14="http://schemas.microsoft.com/office/powerpoint/2010/main" val="3891345585"/>
+        <p14:creationId xmlns:p14="http://schemas.microsoft.com/office/powerpoint/2010/main" val="2624630061"/>
       </p:ext>
     </p:extLst>
   </p:cSld>
@@ -18660,10 +18065,10 @@
       </p:grpSpPr>
       <p:sp>
         <p:nvSpPr>
-          <p:cNvPr id="7" name="Title 6">
+          <p:cNvPr id="11" name="Title 10">
             <a:extLst>
               <a:ext uri="{FF2B5EF4-FFF2-40B4-BE49-F238E27FC236}">
-                <a16:creationId xmlns:a16="http://schemas.microsoft.com/office/drawing/2014/main" id="{47788B34-4190-4916-9048-47720EA5ABF1}"/>
+                <a16:creationId xmlns:a16="http://schemas.microsoft.com/office/drawing/2014/main" id="{581E8936-2270-47FE-94A4-398CB123EF90}"/>
               </a:ext>
             </a:extLst>
           </p:cNvPr>
@@ -18676,8 +18081,8 @@
         </p:nvSpPr>
         <p:spPr>
           <a:xfrm>
-            <a:off x="550862" y="549275"/>
-            <a:ext cx="11097551" cy="1332000"/>
+            <a:off x="550863" y="4508500"/>
+            <a:ext cx="4500562" cy="1562959"/>
           </a:xfrm>
         </p:spPr>
         <p:txBody>
@@ -18686,17 +18091,51 @@
           <a:p>
             <a:r>
               <a:rPr lang="en-US" dirty="0"/>
-              <a:t>Content 2 </a:t>
+              <a:t>Summary</a:t>
             </a:r>
           </a:p>
         </p:txBody>
       </p:sp>
+      <p:pic>
+        <p:nvPicPr>
+          <p:cNvPr id="16" name="Picture Placeholder 15" descr="Data Points Digital background">
+            <a:extLst>
+              <a:ext uri="{FF2B5EF4-FFF2-40B4-BE49-F238E27FC236}">
+                <a16:creationId xmlns:a16="http://schemas.microsoft.com/office/drawing/2014/main" id="{361E9ADB-7377-4CF1-9AE4-AEFBDEBEEEEC}"/>
+              </a:ext>
+            </a:extLst>
+          </p:cNvPr>
+          <p:cNvPicPr>
+            <a:picLocks noGrp="1" noChangeAspect="1"/>
+          </p:cNvPicPr>
+          <p:nvPr>
+            <p:ph type="pic" sz="quarter" idx="13"/>
+          </p:nvPr>
+        </p:nvPicPr>
+        <p:blipFill rotWithShape="1">
+          <a:blip r:embed="rId3" cstate="screen">
+            <a:extLst>
+              <a:ext uri="{28A0092B-C50C-407E-A947-70E740481C1C}">
+                <a14:useLocalDpi xmlns:a14="http://schemas.microsoft.com/office/drawing/2010/main" val="0"/>
+              </a:ext>
+            </a:extLst>
+          </a:blip>
+          <a:srcRect/>
+          <a:stretch/>
+        </p:blipFill>
+        <p:spPr>
+          <a:xfrm>
+            <a:off x="0" y="0"/>
+            <a:ext cx="12192000" cy="3776472"/>
+          </a:xfrm>
+        </p:spPr>
+      </p:pic>
       <p:sp>
         <p:nvSpPr>
-          <p:cNvPr id="8" name="Text Placeholder 7">
+          <p:cNvPr id="13" name="Content Placeholder 12">
             <a:extLst>
               <a:ext uri="{FF2B5EF4-FFF2-40B4-BE49-F238E27FC236}">
-                <a16:creationId xmlns:a16="http://schemas.microsoft.com/office/drawing/2014/main" id="{ABA415A0-3B77-43FB-A408-5F1DA4B0AAFA}"/>
+                <a16:creationId xmlns:a16="http://schemas.microsoft.com/office/drawing/2014/main" id="{C0287FEC-3826-4868-8D93-52429C6156F5}"/>
               </a:ext>
             </a:extLst>
           </p:cNvPr>
@@ -18704,32 +18143,69 @@
             <a:spLocks noGrp="1"/>
           </p:cNvSpPr>
           <p:nvPr>
-            <p:ph type="body" idx="1"/>
+            <p:ph sz="quarter" idx="15"/>
           </p:nvPr>
         </p:nvSpPr>
         <p:spPr>
           <a:xfrm>
-            <a:off x="550864" y="1731375"/>
-            <a:ext cx="3563936" cy="535354"/>
+            <a:off x="5262411" y="4508500"/>
+            <a:ext cx="6221412" cy="1563688"/>
+          </a:xfrm>
+        </p:spPr>
+        <p:txBody>
+          <a:bodyPr>
+            <a:normAutofit/>
+          </a:bodyPr>
+          <a:lstStyle/>
+          <a:p>
+            <a:r>
+              <a:rPr lang="en-US" dirty="0"/>
+              <a:t>With G-10’s Concert Lounge you can easily find concerts in your area by band name.  You can look up information about the band and listen to their music to ensure you’re up-to-date on all the latest news.</a:t>
+            </a:r>
+          </a:p>
+        </p:txBody>
+      </p:sp>
+      <p:sp>
+        <p:nvSpPr>
+          <p:cNvPr id="6" name="Slide Number Placeholder 5">
+            <a:extLst>
+              <a:ext uri="{FF2B5EF4-FFF2-40B4-BE49-F238E27FC236}">
+                <a16:creationId xmlns:a16="http://schemas.microsoft.com/office/drawing/2014/main" id="{9ED907F8-C614-4D59-A03F-BF9CD5E35703}"/>
+              </a:ext>
+            </a:extLst>
+          </p:cNvPr>
+          <p:cNvSpPr>
+            <a:spLocks noGrp="1"/>
+          </p:cNvSpPr>
+          <p:nvPr>
+            <p:ph type="sldNum" sz="quarter" idx="12"/>
+          </p:nvPr>
+        </p:nvSpPr>
+        <p:spPr>
+          <a:xfrm>
+            <a:off x="9948863" y="6507212"/>
+            <a:ext cx="1692274" cy="153888"/>
           </a:xfrm>
         </p:spPr>
         <p:txBody>
           <a:bodyPr/>
           <a:lstStyle/>
           <a:p>
-            <a:r>
-              <a:rPr lang="en-US" dirty="0"/>
-              <a:t>Subtitle</a:t>
-            </a:r>
+            <a:fld id="{DBA1B0FB-D917-4C8C-928F-313BD683BF39}" type="slidenum">
+              <a:rPr lang="en-US" smtClean="0"/>
+              <a:pPr/>
+              <a:t>11</a:t>
+            </a:fld>
+            <a:endParaRPr lang="en-US"/>
           </a:p>
         </p:txBody>
       </p:sp>
       <p:sp>
         <p:nvSpPr>
-          <p:cNvPr id="9" name="Content Placeholder 8">
+          <p:cNvPr id="8" name="Footer Placeholder 14">
             <a:extLst>
               <a:ext uri="{FF2B5EF4-FFF2-40B4-BE49-F238E27FC236}">
-                <a16:creationId xmlns:a16="http://schemas.microsoft.com/office/drawing/2014/main" id="{8598ECEC-4413-4244-8F21-0076EC511806}"/>
+                <a16:creationId xmlns:a16="http://schemas.microsoft.com/office/drawing/2014/main" id="{74881FE2-4624-7635-4A89-77453A0BB9A6}"/>
               </a:ext>
             </a:extLst>
           </p:cNvPr>
@@ -18737,82 +18213,13 @@
             <a:spLocks noGrp="1"/>
           </p:cNvSpPr>
           <p:nvPr>
-            <p:ph sz="half" idx="2"/>
+            <p:ph type="ftr" sz="quarter" idx="11"/>
           </p:nvPr>
         </p:nvSpPr>
         <p:spPr>
           <a:xfrm>
-            <a:off x="559476" y="2432304"/>
-            <a:ext cx="3563936" cy="3515555"/>
-          </a:xfrm>
-        </p:spPr>
-        <p:txBody>
-          <a:bodyPr>
-            <a:normAutofit fontScale="92500" lnSpcReduction="20000"/>
-          </a:bodyPr>
-          <a:lstStyle/>
-          <a:p>
-            <a:pPr lvl="0"/>
-            <a:r>
-              <a:rPr lang="en-US" dirty="0"/>
-              <a:t>Add text, images, art, and videos. </a:t>
-            </a:r>
-          </a:p>
-          <a:p>
-            <a:pPr lvl="0"/>
-            <a:r>
-              <a:rPr lang="en-US" dirty="0"/>
-              <a:t>Add transitions, animations, and motion. </a:t>
-            </a:r>
-          </a:p>
-          <a:p>
-            <a:pPr lvl="0"/>
-            <a:r>
-              <a:rPr lang="en-US" dirty="0"/>
-              <a:t>Save to OneDrive, to get to your presentations from your computer, tablet, or phone. </a:t>
-            </a:r>
-          </a:p>
-          <a:p>
-            <a:r>
-              <a:rPr lang="en-US" dirty="0"/>
-              <a:t>Open the Design Ideas pane for instant slide makeovers. </a:t>
-            </a:r>
-          </a:p>
-          <a:p>
-            <a:r>
-              <a:rPr lang="en-US" dirty="0"/>
-              <a:t>When we have design ideas, we’ll show them to you right there. </a:t>
-            </a:r>
-          </a:p>
-          <a:p>
-            <a:pPr lvl="0"/>
-            <a:endParaRPr lang="en-US" dirty="0"/>
-          </a:p>
-          <a:p>
-            <a:endParaRPr lang="en-US" dirty="0"/>
-          </a:p>
-        </p:txBody>
-      </p:sp>
-      <p:sp>
-        <p:nvSpPr>
-          <p:cNvPr id="12" name="Text Placeholder 11">
-            <a:extLst>
-              <a:ext uri="{FF2B5EF4-FFF2-40B4-BE49-F238E27FC236}">
-                <a16:creationId xmlns:a16="http://schemas.microsoft.com/office/drawing/2014/main" id="{3A63626D-0E6E-4023-ABFC-A744C9862159}"/>
-              </a:ext>
-            </a:extLst>
-          </p:cNvPr>
-          <p:cNvSpPr>
-            <a:spLocks noGrp="1"/>
-          </p:cNvSpPr>
-          <p:nvPr>
-            <p:ph type="body" sz="quarter" idx="13"/>
-          </p:nvPr>
-        </p:nvSpPr>
-        <p:spPr>
-          <a:xfrm>
-            <a:off x="4341573" y="1731375"/>
-            <a:ext cx="3566160" cy="535354"/>
+            <a:off x="3359150" y="6507212"/>
+            <a:ext cx="6379210" cy="153888"/>
           </a:xfrm>
         </p:spPr>
         <p:txBody>
@@ -18821,175 +18228,17 @@
           <a:p>
             <a:r>
               <a:rPr lang="en-US" dirty="0"/>
-              <a:t>subtitle</a:t>
+              <a:t>G-10 Concert Lounge</a:t>
             </a:r>
           </a:p>
         </p:txBody>
       </p:sp>
       <p:sp>
         <p:nvSpPr>
-          <p:cNvPr id="13" name="Content Placeholder 12">
+          <p:cNvPr id="9" name="Date Placeholder 3">
             <a:extLst>
               <a:ext uri="{FF2B5EF4-FFF2-40B4-BE49-F238E27FC236}">
-                <a16:creationId xmlns:a16="http://schemas.microsoft.com/office/drawing/2014/main" id="{258E9390-685C-4BAD-BFAD-EC56E81C4745}"/>
-              </a:ext>
-            </a:extLst>
-          </p:cNvPr>
-          <p:cNvSpPr>
-            <a:spLocks noGrp="1"/>
-          </p:cNvSpPr>
-          <p:nvPr>
-            <p:ph sz="quarter" idx="14"/>
-          </p:nvPr>
-        </p:nvSpPr>
-        <p:spPr>
-          <a:xfrm>
-            <a:off x="4341573" y="2427370"/>
-            <a:ext cx="3508755" cy="3515555"/>
-          </a:xfrm>
-        </p:spPr>
-        <p:txBody>
-          <a:bodyPr>
-            <a:normAutofit lnSpcReduction="10000"/>
-          </a:bodyPr>
-          <a:lstStyle/>
-          <a:p>
-            <a:pPr lvl="0"/>
-            <a:r>
-              <a:rPr lang="en-US" dirty="0"/>
-              <a:t>Add text, images, art, and videos. </a:t>
-            </a:r>
-          </a:p>
-          <a:p>
-            <a:pPr lvl="0"/>
-            <a:r>
-              <a:rPr lang="en-US" dirty="0"/>
-              <a:t>Add transitions, animations, and motion. </a:t>
-            </a:r>
-          </a:p>
-          <a:p>
-            <a:pPr lvl="0"/>
-            <a:r>
-              <a:rPr lang="en-US" dirty="0"/>
-              <a:t>Save to OneDrive, to get to your presentations from your computer, tablet, or phone. </a:t>
-            </a:r>
-          </a:p>
-          <a:p>
-            <a:r>
-              <a:rPr lang="en-US" dirty="0"/>
-              <a:t>Open the Design Ideas pane for instant slide makeovers. </a:t>
-            </a:r>
-          </a:p>
-          <a:p>
-            <a:r>
-              <a:rPr lang="en-US" dirty="0"/>
-              <a:t>When we have design ideas, we’ll show them to you right there.</a:t>
-            </a:r>
-          </a:p>
-        </p:txBody>
-      </p:sp>
-      <p:sp>
-        <p:nvSpPr>
-          <p:cNvPr id="10" name="Text Placeholder 9">
-            <a:extLst>
-              <a:ext uri="{FF2B5EF4-FFF2-40B4-BE49-F238E27FC236}">
-                <a16:creationId xmlns:a16="http://schemas.microsoft.com/office/drawing/2014/main" id="{34A9BC34-CFDB-4D7A-8D6C-1CE608D0909F}"/>
-              </a:ext>
-            </a:extLst>
-          </p:cNvPr>
-          <p:cNvSpPr>
-            <a:spLocks noGrp="1"/>
-          </p:cNvSpPr>
-          <p:nvPr>
-            <p:ph type="body" sz="quarter" idx="3"/>
-          </p:nvPr>
-        </p:nvSpPr>
-        <p:spPr>
-          <a:xfrm>
-            <a:off x="8139659" y="1731375"/>
-            <a:ext cx="3566160" cy="535354"/>
-          </a:xfrm>
-        </p:spPr>
-        <p:txBody>
-          <a:bodyPr/>
-          <a:lstStyle/>
-          <a:p>
-            <a:r>
-              <a:rPr lang="en-US"/>
-              <a:t>subtitle</a:t>
-            </a:r>
-            <a:endParaRPr lang="en-US" dirty="0"/>
-          </a:p>
-        </p:txBody>
-      </p:sp>
-      <p:sp>
-        <p:nvSpPr>
-          <p:cNvPr id="11" name="Content Placeholder 10">
-            <a:extLst>
-              <a:ext uri="{FF2B5EF4-FFF2-40B4-BE49-F238E27FC236}">
-                <a16:creationId xmlns:a16="http://schemas.microsoft.com/office/drawing/2014/main" id="{1D014E48-5DD9-49CE-AD5B-0FEF69204F68}"/>
-              </a:ext>
-            </a:extLst>
-          </p:cNvPr>
-          <p:cNvSpPr>
-            <a:spLocks noGrp="1"/>
-          </p:cNvSpPr>
-          <p:nvPr>
-            <p:ph sz="quarter" idx="4"/>
-          </p:nvPr>
-        </p:nvSpPr>
-        <p:spPr>
-          <a:xfrm>
-            <a:off x="8139659" y="2427370"/>
-            <a:ext cx="3508755" cy="3515555"/>
-          </a:xfrm>
-        </p:spPr>
-        <p:txBody>
-          <a:bodyPr>
-            <a:normAutofit lnSpcReduction="10000"/>
-          </a:bodyPr>
-          <a:lstStyle/>
-          <a:p>
-            <a:pPr lvl="0"/>
-            <a:r>
-              <a:rPr lang="en-US" dirty="0"/>
-              <a:t>Add text, images, art, and videos. </a:t>
-            </a:r>
-          </a:p>
-          <a:p>
-            <a:pPr lvl="0"/>
-            <a:r>
-              <a:rPr lang="en-US" dirty="0"/>
-              <a:t>Add transitions, animations, and motion. </a:t>
-            </a:r>
-          </a:p>
-          <a:p>
-            <a:pPr lvl="0"/>
-            <a:r>
-              <a:rPr lang="en-US" dirty="0"/>
-              <a:t>Save to OneDrive, to get to your presentations from your computer, tablet, or phone. </a:t>
-            </a:r>
-          </a:p>
-          <a:p>
-            <a:r>
-              <a:rPr lang="en-US" dirty="0"/>
-              <a:t>Open the Design Ideas pane for instant slide makeovers. </a:t>
-            </a:r>
-          </a:p>
-          <a:p>
-            <a:r>
-              <a:rPr lang="en-US" dirty="0"/>
-              <a:t>When we have design ideas, we’ll show them to you right there.</a:t>
-            </a:r>
-          </a:p>
-        </p:txBody>
-      </p:sp>
-      <p:sp>
-        <p:nvSpPr>
-          <p:cNvPr id="14" name="Date Placeholder 13">
-            <a:extLst>
-              <a:ext uri="{FF2B5EF4-FFF2-40B4-BE49-F238E27FC236}">
-                <a16:creationId xmlns:a16="http://schemas.microsoft.com/office/drawing/2014/main" id="{D236478C-E242-44E0-8357-C72C9B588CA7}"/>
+                <a16:creationId xmlns:a16="http://schemas.microsoft.com/office/drawing/2014/main" id="{5E132014-EF52-82A6-B5FC-CDBC90365BA0}"/>
               </a:ext>
             </a:extLst>
           </p:cNvPr>
@@ -19011,85 +18260,16 @@
           <a:lstStyle/>
           <a:p>
             <a:r>
-              <a:rPr lang="en-US"/>
-              <a:t>Tuesday, February 2, 20XX</a:t>
-            </a:r>
-            <a:endParaRPr lang="en-US" dirty="0"/>
-          </a:p>
-        </p:txBody>
-      </p:sp>
-      <p:sp>
-        <p:nvSpPr>
-          <p:cNvPr id="15" name="Footer Placeholder 14">
-            <a:extLst>
-              <a:ext uri="{FF2B5EF4-FFF2-40B4-BE49-F238E27FC236}">
-                <a16:creationId xmlns:a16="http://schemas.microsoft.com/office/drawing/2014/main" id="{65A6DC02-681E-4AF7-AC6E-57CDDB2FBA28}"/>
-              </a:ext>
-            </a:extLst>
-          </p:cNvPr>
-          <p:cNvSpPr>
-            <a:spLocks noGrp="1"/>
-          </p:cNvSpPr>
-          <p:nvPr>
-            <p:ph type="ftr" sz="quarter" idx="11"/>
-          </p:nvPr>
-        </p:nvSpPr>
-        <p:spPr>
-          <a:xfrm>
-            <a:off x="3359150" y="6507212"/>
-            <a:ext cx="6379210" cy="153888"/>
-          </a:xfrm>
-        </p:spPr>
-        <p:txBody>
-          <a:bodyPr/>
-          <a:lstStyle/>
-          <a:p>
-            <a:r>
-              <a:rPr lang="en-US"/>
-              <a:t>Sample Footer Text</a:t>
-            </a:r>
-          </a:p>
-        </p:txBody>
-      </p:sp>
-      <p:sp>
-        <p:nvSpPr>
-          <p:cNvPr id="16" name="Slide Number Placeholder 15">
-            <a:extLst>
-              <a:ext uri="{FF2B5EF4-FFF2-40B4-BE49-F238E27FC236}">
-                <a16:creationId xmlns:a16="http://schemas.microsoft.com/office/drawing/2014/main" id="{CF0A8666-4477-461C-A79D-E91232EE973E}"/>
-              </a:ext>
-            </a:extLst>
-          </p:cNvPr>
-          <p:cNvSpPr>
-            <a:spLocks noGrp="1"/>
-          </p:cNvSpPr>
-          <p:nvPr>
-            <p:ph type="sldNum" sz="quarter" idx="12"/>
-          </p:nvPr>
-        </p:nvSpPr>
-        <p:spPr>
-          <a:xfrm>
-            <a:off x="9948863" y="6507212"/>
-            <a:ext cx="1692274" cy="153888"/>
-          </a:xfrm>
-        </p:spPr>
-        <p:txBody>
-          <a:bodyPr/>
-          <a:lstStyle/>
-          <a:p>
-            <a:fld id="{DBA1B0FB-D917-4C8C-928F-313BD683BF39}" type="slidenum">
-              <a:rPr lang="en-US" smtClean="0"/>
-              <a:pPr/>
-              <a:t>11</a:t>
-            </a:fld>
-            <a:endParaRPr lang="en-US"/>
+              <a:rPr lang="en-US" dirty="0"/>
+              <a:t>Friday, July 8, 2022</a:t>
+            </a:r>
           </a:p>
         </p:txBody>
       </p:sp>
     </p:spTree>
     <p:extLst>
       <p:ext uri="{BB962C8B-B14F-4D97-AF65-F5344CB8AC3E}">
-        <p14:creationId xmlns:p14="http://schemas.microsoft.com/office/powerpoint/2010/main" val="1420547054"/>
+        <p14:creationId xmlns:p14="http://schemas.microsoft.com/office/powerpoint/2010/main" val="3521561301"/>
       </p:ext>
     </p:extLst>
   </p:cSld>
@@ -19118,10 +18298,10 @@
       </p:grpSpPr>
       <p:sp>
         <p:nvSpPr>
-          <p:cNvPr id="11" name="Title 10">
+          <p:cNvPr id="22" name="Title 21">
             <a:extLst>
               <a:ext uri="{FF2B5EF4-FFF2-40B4-BE49-F238E27FC236}">
-                <a16:creationId xmlns:a16="http://schemas.microsoft.com/office/drawing/2014/main" id="{581E8936-2270-47FE-94A4-398CB123EF90}"/>
+                <a16:creationId xmlns:a16="http://schemas.microsoft.com/office/drawing/2014/main" id="{F8FAEED9-1ECD-45F9-87A0-9394BAEABB79}"/>
               </a:ext>
             </a:extLst>
           </p:cNvPr>
@@ -19129,13 +18309,13 @@
             <a:spLocks noGrp="1"/>
           </p:cNvSpPr>
           <p:nvPr>
-            <p:ph type="title"/>
+            <p:ph type="ctrTitle"/>
           </p:nvPr>
         </p:nvSpPr>
         <p:spPr>
           <a:xfrm>
-            <a:off x="550863" y="4508500"/>
-            <a:ext cx="4500562" cy="1562959"/>
+            <a:off x="550863" y="549275"/>
+            <a:ext cx="5437187" cy="2986234"/>
           </a:xfrm>
         </p:spPr>
         <p:txBody>
@@ -19144,17 +18324,62 @@
           <a:p>
             <a:r>
               <a:rPr lang="en-US" dirty="0"/>
-              <a:t>Summary</a:t>
+              <a:t>Thank You</a:t>
+            </a:r>
+          </a:p>
+        </p:txBody>
+      </p:sp>
+      <p:sp>
+        <p:nvSpPr>
+          <p:cNvPr id="23" name="Subtitle 22">
+            <a:extLst>
+              <a:ext uri="{FF2B5EF4-FFF2-40B4-BE49-F238E27FC236}">
+                <a16:creationId xmlns:a16="http://schemas.microsoft.com/office/drawing/2014/main" id="{8E5E4638-9BCB-4C2E-914F-CC868E2020D5}"/>
+              </a:ext>
+            </a:extLst>
+          </p:cNvPr>
+          <p:cNvSpPr>
+            <a:spLocks noGrp="1"/>
+          </p:cNvSpPr>
+          <p:nvPr>
+            <p:ph type="subTitle" idx="1"/>
+          </p:nvPr>
+        </p:nvSpPr>
+        <p:spPr>
+          <a:xfrm>
+            <a:off x="550863" y="3827610"/>
+            <a:ext cx="5437187" cy="2265216"/>
+          </a:xfrm>
+        </p:spPr>
+        <p:txBody>
+          <a:bodyPr/>
+          <a:lstStyle/>
+          <a:p>
+            <a:r>
+              <a:rPr lang="en-US" dirty="0"/>
+              <a:t>G-10</a:t>
+            </a:r>
+          </a:p>
+          <a:p>
+            <a:r>
+              <a:rPr lang="en-US" dirty="0"/>
+              <a:t>GitHub Repo</a:t>
+            </a:r>
+          </a:p>
+          <a:p>
+            <a:r>
+              <a:rPr lang="en-US" dirty="0"/>
+              <a:t>Website address</a:t>
             </a:r>
           </a:p>
         </p:txBody>
       </p:sp>
       <p:pic>
         <p:nvPicPr>
-          <p:cNvPr id="16" name="Picture Placeholder 15" descr="Data Points Digital background">
+          <p:cNvPr id="27" name="Picture Placeholder 26" descr="Data Points Digital background">
             <a:extLst>
               <a:ext uri="{FF2B5EF4-FFF2-40B4-BE49-F238E27FC236}">
-                <a16:creationId xmlns:a16="http://schemas.microsoft.com/office/drawing/2014/main" id="{361E9ADB-7377-4CF1-9AE4-AEFBDEBEEEEC}"/>
+                <a16:creationId xmlns:a16="http://schemas.microsoft.com/office/drawing/2014/main" id="{9E660784-34E2-4CDA-926A-DDD6AAF35046}"/>
               </a:ext>
             </a:extLst>
           </p:cNvPr>
@@ -19162,11 +18387,11 @@
             <a:picLocks noGrp="1" noChangeAspect="1"/>
           </p:cNvPicPr>
           <p:nvPr>
-            <p:ph type="pic" sz="quarter" idx="13"/>
+            <p:ph type="pic" sz="quarter" idx="15"/>
           </p:nvPr>
         </p:nvPicPr>
         <p:blipFill rotWithShape="1">
-          <a:blip r:embed="rId3" cstate="screen">
+          <a:blip r:embed="rId2" cstate="screen">
             <a:extLst>
               <a:ext uri="{28A0092B-C50C-407E-A947-70E740481C1C}">
                 <a14:useLocalDpi xmlns:a14="http://schemas.microsoft.com/office/drawing/2010/main" val="0"/>
@@ -19178,17 +18403,51 @@
         </p:blipFill>
         <p:spPr>
           <a:xfrm>
-            <a:off x="0" y="0"/>
-            <a:ext cx="12192000" cy="3776472"/>
+            <a:off x="6556248" y="548640"/>
+            <a:ext cx="5084064" cy="2880360"/>
+          </a:xfrm>
+        </p:spPr>
+      </p:pic>
+      <p:pic>
+        <p:nvPicPr>
+          <p:cNvPr id="33" name="Picture Placeholder 32" descr="Data Points Digital background">
+            <a:extLst>
+              <a:ext uri="{FF2B5EF4-FFF2-40B4-BE49-F238E27FC236}">
+                <a16:creationId xmlns:a16="http://schemas.microsoft.com/office/drawing/2014/main" id="{48106962-23C6-4DFE-BB3A-E5FFF03F38CE}"/>
+              </a:ext>
+            </a:extLst>
+          </p:cNvPr>
+          <p:cNvPicPr>
+            <a:picLocks noGrp="1" noChangeAspect="1"/>
+          </p:cNvPicPr>
+          <p:nvPr>
+            <p:ph type="pic" sz="quarter" idx="16"/>
+          </p:nvPr>
+        </p:nvPicPr>
+        <p:blipFill rotWithShape="1">
+          <a:blip r:embed="rId3" cstate="screen">
+            <a:extLst>
+              <a:ext uri="{28A0092B-C50C-407E-A947-70E740481C1C}">
+                <a14:useLocalDpi xmlns:a14="http://schemas.microsoft.com/office/drawing/2010/main" val="0"/>
+              </a:ext>
+            </a:extLst>
+          </a:blip>
+          <a:srcRect/>
+          <a:stretch/>
+        </p:blipFill>
+        <p:spPr>
+          <a:xfrm>
+            <a:off x="6556248" y="3429000"/>
+            <a:ext cx="5084064" cy="2880360"/>
           </a:xfrm>
         </p:spPr>
       </p:pic>
       <p:sp>
         <p:nvSpPr>
-          <p:cNvPr id="13" name="Content Placeholder 12">
+          <p:cNvPr id="6" name="Slide Number Placeholder 5">
             <a:extLst>
               <a:ext uri="{FF2B5EF4-FFF2-40B4-BE49-F238E27FC236}">
-                <a16:creationId xmlns:a16="http://schemas.microsoft.com/office/drawing/2014/main" id="{C0287FEC-3826-4868-8D93-52429C6156F5}"/>
+                <a16:creationId xmlns:a16="http://schemas.microsoft.com/office/drawing/2014/main" id="{36E60F23-FB58-4EF8-82FD-E86CED25FDD4}"/>
               </a:ext>
             </a:extLst>
           </p:cNvPr>
@@ -19196,34 +18455,34 @@
             <a:spLocks noGrp="1"/>
           </p:cNvSpPr>
           <p:nvPr>
-            <p:ph sz="quarter" idx="15"/>
+            <p:ph type="sldNum" sz="quarter" idx="12"/>
           </p:nvPr>
         </p:nvSpPr>
         <p:spPr>
           <a:xfrm>
-            <a:off x="5262411" y="4508500"/>
-            <a:ext cx="6221412" cy="1563688"/>
+            <a:off x="9948863" y="6507212"/>
+            <a:ext cx="1692274" cy="153888"/>
           </a:xfrm>
         </p:spPr>
         <p:txBody>
-          <a:bodyPr>
-            <a:normAutofit lnSpcReduction="10000"/>
-          </a:bodyPr>
+          <a:bodyPr/>
           <a:lstStyle/>
           <a:p>
-            <a:r>
-              <a:rPr lang="en-US" dirty="0"/>
-              <a:t>With PowerPoint, you can create presentations and share your work with others, wherever they are. Type the text you want here to get started. You can also add images, art, and videos on this template. Save to OneDrive and access your presentations from your computer, tablet, or phone. </a:t>
-            </a:r>
+            <a:fld id="{DBA1B0FB-D917-4C8C-928F-313BD683BF39}" type="slidenum">
+              <a:rPr lang="en-US" smtClean="0"/>
+              <a:pPr/>
+              <a:t>12</a:t>
+            </a:fld>
+            <a:endParaRPr lang="en-US"/>
           </a:p>
         </p:txBody>
       </p:sp>
       <p:sp>
         <p:nvSpPr>
-          <p:cNvPr id="4" name="Date Placeholder 3">
+          <p:cNvPr id="9" name="Date Placeholder 3">
             <a:extLst>
               <a:ext uri="{FF2B5EF4-FFF2-40B4-BE49-F238E27FC236}">
-                <a16:creationId xmlns:a16="http://schemas.microsoft.com/office/drawing/2014/main" id="{0C329F70-04F7-4C70-BCF8-D4371F54EF2F}"/>
+                <a16:creationId xmlns:a16="http://schemas.microsoft.com/office/drawing/2014/main" id="{BBB738C7-7F8E-6FA3-FBA5-572591F13503}"/>
               </a:ext>
             </a:extLst>
           </p:cNvPr>
@@ -19245,19 +18504,18 @@
           <a:lstStyle/>
           <a:p>
             <a:r>
-              <a:rPr lang="en-US"/>
-              <a:t>Tuesday, February 2, 20XX</a:t>
-            </a:r>
-            <a:endParaRPr lang="en-US" dirty="0"/>
+              <a:rPr lang="en-US" dirty="0"/>
+              <a:t>Friday, July 8, 2022</a:t>
+            </a:r>
           </a:p>
         </p:txBody>
       </p:sp>
       <p:sp>
         <p:nvSpPr>
-          <p:cNvPr id="5" name="Footer Placeholder 4">
+          <p:cNvPr id="10" name="Footer Placeholder 14">
             <a:extLst>
               <a:ext uri="{FF2B5EF4-FFF2-40B4-BE49-F238E27FC236}">
-                <a16:creationId xmlns:a16="http://schemas.microsoft.com/office/drawing/2014/main" id="{06A3302E-502D-4151-81C9-5FD6AF9596D6}"/>
+                <a16:creationId xmlns:a16="http://schemas.microsoft.com/office/drawing/2014/main" id="{30D0DD42-33F6-A240-9AC9-B877F488DB37}"/>
               </a:ext>
             </a:extLst>
           </p:cNvPr>
@@ -19279,51 +18537,16 @@
           <a:lstStyle/>
           <a:p>
             <a:r>
-              <a:rPr lang="en-US"/>
-              <a:t>Sample Footer Text</a:t>
-            </a:r>
-          </a:p>
-        </p:txBody>
-      </p:sp>
-      <p:sp>
-        <p:nvSpPr>
-          <p:cNvPr id="6" name="Slide Number Placeholder 5">
-            <a:extLst>
-              <a:ext uri="{FF2B5EF4-FFF2-40B4-BE49-F238E27FC236}">
-                <a16:creationId xmlns:a16="http://schemas.microsoft.com/office/drawing/2014/main" id="{9ED907F8-C614-4D59-A03F-BF9CD5E35703}"/>
-              </a:ext>
-            </a:extLst>
-          </p:cNvPr>
-          <p:cNvSpPr>
-            <a:spLocks noGrp="1"/>
-          </p:cNvSpPr>
-          <p:nvPr>
-            <p:ph type="sldNum" sz="quarter" idx="12"/>
-          </p:nvPr>
-        </p:nvSpPr>
-        <p:spPr>
-          <a:xfrm>
-            <a:off x="9948863" y="6507212"/>
-            <a:ext cx="1692274" cy="153888"/>
-          </a:xfrm>
-        </p:spPr>
-        <p:txBody>
-          <a:bodyPr/>
-          <a:lstStyle/>
-          <a:p>
-            <a:fld id="{DBA1B0FB-D917-4C8C-928F-313BD683BF39}" type="slidenum">
-              <a:rPr lang="en-US" smtClean="0"/>
-              <a:pPr/>
-              <a:t>12</a:t>
-            </a:fld>
-            <a:endParaRPr lang="en-US"/>
+              <a:rPr lang="en-US" dirty="0"/>
+              <a:t>G-10 Concert Lounge</a:t>
+            </a:r>
           </a:p>
         </p:txBody>
       </p:sp>
     </p:spTree>
     <p:extLst>
       <p:ext uri="{BB962C8B-B14F-4D97-AF65-F5344CB8AC3E}">
-        <p14:creationId xmlns:p14="http://schemas.microsoft.com/office/powerpoint/2010/main" val="3521561301"/>
+        <p14:creationId xmlns:p14="http://schemas.microsoft.com/office/powerpoint/2010/main" val="3247798845"/>
       </p:ext>
     </p:extLst>
   </p:cSld>
@@ -19350,90 +18573,80 @@
           <a:chExt cx="0" cy="0"/>
         </a:xfrm>
       </p:grpSpPr>
-      <p:sp>
-        <p:nvSpPr>
-          <p:cNvPr id="22" name="Title 21">
+      <p:pic>
+        <p:nvPicPr>
+          <p:cNvPr id="17" name="Picture Placeholder 16" descr="A man smiling in the office">
             <a:extLst>
               <a:ext uri="{FF2B5EF4-FFF2-40B4-BE49-F238E27FC236}">
-                <a16:creationId xmlns:a16="http://schemas.microsoft.com/office/drawing/2014/main" id="{F8FAEED9-1ECD-45F9-87A0-9394BAEABB79}"/>
+                <a16:creationId xmlns:a16="http://schemas.microsoft.com/office/drawing/2014/main" id="{05ED5B1E-974F-476C-A3C9-572D3602E95E}"/>
               </a:ext>
             </a:extLst>
           </p:cNvPr>
-          <p:cNvSpPr>
-            <a:spLocks noGrp="1"/>
-          </p:cNvSpPr>
+          <p:cNvPicPr>
+            <a:picLocks noGrp="1" noChangeAspect="1"/>
+          </p:cNvPicPr>
           <p:nvPr>
-            <p:ph type="ctrTitle"/>
+            <p:ph type="pic" sz="quarter" idx="13"/>
           </p:nvPr>
-        </p:nvSpPr>
+        </p:nvPicPr>
+        <p:blipFill rotWithShape="1">
+          <a:blip r:embed="rId3" cstate="screen">
+            <a:extLst>
+              <a:ext uri="{28A0092B-C50C-407E-A947-70E740481C1C}">
+                <a14:useLocalDpi xmlns:a14="http://schemas.microsoft.com/office/drawing/2010/main" val="0"/>
+              </a:ext>
+            </a:extLst>
+          </a:blip>
+          <a:srcRect/>
+          <a:stretch/>
+        </p:blipFill>
         <p:spPr>
           <a:xfrm>
-            <a:off x="550863" y="549275"/>
-            <a:ext cx="5437187" cy="2986234"/>
+            <a:off x="1078992" y="1990724"/>
+            <a:ext cx="1691640" cy="1435608"/>
           </a:xfrm>
         </p:spPr>
-        <p:txBody>
-          <a:bodyPr/>
-          <a:lstStyle/>
-          <a:p>
-            <a:r>
-              <a:rPr lang="en-US" dirty="0"/>
-              <a:t>Thank You</a:t>
-            </a:r>
-          </a:p>
-        </p:txBody>
-      </p:sp>
-      <p:sp>
-        <p:nvSpPr>
-          <p:cNvPr id="23" name="Subtitle 22">
+      </p:pic>
+      <p:pic>
+        <p:nvPicPr>
+          <p:cNvPr id="36" name="Picture Placeholder 35" descr="A lady smiling in the office">
             <a:extLst>
               <a:ext uri="{FF2B5EF4-FFF2-40B4-BE49-F238E27FC236}">
-                <a16:creationId xmlns:a16="http://schemas.microsoft.com/office/drawing/2014/main" id="{8E5E4638-9BCB-4C2E-914F-CC868E2020D5}"/>
+                <a16:creationId xmlns:a16="http://schemas.microsoft.com/office/drawing/2014/main" id="{F3CCCCDF-EA66-4F5E-98F3-A05239CBBAC4}"/>
               </a:ext>
             </a:extLst>
           </p:cNvPr>
-          <p:cNvSpPr>
-            <a:spLocks noGrp="1"/>
-          </p:cNvSpPr>
+          <p:cNvPicPr>
+            <a:picLocks noGrp="1" noChangeAspect="1"/>
+          </p:cNvPicPr>
           <p:nvPr>
-            <p:ph type="subTitle" idx="1"/>
+            <p:ph type="pic" sz="quarter" idx="14"/>
           </p:nvPr>
-        </p:nvSpPr>
+        </p:nvPicPr>
+        <p:blipFill rotWithShape="1">
+          <a:blip r:embed="rId4" cstate="screen">
+            <a:extLst>
+              <a:ext uri="{28A0092B-C50C-407E-A947-70E740481C1C}">
+                <a14:useLocalDpi xmlns:a14="http://schemas.microsoft.com/office/drawing/2010/main" val="0"/>
+              </a:ext>
+            </a:extLst>
+          </a:blip>
+          <a:srcRect/>
+          <a:stretch/>
+        </p:blipFill>
         <p:spPr>
           <a:xfrm>
-            <a:off x="550863" y="3827610"/>
-            <a:ext cx="5437187" cy="2265216"/>
+            <a:off x="3838384" y="1990724"/>
+            <a:ext cx="1691640" cy="1435608"/>
           </a:xfrm>
         </p:spPr>
-        <p:txBody>
-          <a:bodyPr/>
-          <a:lstStyle/>
-          <a:p>
-            <a:r>
-              <a:rPr lang="en-US" dirty="0"/>
-              <a:t>Presenter name</a:t>
-            </a:r>
-          </a:p>
-          <a:p>
-            <a:r>
-              <a:rPr lang="en-US" dirty="0"/>
-              <a:t>Email address</a:t>
-            </a:r>
-          </a:p>
-          <a:p>
-            <a:r>
-              <a:rPr lang="en-US" dirty="0"/>
-              <a:t>Website address</a:t>
-            </a:r>
-          </a:p>
-        </p:txBody>
-      </p:sp>
+      </p:pic>
       <p:pic>
         <p:nvPicPr>
-          <p:cNvPr id="27" name="Picture Placeholder 26" descr="Data Points Digital background">
+          <p:cNvPr id="38" name="Picture Placeholder 37" descr="A lady in the office smiling at the camera&#10;">
             <a:extLst>
               <a:ext uri="{FF2B5EF4-FFF2-40B4-BE49-F238E27FC236}">
-                <a16:creationId xmlns:a16="http://schemas.microsoft.com/office/drawing/2014/main" id="{9E660784-34E2-4CDA-926A-DDD6AAF35046}"/>
+                <a16:creationId xmlns:a16="http://schemas.microsoft.com/office/drawing/2014/main" id="{8A6BB597-41F4-432E-8432-8F39511B2941}"/>
               </a:ext>
             </a:extLst>
           </p:cNvPr>
@@ -19445,7 +18658,7 @@
           </p:nvPr>
         </p:nvPicPr>
         <p:blipFill rotWithShape="1">
-          <a:blip r:embed="rId2" cstate="screen">
+          <a:blip r:embed="rId5" cstate="screen">
             <a:extLst>
               <a:ext uri="{28A0092B-C50C-407E-A947-70E740481C1C}">
                 <a14:useLocalDpi xmlns:a14="http://schemas.microsoft.com/office/drawing/2010/main" val="0"/>
@@ -19457,17 +18670,17 @@
         </p:blipFill>
         <p:spPr>
           <a:xfrm>
-            <a:off x="6556248" y="548640"/>
-            <a:ext cx="5084064" cy="2880360"/>
+            <a:off x="6661976" y="1993392"/>
+            <a:ext cx="1691640" cy="1435608"/>
           </a:xfrm>
         </p:spPr>
       </p:pic>
       <p:pic>
         <p:nvPicPr>
-          <p:cNvPr id="33" name="Picture Placeholder 32" descr="Data Points Digital background">
+          <p:cNvPr id="40" name="Picture Placeholder 39" descr="Smiling man with a beard">
             <a:extLst>
               <a:ext uri="{FF2B5EF4-FFF2-40B4-BE49-F238E27FC236}">
-                <a16:creationId xmlns:a16="http://schemas.microsoft.com/office/drawing/2014/main" id="{48106962-23C6-4DFE-BB3A-E5FFF03F38CE}"/>
+                <a16:creationId xmlns:a16="http://schemas.microsoft.com/office/drawing/2014/main" id="{76B2FC80-9F3B-46D8-94D9-882D90A858F6}"/>
               </a:ext>
             </a:extLst>
           </p:cNvPr>
@@ -19479,7 +18692,7 @@
           </p:nvPr>
         </p:nvPicPr>
         <p:blipFill rotWithShape="1">
-          <a:blip r:embed="rId3" cstate="screen">
+          <a:blip r:embed="rId6" cstate="screen">
             <a:extLst>
               <a:ext uri="{28A0092B-C50C-407E-A947-70E740481C1C}">
                 <a14:useLocalDpi xmlns:a14="http://schemas.microsoft.com/office/drawing/2010/main" val="0"/>
@@ -19491,17 +18704,281 @@
         </p:blipFill>
         <p:spPr>
           <a:xfrm>
-            <a:off x="6556248" y="3429000"/>
-            <a:ext cx="5084064" cy="2880360"/>
+            <a:off x="9485568" y="1990724"/>
+            <a:ext cx="1691640" cy="1435608"/>
           </a:xfrm>
         </p:spPr>
       </p:pic>
       <p:sp>
         <p:nvSpPr>
-          <p:cNvPr id="4" name="Date Placeholder 3">
+          <p:cNvPr id="41" name="Text Placeholder 40">
             <a:extLst>
               <a:ext uri="{FF2B5EF4-FFF2-40B4-BE49-F238E27FC236}">
-                <a16:creationId xmlns:a16="http://schemas.microsoft.com/office/drawing/2014/main" id="{7823E305-6365-4345-8BD1-4A31C61D96CB}"/>
+                <a16:creationId xmlns:a16="http://schemas.microsoft.com/office/drawing/2014/main" id="{91181F6D-A54F-4289-8C36-80ECE3B2C8E2}"/>
+              </a:ext>
+            </a:extLst>
+          </p:cNvPr>
+          <p:cNvSpPr>
+            <a:spLocks noGrp="1"/>
+          </p:cNvSpPr>
+          <p:nvPr>
+            <p:ph type="body" sz="quarter" idx="18"/>
+          </p:nvPr>
+        </p:nvSpPr>
+        <p:spPr>
+          <a:xfrm>
+            <a:off x="1079500" y="3781425"/>
+            <a:ext cx="1711325" cy="365760"/>
+          </a:xfrm>
+        </p:spPr>
+        <p:txBody>
+          <a:bodyPr/>
+          <a:lstStyle/>
+          <a:p>
+            <a:r>
+              <a:rPr lang="en-US" dirty="0"/>
+              <a:t>Name</a:t>
+            </a:r>
+          </a:p>
+        </p:txBody>
+      </p:sp>
+      <p:sp>
+        <p:nvSpPr>
+          <p:cNvPr id="15" name="Subtitle 14">
+            <a:extLst>
+              <a:ext uri="{FF2B5EF4-FFF2-40B4-BE49-F238E27FC236}">
+                <a16:creationId xmlns:a16="http://schemas.microsoft.com/office/drawing/2014/main" id="{84D39D81-9726-4BD7-BDC0-FA0B2AD0D219}"/>
+              </a:ext>
+            </a:extLst>
+          </p:cNvPr>
+          <p:cNvSpPr>
+            <a:spLocks noGrp="1"/>
+          </p:cNvSpPr>
+          <p:nvPr>
+            <p:ph type="body" sz="quarter" idx="17"/>
+          </p:nvPr>
+        </p:nvSpPr>
+        <p:spPr>
+          <a:xfrm>
+            <a:off x="1078733" y="4232949"/>
+            <a:ext cx="1711572" cy="638175"/>
+          </a:xfrm>
+        </p:spPr>
+        <p:txBody>
+          <a:bodyPr/>
+          <a:lstStyle/>
+          <a:p>
+            <a:r>
+              <a:rPr lang="en-US" dirty="0"/>
+              <a:t>Title</a:t>
+            </a:r>
+          </a:p>
+        </p:txBody>
+      </p:sp>
+      <p:sp>
+        <p:nvSpPr>
+          <p:cNvPr id="43" name="Text Placeholder 42">
+            <a:extLst>
+              <a:ext uri="{FF2B5EF4-FFF2-40B4-BE49-F238E27FC236}">
+                <a16:creationId xmlns:a16="http://schemas.microsoft.com/office/drawing/2014/main" id="{E4387CED-5FBE-4AFF-B64D-975B5574F16F}"/>
+              </a:ext>
+            </a:extLst>
+          </p:cNvPr>
+          <p:cNvSpPr>
+            <a:spLocks noGrp="1"/>
+          </p:cNvSpPr>
+          <p:nvPr>
+            <p:ph type="body" sz="quarter" idx="20"/>
+          </p:nvPr>
+        </p:nvSpPr>
+        <p:spPr>
+          <a:xfrm>
+            <a:off x="3839151" y="3781425"/>
+            <a:ext cx="1711325" cy="365760"/>
+          </a:xfrm>
+        </p:spPr>
+        <p:txBody>
+          <a:bodyPr/>
+          <a:lstStyle/>
+          <a:p>
+            <a:r>
+              <a:rPr lang="en-US" dirty="0"/>
+              <a:t>Name</a:t>
+            </a:r>
+          </a:p>
+        </p:txBody>
+      </p:sp>
+      <p:sp>
+        <p:nvSpPr>
+          <p:cNvPr id="42" name="Text Placeholder 41">
+            <a:extLst>
+              <a:ext uri="{FF2B5EF4-FFF2-40B4-BE49-F238E27FC236}">
+                <a16:creationId xmlns:a16="http://schemas.microsoft.com/office/drawing/2014/main" id="{CCDF84CD-BC27-4182-9FBA-9D4FEED95410}"/>
+              </a:ext>
+            </a:extLst>
+          </p:cNvPr>
+          <p:cNvSpPr>
+            <a:spLocks noGrp="1"/>
+          </p:cNvSpPr>
+          <p:nvPr>
+            <p:ph type="body" sz="quarter" idx="19"/>
+          </p:nvPr>
+        </p:nvSpPr>
+        <p:spPr>
+          <a:xfrm>
+            <a:off x="3838384" y="4232949"/>
+            <a:ext cx="1711572" cy="638175"/>
+          </a:xfrm>
+        </p:spPr>
+        <p:txBody>
+          <a:bodyPr/>
+          <a:lstStyle/>
+          <a:p>
+            <a:r>
+              <a:rPr lang="en-US" dirty="0"/>
+              <a:t>Title</a:t>
+            </a:r>
+          </a:p>
+        </p:txBody>
+      </p:sp>
+      <p:sp>
+        <p:nvSpPr>
+          <p:cNvPr id="45" name="Text Placeholder 44">
+            <a:extLst>
+              <a:ext uri="{FF2B5EF4-FFF2-40B4-BE49-F238E27FC236}">
+                <a16:creationId xmlns:a16="http://schemas.microsoft.com/office/drawing/2014/main" id="{FE5CD03B-066A-46AF-8FB8-E8A78074ABEF}"/>
+              </a:ext>
+            </a:extLst>
+          </p:cNvPr>
+          <p:cNvSpPr>
+            <a:spLocks noGrp="1"/>
+          </p:cNvSpPr>
+          <p:nvPr>
+            <p:ph type="body" sz="quarter" idx="22"/>
+          </p:nvPr>
+        </p:nvSpPr>
+        <p:spPr>
+          <a:xfrm>
+            <a:off x="6662743" y="3781425"/>
+            <a:ext cx="1711325" cy="365760"/>
+          </a:xfrm>
+        </p:spPr>
+        <p:txBody>
+          <a:bodyPr/>
+          <a:lstStyle/>
+          <a:p>
+            <a:r>
+              <a:rPr lang="en-US" dirty="0"/>
+              <a:t>Name</a:t>
+            </a:r>
+          </a:p>
+        </p:txBody>
+      </p:sp>
+      <p:sp>
+        <p:nvSpPr>
+          <p:cNvPr id="44" name="Text Placeholder 43">
+            <a:extLst>
+              <a:ext uri="{FF2B5EF4-FFF2-40B4-BE49-F238E27FC236}">
+                <a16:creationId xmlns:a16="http://schemas.microsoft.com/office/drawing/2014/main" id="{10E83414-3440-46C7-8C07-7D073B69C422}"/>
+              </a:ext>
+            </a:extLst>
+          </p:cNvPr>
+          <p:cNvSpPr>
+            <a:spLocks noGrp="1"/>
+          </p:cNvSpPr>
+          <p:nvPr>
+            <p:ph type="body" sz="quarter" idx="21"/>
+          </p:nvPr>
+        </p:nvSpPr>
+        <p:spPr>
+          <a:xfrm>
+            <a:off x="6661976" y="4232949"/>
+            <a:ext cx="1711572" cy="638175"/>
+          </a:xfrm>
+        </p:spPr>
+        <p:txBody>
+          <a:bodyPr/>
+          <a:lstStyle/>
+          <a:p>
+            <a:r>
+              <a:rPr lang="en-US" dirty="0"/>
+              <a:t>Title</a:t>
+            </a:r>
+          </a:p>
+        </p:txBody>
+      </p:sp>
+      <p:sp>
+        <p:nvSpPr>
+          <p:cNvPr id="47" name="Text Placeholder 46">
+            <a:extLst>
+              <a:ext uri="{FF2B5EF4-FFF2-40B4-BE49-F238E27FC236}">
+                <a16:creationId xmlns:a16="http://schemas.microsoft.com/office/drawing/2014/main" id="{F4640D91-CB97-4FCC-8FEF-F4B22B844DC4}"/>
+              </a:ext>
+            </a:extLst>
+          </p:cNvPr>
+          <p:cNvSpPr>
+            <a:spLocks noGrp="1"/>
+          </p:cNvSpPr>
+          <p:nvPr>
+            <p:ph type="body" sz="quarter" idx="24"/>
+          </p:nvPr>
+        </p:nvSpPr>
+        <p:spPr>
+          <a:xfrm>
+            <a:off x="9433112" y="3787288"/>
+            <a:ext cx="1711325" cy="365760"/>
+          </a:xfrm>
+        </p:spPr>
+        <p:txBody>
+          <a:bodyPr/>
+          <a:lstStyle/>
+          <a:p>
+            <a:r>
+              <a:rPr lang="en-US" dirty="0"/>
+              <a:t>Name</a:t>
+            </a:r>
+          </a:p>
+        </p:txBody>
+      </p:sp>
+      <p:sp>
+        <p:nvSpPr>
+          <p:cNvPr id="3" name="Text Placeholder 2">
+            <a:extLst>
+              <a:ext uri="{FF2B5EF4-FFF2-40B4-BE49-F238E27FC236}">
+                <a16:creationId xmlns:a16="http://schemas.microsoft.com/office/drawing/2014/main" id="{B1C6A53C-7538-4FF9-BC09-EFC116FE7054}"/>
+              </a:ext>
+            </a:extLst>
+          </p:cNvPr>
+          <p:cNvSpPr>
+            <a:spLocks noGrp="1"/>
+          </p:cNvSpPr>
+          <p:nvPr>
+            <p:ph type="body" sz="quarter" idx="23"/>
+          </p:nvPr>
+        </p:nvSpPr>
+        <p:spPr>
+          <a:xfrm>
+            <a:off x="9432345" y="4238812"/>
+            <a:ext cx="1711572" cy="638175"/>
+          </a:xfrm>
+        </p:spPr>
+        <p:txBody>
+          <a:bodyPr/>
+          <a:lstStyle/>
+          <a:p>
+            <a:r>
+              <a:rPr lang="en-US" dirty="0"/>
+              <a:t>Title</a:t>
+            </a:r>
+          </a:p>
+        </p:txBody>
+      </p:sp>
+      <p:sp>
+        <p:nvSpPr>
+          <p:cNvPr id="7" name="Date Placeholder 6">
+            <a:extLst>
+              <a:ext uri="{FF2B5EF4-FFF2-40B4-BE49-F238E27FC236}">
+                <a16:creationId xmlns:a16="http://schemas.microsoft.com/office/drawing/2014/main" id="{45F69D6A-822D-4DB9-A2CC-D9106F1F2B68}"/>
               </a:ext>
             </a:extLst>
           </p:cNvPr>
@@ -19526,15 +19003,16 @@
               <a:rPr lang="en-US"/>
               <a:t>Tuesday, February 2, 20XX</a:t>
             </a:r>
+            <a:endParaRPr lang="en-US" dirty="0"/>
           </a:p>
         </p:txBody>
       </p:sp>
       <p:sp>
         <p:nvSpPr>
-          <p:cNvPr id="5" name="Footer Placeholder 4">
+          <p:cNvPr id="8" name="Footer Placeholder 7">
             <a:extLst>
               <a:ext uri="{FF2B5EF4-FFF2-40B4-BE49-F238E27FC236}">
-                <a16:creationId xmlns:a16="http://schemas.microsoft.com/office/drawing/2014/main" id="{0B37A3FF-ED32-4C4A-A21F-848A3BF6F896}"/>
+                <a16:creationId xmlns:a16="http://schemas.microsoft.com/office/drawing/2014/main" id="{6375D7F3-165A-439B-8D1D-6553B68C2886}"/>
               </a:ext>
             </a:extLst>
           </p:cNvPr>
@@ -19564,10 +19042,10 @@
       </p:sp>
       <p:sp>
         <p:nvSpPr>
-          <p:cNvPr id="6" name="Slide Number Placeholder 5">
+          <p:cNvPr id="9" name="Slide Number Placeholder 8">
             <a:extLst>
               <a:ext uri="{FF2B5EF4-FFF2-40B4-BE49-F238E27FC236}">
-                <a16:creationId xmlns:a16="http://schemas.microsoft.com/office/drawing/2014/main" id="{36E60F23-FB58-4EF8-82FD-E86CED25FDD4}"/>
+                <a16:creationId xmlns:a16="http://schemas.microsoft.com/office/drawing/2014/main" id="{7AF9A883-CC44-4401-AE67-8FCEACB7DDDA}"/>
               </a:ext>
             </a:extLst>
           </p:cNvPr>
@@ -19597,10 +19075,35 @@
           </a:p>
         </p:txBody>
       </p:sp>
+      <p:sp>
+        <p:nvSpPr>
+          <p:cNvPr id="4" name="Title 3">
+            <a:extLst>
+              <a:ext uri="{FF2B5EF4-FFF2-40B4-BE49-F238E27FC236}">
+                <a16:creationId xmlns:a16="http://schemas.microsoft.com/office/drawing/2014/main" id="{83E1F3A9-5B5A-FA9A-468E-D0A09B0E28EC}"/>
+              </a:ext>
+            </a:extLst>
+          </p:cNvPr>
+          <p:cNvSpPr>
+            <a:spLocks noGrp="1"/>
+          </p:cNvSpPr>
+          <p:nvPr>
+            <p:ph type="ctrTitle"/>
+          </p:nvPr>
+        </p:nvSpPr>
+        <p:spPr/>
+        <p:txBody>
+          <a:bodyPr/>
+          <a:lstStyle/>
+          <a:p>
+            <a:endParaRPr lang="en-US"/>
+          </a:p>
+        </p:txBody>
+      </p:sp>
     </p:spTree>
     <p:extLst>
       <p:ext uri="{BB962C8B-B14F-4D97-AF65-F5344CB8AC3E}">
-        <p14:creationId xmlns:p14="http://schemas.microsoft.com/office/powerpoint/2010/main" val="3247798845"/>
+        <p14:creationId xmlns:p14="http://schemas.microsoft.com/office/powerpoint/2010/main" val="2979876663"/>
       </p:ext>
     </p:extLst>
   </p:cSld>
@@ -19629,10 +19132,10 @@
       </p:grpSpPr>
       <p:sp>
         <p:nvSpPr>
-          <p:cNvPr id="2" name="Title 1">
+          <p:cNvPr id="11" name="Title 10">
             <a:extLst>
               <a:ext uri="{FF2B5EF4-FFF2-40B4-BE49-F238E27FC236}">
-                <a16:creationId xmlns:a16="http://schemas.microsoft.com/office/drawing/2014/main" id="{0046426E-F6F6-4A7C-9181-8C3090996261}"/>
+                <a16:creationId xmlns:a16="http://schemas.microsoft.com/office/drawing/2014/main" id="{23418ADF-358F-4647-A511-FCFFEDA83429}"/>
               </a:ext>
             </a:extLst>
           </p:cNvPr>
@@ -19645,8 +19148,8 @@
         </p:nvSpPr>
         <p:spPr>
           <a:xfrm>
-            <a:off x="550864" y="549275"/>
-            <a:ext cx="3565524" cy="1997855"/>
+            <a:off x="550863" y="4507200"/>
+            <a:ext cx="4500562" cy="1562959"/>
           </a:xfrm>
         </p:spPr>
         <p:txBody>
@@ -19654,98 +19157,19 @@
           <a:lstStyle/>
           <a:p>
             <a:r>
-              <a:rPr lang="en-US" dirty="0"/>
-              <a:t>Topics</a:t>
-            </a:r>
-          </a:p>
-        </p:txBody>
-      </p:sp>
-      <p:sp>
-        <p:nvSpPr>
-          <p:cNvPr id="3" name="Content Placeholder 2">
-            <a:extLst>
-              <a:ext uri="{FF2B5EF4-FFF2-40B4-BE49-F238E27FC236}">
-                <a16:creationId xmlns:a16="http://schemas.microsoft.com/office/drawing/2014/main" id="{D3B60D6F-4D0F-4D33-B2A7-159C8583FF00}"/>
-              </a:ext>
-            </a:extLst>
-          </p:cNvPr>
-          <p:cNvSpPr>
-            <a:spLocks noGrp="1"/>
-          </p:cNvSpPr>
-          <p:nvPr>
-            <p:ph idx="1"/>
-          </p:nvPr>
-        </p:nvSpPr>
-        <p:spPr>
-          <a:xfrm>
-            <a:off x="550863" y="2677306"/>
-            <a:ext cx="3565525" cy="3415519"/>
-          </a:xfrm>
-        </p:spPr>
-        <p:txBody>
-          <a:bodyPr/>
-          <a:lstStyle/>
-          <a:p>
-            <a:pPr marL="342900" indent="-342900">
-              <a:buFont typeface="Arial" panose="020B0604020202020204" pitchFamily="34" charset="0"/>
-              <a:buChar char="•"/>
-            </a:pPr>
-            <a:r>
-              <a:rPr lang="en-US" dirty="0"/>
-              <a:t>Site Screenshot</a:t>
-            </a:r>
-          </a:p>
-          <a:p>
-            <a:pPr marL="342900" indent="-342900">
-              <a:buFont typeface="Arial" panose="020B0604020202020204" pitchFamily="34" charset="0"/>
-              <a:buChar char="•"/>
-            </a:pPr>
-            <a:r>
-              <a:rPr lang="en-US" dirty="0"/>
-              <a:t>Functions</a:t>
-            </a:r>
-          </a:p>
-          <a:p>
-            <a:pPr marL="342900" indent="-342900">
-              <a:buFont typeface="Arial" panose="020B0604020202020204" pitchFamily="34" charset="0"/>
-              <a:buChar char="•"/>
-            </a:pPr>
-            <a:r>
-              <a:rPr lang="en-US" dirty="0"/>
-              <a:t>Webpage </a:t>
-            </a:r>
-          </a:p>
-          <a:p>
-            <a:pPr marL="342900" indent="-342900">
-              <a:buFont typeface="Arial" panose="020B0604020202020204" pitchFamily="34" charset="0"/>
-              <a:buChar char="•"/>
-            </a:pPr>
-            <a:r>
-              <a:rPr lang="en-US" dirty="0"/>
-              <a:t>Use Case Scenario</a:t>
-            </a:r>
-          </a:p>
-          <a:p>
-            <a:pPr marL="342900" indent="-342900">
-              <a:buFont typeface="Arial" panose="020B0604020202020204" pitchFamily="34" charset="0"/>
-              <a:buChar char="•"/>
-            </a:pPr>
-            <a:r>
-              <a:rPr lang="en-US" dirty="0"/>
-              <a:t>Functionality</a:t>
-            </a:r>
-          </a:p>
-          <a:p>
+              <a:rPr lang="en-US"/>
+              <a:t>Introduction</a:t>
+            </a:r>
             <a:endParaRPr lang="en-US" dirty="0"/>
           </a:p>
         </p:txBody>
       </p:sp>
       <p:pic>
         <p:nvPicPr>
-          <p:cNvPr id="8" name="Picture Placeholder 7" descr="Digital Data">
+          <p:cNvPr id="18" name="Picture Placeholder 17" descr="A group of people sitting at a table">
             <a:extLst>
               <a:ext uri="{FF2B5EF4-FFF2-40B4-BE49-F238E27FC236}">
-                <a16:creationId xmlns:a16="http://schemas.microsoft.com/office/drawing/2014/main" id="{06D2324F-3B7B-45EF-9584-C8EADD2C8C0B}"/>
+                <a16:creationId xmlns:a16="http://schemas.microsoft.com/office/drawing/2014/main" id="{E2536017-F539-430C-A901-70AB81CA612A}"/>
               </a:ext>
             </a:extLst>
           </p:cNvPr>
@@ -19757,29 +19181,29 @@
           </p:nvPr>
         </p:nvPicPr>
         <p:blipFill rotWithShape="1">
-          <a:blip r:embed="rId2" cstate="screen">
+          <a:blip r:embed="rId3" cstate="screen">
             <a:extLst>
               <a:ext uri="{28A0092B-C50C-407E-A947-70E740481C1C}">
                 <a14:useLocalDpi xmlns:a14="http://schemas.microsoft.com/office/drawing/2010/main" val="0"/>
               </a:ext>
             </a:extLst>
           </a:blip>
-          <a:srcRect/>
+          <a:srcRect t="42" b="42"/>
           <a:stretch/>
         </p:blipFill>
         <p:spPr>
           <a:xfrm>
-            <a:off x="5208928" y="1596771"/>
-            <a:ext cx="3448558" cy="3448558"/>
+            <a:off x="0" y="0"/>
+            <a:ext cx="3054096" cy="3776472"/>
           </a:xfrm>
         </p:spPr>
       </p:pic>
       <p:pic>
         <p:nvPicPr>
-          <p:cNvPr id="10" name="Picture Placeholder 9" descr="Data Points ">
+          <p:cNvPr id="20" name="Picture Placeholder 19" descr="Data Points Digital background">
             <a:extLst>
               <a:ext uri="{FF2B5EF4-FFF2-40B4-BE49-F238E27FC236}">
-                <a16:creationId xmlns:a16="http://schemas.microsoft.com/office/drawing/2014/main" id="{71F862F9-0E8A-4DB9-8083-1C3AA6E5D777}"/>
+                <a16:creationId xmlns:a16="http://schemas.microsoft.com/office/drawing/2014/main" id="{528A7D8D-1AB5-46C4-93FA-D92C2FD51692}"/>
               </a:ext>
             </a:extLst>
           </p:cNvPr>
@@ -19791,29 +19215,29 @@
           </p:nvPr>
         </p:nvPicPr>
         <p:blipFill rotWithShape="1">
-          <a:blip r:embed="rId3" cstate="screen">
+          <a:blip r:embed="rId4" cstate="screen">
             <a:extLst>
               <a:ext uri="{28A0092B-C50C-407E-A947-70E740481C1C}">
                 <a14:useLocalDpi xmlns:a14="http://schemas.microsoft.com/office/drawing/2010/main" val="0"/>
               </a:ext>
             </a:extLst>
           </a:blip>
-          <a:srcRect/>
+          <a:srcRect t="42" b="42"/>
           <a:stretch/>
         </p:blipFill>
         <p:spPr>
           <a:xfrm>
-            <a:off x="8918575" y="596392"/>
-            <a:ext cx="2263776" cy="2263776"/>
+            <a:off x="3054096" y="0"/>
+            <a:ext cx="3054096" cy="3776472"/>
           </a:xfrm>
         </p:spPr>
       </p:pic>
       <p:pic>
         <p:nvPicPr>
-          <p:cNvPr id="12" name="Picture Placeholder 11" descr="Data Background">
+          <p:cNvPr id="25" name="Picture Placeholder 24" descr="Digital Graph Screen">
             <a:extLst>
               <a:ext uri="{FF2B5EF4-FFF2-40B4-BE49-F238E27FC236}">
-                <a16:creationId xmlns:a16="http://schemas.microsoft.com/office/drawing/2014/main" id="{A63F39B9-0715-40B5-8ECB-9B983F99C690}"/>
+                <a16:creationId xmlns:a16="http://schemas.microsoft.com/office/drawing/2014/main" id="{B7353C46-ACC1-4078-85C2-26B57B0E58B7}"/>
               </a:ext>
             </a:extLst>
           </p:cNvPr>
@@ -19821,33 +19245,33 @@
             <a:picLocks noGrp="1" noChangeAspect="1"/>
           </p:cNvPicPr>
           <p:nvPr>
-            <p:ph type="pic" sz="quarter" idx="15"/>
+            <p:ph type="pic" sz="quarter" idx="16"/>
           </p:nvPr>
         </p:nvPicPr>
         <p:blipFill rotWithShape="1">
-          <a:blip r:embed="rId4" cstate="screen">
+          <a:blip r:embed="rId5" cstate="screen">
             <a:extLst>
               <a:ext uri="{28A0092B-C50C-407E-A947-70E740481C1C}">
                 <a14:useLocalDpi xmlns:a14="http://schemas.microsoft.com/office/drawing/2010/main" val="0"/>
               </a:ext>
             </a:extLst>
           </a:blip>
-          <a:srcRect/>
+          <a:srcRect t="42" b="42"/>
           <a:stretch/>
         </p:blipFill>
         <p:spPr>
           <a:xfrm>
-            <a:off x="9091612" y="3324733"/>
-            <a:ext cx="2936876" cy="2936876"/>
+            <a:off x="9137904" y="0"/>
+            <a:ext cx="3054096" cy="3776472"/>
           </a:xfrm>
         </p:spPr>
       </p:pic>
       <p:sp>
         <p:nvSpPr>
-          <p:cNvPr id="13" name="Date Placeholder 12">
+          <p:cNvPr id="4" name="Date Placeholder 3">
             <a:extLst>
               <a:ext uri="{FF2B5EF4-FFF2-40B4-BE49-F238E27FC236}">
-                <a16:creationId xmlns:a16="http://schemas.microsoft.com/office/drawing/2014/main" id="{915FE2C5-E66A-4405-B19E-2C5C546C98E4}"/>
+                <a16:creationId xmlns:a16="http://schemas.microsoft.com/office/drawing/2014/main" id="{0C329F70-04F7-4C70-BCF8-D4371F54EF2F}"/>
               </a:ext>
             </a:extLst>
           </p:cNvPr>
@@ -19869,18 +19293,123 @@
           <a:lstStyle/>
           <a:p>
             <a:r>
-              <a:rPr lang="en-US"/>
-              <a:t>Tuesday, February 2, 20XX</a:t>
+              <a:rPr lang="en-US" dirty="0"/>
+              <a:t>Friday, July 8, 2022</a:t>
             </a:r>
           </a:p>
         </p:txBody>
       </p:sp>
       <p:sp>
         <p:nvSpPr>
-          <p:cNvPr id="14" name="Footer Placeholder 13">
+          <p:cNvPr id="6" name="Slide Number Placeholder 5">
             <a:extLst>
               <a:ext uri="{FF2B5EF4-FFF2-40B4-BE49-F238E27FC236}">
-                <a16:creationId xmlns:a16="http://schemas.microsoft.com/office/drawing/2014/main" id="{B01DF4D0-78BC-4C8C-9570-26F0B225433A}"/>
+                <a16:creationId xmlns:a16="http://schemas.microsoft.com/office/drawing/2014/main" id="{9ED907F8-C614-4D59-A03F-BF9CD5E35703}"/>
+              </a:ext>
+            </a:extLst>
+          </p:cNvPr>
+          <p:cNvSpPr>
+            <a:spLocks noGrp="1"/>
+          </p:cNvSpPr>
+          <p:nvPr>
+            <p:ph type="sldNum" sz="quarter" idx="12"/>
+          </p:nvPr>
+        </p:nvSpPr>
+        <p:spPr>
+          <a:xfrm>
+            <a:off x="9948863" y="6507212"/>
+            <a:ext cx="1692274" cy="153888"/>
+          </a:xfrm>
+        </p:spPr>
+        <p:txBody>
+          <a:bodyPr/>
+          <a:lstStyle/>
+          <a:p>
+            <a:fld id="{DBA1B0FB-D917-4C8C-928F-313BD683BF39}" type="slidenum">
+              <a:rPr lang="en-US" smtClean="0"/>
+              <a:pPr/>
+              <a:t>2</a:t>
+            </a:fld>
+            <a:endParaRPr lang="en-US"/>
+          </a:p>
+        </p:txBody>
+      </p:sp>
+      <p:pic>
+        <p:nvPicPr>
+          <p:cNvPr id="23" name="Picture Placeholder 22" descr="A person drawing on a white board">
+            <a:extLst>
+              <a:ext uri="{FF2B5EF4-FFF2-40B4-BE49-F238E27FC236}">
+                <a16:creationId xmlns:a16="http://schemas.microsoft.com/office/drawing/2014/main" id="{2B3C4F95-A0FA-45D9-BF43-1C398F65B891}"/>
+              </a:ext>
+            </a:extLst>
+          </p:cNvPr>
+          <p:cNvPicPr>
+            <a:picLocks noGrp="1" noChangeAspect="1"/>
+          </p:cNvPicPr>
+          <p:nvPr>
+            <p:ph type="pic" sz="quarter" idx="15"/>
+          </p:nvPr>
+        </p:nvPicPr>
+        <p:blipFill rotWithShape="1">
+          <a:blip r:embed="rId6" cstate="screen">
+            <a:extLst>
+              <a:ext uri="{28A0092B-C50C-407E-A947-70E740481C1C}">
+                <a14:useLocalDpi xmlns:a14="http://schemas.microsoft.com/office/drawing/2010/main" val="0"/>
+              </a:ext>
+            </a:extLst>
+          </a:blip>
+          <a:srcRect t="42" b="42"/>
+          <a:stretch/>
+        </p:blipFill>
+        <p:spPr>
+          <a:xfrm>
+            <a:off x="6083808" y="0"/>
+            <a:ext cx="3054096" cy="3776472"/>
+          </a:xfrm>
+        </p:spPr>
+      </p:pic>
+      <p:sp>
+        <p:nvSpPr>
+          <p:cNvPr id="12" name="Content Placeholder 11">
+            <a:extLst>
+              <a:ext uri="{FF2B5EF4-FFF2-40B4-BE49-F238E27FC236}">
+                <a16:creationId xmlns:a16="http://schemas.microsoft.com/office/drawing/2014/main" id="{E5127060-CDBF-435F-9009-A5451CCE305D}"/>
+              </a:ext>
+            </a:extLst>
+          </p:cNvPr>
+          <p:cNvSpPr>
+            <a:spLocks noGrp="1"/>
+          </p:cNvSpPr>
+          <p:nvPr>
+            <p:ph sz="quarter" idx="15"/>
+          </p:nvPr>
+        </p:nvSpPr>
+        <p:spPr>
+          <a:xfrm>
+            <a:off x="5262563" y="4508500"/>
+            <a:ext cx="6221412" cy="1563688"/>
+          </a:xfrm>
+          <a:noFill/>
+        </p:spPr>
+        <p:txBody>
+          <a:bodyPr>
+            <a:normAutofit lnSpcReduction="10000"/>
+          </a:bodyPr>
+          <a:lstStyle/>
+          <a:p>
+            <a:r>
+              <a:rPr lang="en-US" dirty="0"/>
+              <a:t>G-10’s Concert Lounge allows users to search for a band’s concert within a selected State.  It will display a map of the address of the concert along with a link to buy tickets.  The site also allows the user to search for general information about the band. </a:t>
+            </a:r>
+          </a:p>
+        </p:txBody>
+      </p:sp>
+      <p:sp>
+        <p:nvSpPr>
+          <p:cNvPr id="13" name="Footer Placeholder 14">
+            <a:extLst>
+              <a:ext uri="{FF2B5EF4-FFF2-40B4-BE49-F238E27FC236}">
+                <a16:creationId xmlns:a16="http://schemas.microsoft.com/office/drawing/2014/main" id="{8D16E137-94EA-1E5D-2BA2-53C6A0FA38C8}"/>
               </a:ext>
             </a:extLst>
           </p:cNvPr>
@@ -19903,50 +19432,15 @@
           <a:p>
             <a:r>
               <a:rPr lang="en-US" dirty="0"/>
-              <a:t>Sample Footer Text</a:t>
-            </a:r>
-          </a:p>
-        </p:txBody>
-      </p:sp>
-      <p:sp>
-        <p:nvSpPr>
-          <p:cNvPr id="15" name="Slide Number Placeholder 14">
-            <a:extLst>
-              <a:ext uri="{FF2B5EF4-FFF2-40B4-BE49-F238E27FC236}">
-                <a16:creationId xmlns:a16="http://schemas.microsoft.com/office/drawing/2014/main" id="{3B199C97-F175-437D-8311-DB662925C063}"/>
-              </a:ext>
-            </a:extLst>
-          </p:cNvPr>
-          <p:cNvSpPr>
-            <a:spLocks noGrp="1"/>
-          </p:cNvSpPr>
-          <p:nvPr>
-            <p:ph type="sldNum" sz="quarter" idx="12"/>
-          </p:nvPr>
-        </p:nvSpPr>
-        <p:spPr>
-          <a:xfrm>
-            <a:off x="9948863" y="6507212"/>
-            <a:ext cx="1692274" cy="153888"/>
-          </a:xfrm>
-        </p:spPr>
-        <p:txBody>
-          <a:bodyPr/>
-          <a:lstStyle/>
-          <a:p>
-            <a:fld id="{DBA1B0FB-D917-4C8C-928F-313BD683BF39}" type="slidenum">
-              <a:rPr lang="en-US" smtClean="0"/>
-              <a:pPr/>
-              <a:t>2</a:t>
-            </a:fld>
-            <a:endParaRPr lang="en-US"/>
+              <a:t>G-10 Concert Lounge</a:t>
+            </a:r>
           </a:p>
         </p:txBody>
       </p:sp>
     </p:spTree>
     <p:extLst>
       <p:ext uri="{BB962C8B-B14F-4D97-AF65-F5344CB8AC3E}">
-        <p14:creationId xmlns:p14="http://schemas.microsoft.com/office/powerpoint/2010/main" val="2313234867"/>
+        <p14:creationId xmlns:p14="http://schemas.microsoft.com/office/powerpoint/2010/main" val="2158886557"/>
       </p:ext>
     </p:extLst>
   </p:cSld>
@@ -19975,10 +19469,10 @@
       </p:grpSpPr>
       <p:sp>
         <p:nvSpPr>
-          <p:cNvPr id="11" name="Title 10">
+          <p:cNvPr id="2" name="Title 1">
             <a:extLst>
               <a:ext uri="{FF2B5EF4-FFF2-40B4-BE49-F238E27FC236}">
-                <a16:creationId xmlns:a16="http://schemas.microsoft.com/office/drawing/2014/main" id="{23418ADF-358F-4647-A511-FCFFEDA83429}"/>
+                <a16:creationId xmlns:a16="http://schemas.microsoft.com/office/drawing/2014/main" id="{0046426E-F6F6-4A7C-9181-8C3090996261}"/>
               </a:ext>
             </a:extLst>
           </p:cNvPr>
@@ -19991,8 +19485,8 @@
         </p:nvSpPr>
         <p:spPr>
           <a:xfrm>
-            <a:off x="550863" y="4507200"/>
-            <a:ext cx="4500562" cy="1562959"/>
+            <a:off x="550864" y="549275"/>
+            <a:ext cx="3565524" cy="1997855"/>
           </a:xfrm>
         </p:spPr>
         <p:txBody>
@@ -20000,19 +19494,129 @@
           <a:lstStyle/>
           <a:p>
             <a:r>
-              <a:rPr lang="en-US"/>
-              <a:t>Introduction</a:t>
-            </a:r>
+              <a:rPr lang="en-US" dirty="0"/>
+              <a:t>Topics</a:t>
+            </a:r>
+          </a:p>
+        </p:txBody>
+      </p:sp>
+      <p:sp>
+        <p:nvSpPr>
+          <p:cNvPr id="3" name="Content Placeholder 2">
+            <a:extLst>
+              <a:ext uri="{FF2B5EF4-FFF2-40B4-BE49-F238E27FC236}">
+                <a16:creationId xmlns:a16="http://schemas.microsoft.com/office/drawing/2014/main" id="{D3B60D6F-4D0F-4D33-B2A7-159C8583FF00}"/>
+              </a:ext>
+            </a:extLst>
+          </p:cNvPr>
+          <p:cNvSpPr>
+            <a:spLocks noGrp="1"/>
+          </p:cNvSpPr>
+          <p:nvPr>
+            <p:ph idx="1"/>
+          </p:nvPr>
+        </p:nvSpPr>
+        <p:spPr>
+          <a:xfrm>
+            <a:off x="550863" y="2677306"/>
+            <a:ext cx="3565525" cy="3415519"/>
+          </a:xfrm>
+        </p:spPr>
+        <p:txBody>
+          <a:bodyPr/>
+          <a:lstStyle/>
+          <a:p>
+            <a:pPr marL="342900" indent="-342900">
+              <a:buFont typeface="Arial" panose="020B0604020202020204" pitchFamily="34" charset="0"/>
+              <a:buChar char="•"/>
+            </a:pPr>
+            <a:r>
+              <a:rPr lang="en-US" dirty="0"/>
+              <a:t>Why use Concert Lounge?</a:t>
+            </a:r>
+          </a:p>
+          <a:p>
+            <a:pPr marL="342900" indent="-342900">
+              <a:buFont typeface="Arial" panose="020B0604020202020204" pitchFamily="34" charset="0"/>
+              <a:buChar char="•"/>
+            </a:pPr>
+            <a:r>
+              <a:rPr lang="en-US" dirty="0"/>
+              <a:t>Technologies Used</a:t>
+            </a:r>
+          </a:p>
+          <a:p>
+            <a:pPr marL="342900" indent="-342900">
+              <a:buFont typeface="Arial" panose="020B0604020202020204" pitchFamily="34" charset="0"/>
+              <a:buChar char="•"/>
+            </a:pPr>
+            <a:r>
+              <a:rPr lang="en-US" dirty="0"/>
+              <a:t>Challenges and Successes</a:t>
+            </a:r>
+          </a:p>
+          <a:p>
+            <a:pPr marL="342900" indent="-342900">
+              <a:buFont typeface="Arial" panose="020B0604020202020204" pitchFamily="34" charset="0"/>
+              <a:buChar char="•"/>
+            </a:pPr>
+            <a:r>
+              <a:rPr lang="en-US" dirty="0"/>
+              <a:t>Tasks and Roles</a:t>
+            </a:r>
+          </a:p>
+          <a:p>
+            <a:pPr marL="342900" indent="-342900">
+              <a:buFont typeface="Arial" panose="020B0604020202020204" pitchFamily="34" charset="0"/>
+              <a:buChar char="•"/>
+            </a:pPr>
+            <a:r>
+              <a:rPr lang="en-US" dirty="0"/>
+              <a:t>User Case Scenario</a:t>
+            </a:r>
+          </a:p>
+          <a:p>
+            <a:pPr marL="342900" indent="-342900">
+              <a:buFont typeface="Arial" panose="020B0604020202020204" pitchFamily="34" charset="0"/>
+              <a:buChar char="•"/>
+            </a:pPr>
+            <a:r>
+              <a:rPr lang="en-US" dirty="0"/>
+              <a:t>Future Additions</a:t>
+            </a:r>
+          </a:p>
+          <a:p>
+            <a:pPr marL="342900" indent="-342900">
+              <a:buFont typeface="Arial" panose="020B0604020202020204" pitchFamily="34" charset="0"/>
+              <a:buChar char="•"/>
+            </a:pPr>
+            <a:endParaRPr lang="en-US" dirty="0"/>
+          </a:p>
+          <a:p>
+            <a:pPr marL="342900" indent="-342900">
+              <a:buFont typeface="Arial" panose="020B0604020202020204" pitchFamily="34" charset="0"/>
+              <a:buChar char="•"/>
+            </a:pPr>
+            <a:endParaRPr lang="en-US" dirty="0"/>
+          </a:p>
+          <a:p>
+            <a:pPr marL="342900" indent="-342900">
+              <a:buFont typeface="Arial" panose="020B0604020202020204" pitchFamily="34" charset="0"/>
+              <a:buChar char="•"/>
+            </a:pPr>
+            <a:endParaRPr lang="en-US" dirty="0"/>
+          </a:p>
+          <a:p>
             <a:endParaRPr lang="en-US" dirty="0"/>
           </a:p>
         </p:txBody>
       </p:sp>
       <p:pic>
         <p:nvPicPr>
-          <p:cNvPr id="18" name="Picture Placeholder 17" descr="A group of people sitting at a table">
+          <p:cNvPr id="8" name="Picture Placeholder 7" descr="Digital Data">
             <a:extLst>
               <a:ext uri="{FF2B5EF4-FFF2-40B4-BE49-F238E27FC236}">
-                <a16:creationId xmlns:a16="http://schemas.microsoft.com/office/drawing/2014/main" id="{E2536017-F539-430C-A901-70AB81CA612A}"/>
+                <a16:creationId xmlns:a16="http://schemas.microsoft.com/office/drawing/2014/main" id="{06D2324F-3B7B-45EF-9584-C8EADD2C8C0B}"/>
               </a:ext>
             </a:extLst>
           </p:cNvPr>
@@ -20024,29 +19628,29 @@
           </p:nvPr>
         </p:nvPicPr>
         <p:blipFill rotWithShape="1">
-          <a:blip r:embed="rId3" cstate="screen">
+          <a:blip r:embed="rId2" cstate="screen">
             <a:extLst>
               <a:ext uri="{28A0092B-C50C-407E-A947-70E740481C1C}">
                 <a14:useLocalDpi xmlns:a14="http://schemas.microsoft.com/office/drawing/2010/main" val="0"/>
               </a:ext>
             </a:extLst>
           </a:blip>
-          <a:srcRect t="42" b="42"/>
+          <a:srcRect/>
           <a:stretch/>
         </p:blipFill>
         <p:spPr>
           <a:xfrm>
-            <a:off x="0" y="0"/>
-            <a:ext cx="3054096" cy="3776472"/>
+            <a:off x="5208928" y="1596771"/>
+            <a:ext cx="3448558" cy="3448558"/>
           </a:xfrm>
         </p:spPr>
       </p:pic>
       <p:pic>
         <p:nvPicPr>
-          <p:cNvPr id="20" name="Picture Placeholder 19" descr="Data Points Digital background">
+          <p:cNvPr id="10" name="Picture Placeholder 9" descr="Data Points ">
             <a:extLst>
               <a:ext uri="{FF2B5EF4-FFF2-40B4-BE49-F238E27FC236}">
-                <a16:creationId xmlns:a16="http://schemas.microsoft.com/office/drawing/2014/main" id="{528A7D8D-1AB5-46C4-93FA-D92C2FD51692}"/>
+                <a16:creationId xmlns:a16="http://schemas.microsoft.com/office/drawing/2014/main" id="{71F862F9-0E8A-4DB9-8083-1C3AA6E5D777}"/>
               </a:ext>
             </a:extLst>
           </p:cNvPr>
@@ -20058,29 +19662,29 @@
           </p:nvPr>
         </p:nvPicPr>
         <p:blipFill rotWithShape="1">
-          <a:blip r:embed="rId4" cstate="screen">
+          <a:blip r:embed="rId3" cstate="screen">
             <a:extLst>
               <a:ext uri="{28A0092B-C50C-407E-A947-70E740481C1C}">
                 <a14:useLocalDpi xmlns:a14="http://schemas.microsoft.com/office/drawing/2010/main" val="0"/>
               </a:ext>
             </a:extLst>
           </a:blip>
-          <a:srcRect t="42" b="42"/>
+          <a:srcRect/>
           <a:stretch/>
         </p:blipFill>
         <p:spPr>
           <a:xfrm>
-            <a:off x="3054096" y="0"/>
-            <a:ext cx="3054096" cy="3776472"/>
+            <a:off x="8918575" y="596392"/>
+            <a:ext cx="2263776" cy="2263776"/>
           </a:xfrm>
         </p:spPr>
       </p:pic>
       <p:pic>
         <p:nvPicPr>
-          <p:cNvPr id="25" name="Picture Placeholder 24" descr="Digital Graph Screen">
+          <p:cNvPr id="12" name="Picture Placeholder 11" descr="Data Background">
             <a:extLst>
               <a:ext uri="{FF2B5EF4-FFF2-40B4-BE49-F238E27FC236}">
-                <a16:creationId xmlns:a16="http://schemas.microsoft.com/office/drawing/2014/main" id="{B7353C46-ACC1-4078-85C2-26B57B0E58B7}"/>
+                <a16:creationId xmlns:a16="http://schemas.microsoft.com/office/drawing/2014/main" id="{A63F39B9-0715-40B5-8ECB-9B983F99C690}"/>
               </a:ext>
             </a:extLst>
           </p:cNvPr>
@@ -20088,33 +19692,101 @@
             <a:picLocks noGrp="1" noChangeAspect="1"/>
           </p:cNvPicPr>
           <p:nvPr>
-            <p:ph type="pic" sz="quarter" idx="16"/>
+            <p:ph type="pic" sz="quarter" idx="15"/>
           </p:nvPr>
         </p:nvPicPr>
         <p:blipFill rotWithShape="1">
-          <a:blip r:embed="rId5" cstate="screen">
+          <a:blip r:embed="rId4" cstate="screen">
             <a:extLst>
               <a:ext uri="{28A0092B-C50C-407E-A947-70E740481C1C}">
                 <a14:useLocalDpi xmlns:a14="http://schemas.microsoft.com/office/drawing/2010/main" val="0"/>
               </a:ext>
             </a:extLst>
           </a:blip>
-          <a:srcRect t="42" b="42"/>
+          <a:srcRect/>
           <a:stretch/>
         </p:blipFill>
         <p:spPr>
           <a:xfrm>
-            <a:off x="9137904" y="0"/>
-            <a:ext cx="3054096" cy="3776472"/>
+            <a:off x="9091612" y="3324733"/>
+            <a:ext cx="2936876" cy="2936876"/>
           </a:xfrm>
         </p:spPr>
       </p:pic>
       <p:sp>
         <p:nvSpPr>
-          <p:cNvPr id="4" name="Date Placeholder 3">
+          <p:cNvPr id="15" name="Slide Number Placeholder 14">
             <a:extLst>
               <a:ext uri="{FF2B5EF4-FFF2-40B4-BE49-F238E27FC236}">
-                <a16:creationId xmlns:a16="http://schemas.microsoft.com/office/drawing/2014/main" id="{0C329F70-04F7-4C70-BCF8-D4371F54EF2F}"/>
+                <a16:creationId xmlns:a16="http://schemas.microsoft.com/office/drawing/2014/main" id="{3B199C97-F175-437D-8311-DB662925C063}"/>
+              </a:ext>
+            </a:extLst>
+          </p:cNvPr>
+          <p:cNvSpPr>
+            <a:spLocks noGrp="1"/>
+          </p:cNvSpPr>
+          <p:nvPr>
+            <p:ph type="sldNum" sz="quarter" idx="12"/>
+          </p:nvPr>
+        </p:nvSpPr>
+        <p:spPr>
+          <a:xfrm>
+            <a:off x="9948863" y="6507212"/>
+            <a:ext cx="1692274" cy="153888"/>
+          </a:xfrm>
+        </p:spPr>
+        <p:txBody>
+          <a:bodyPr/>
+          <a:lstStyle/>
+          <a:p>
+            <a:fld id="{DBA1B0FB-D917-4C8C-928F-313BD683BF39}" type="slidenum">
+              <a:rPr lang="en-US" smtClean="0"/>
+              <a:pPr/>
+              <a:t>3</a:t>
+            </a:fld>
+            <a:endParaRPr lang="en-US"/>
+          </a:p>
+        </p:txBody>
+      </p:sp>
+      <p:sp>
+        <p:nvSpPr>
+          <p:cNvPr id="11" name="Footer Placeholder 14">
+            <a:extLst>
+              <a:ext uri="{FF2B5EF4-FFF2-40B4-BE49-F238E27FC236}">
+                <a16:creationId xmlns:a16="http://schemas.microsoft.com/office/drawing/2014/main" id="{BD864758-2407-0DC4-9DCF-290C43145EE3}"/>
+              </a:ext>
+            </a:extLst>
+          </p:cNvPr>
+          <p:cNvSpPr>
+            <a:spLocks noGrp="1"/>
+          </p:cNvSpPr>
+          <p:nvPr>
+            <p:ph type="ftr" sz="quarter" idx="11"/>
+          </p:nvPr>
+        </p:nvSpPr>
+        <p:spPr>
+          <a:xfrm>
+            <a:off x="3359150" y="6507212"/>
+            <a:ext cx="6379210" cy="153888"/>
+          </a:xfrm>
+        </p:spPr>
+        <p:txBody>
+          <a:bodyPr/>
+          <a:lstStyle/>
+          <a:p>
+            <a:r>
+              <a:rPr lang="en-US" dirty="0"/>
+              <a:t>G-10 Concert Lounge</a:t>
+            </a:r>
+          </a:p>
+        </p:txBody>
+      </p:sp>
+      <p:sp>
+        <p:nvSpPr>
+          <p:cNvPr id="16" name="Date Placeholder 3">
+            <a:extLst>
+              <a:ext uri="{FF2B5EF4-FFF2-40B4-BE49-F238E27FC236}">
+                <a16:creationId xmlns:a16="http://schemas.microsoft.com/office/drawing/2014/main" id="{B7684298-06E4-AE60-4F0E-5DF3D780D70C}"/>
               </a:ext>
             </a:extLst>
           </p:cNvPr>
@@ -20136,19 +19808,258 @@
           <a:lstStyle/>
           <a:p>
             <a:r>
-              <a:rPr lang="en-US"/>
-              <a:t>Tuesday, February 2, 20XX</a:t>
-            </a:r>
-            <a:endParaRPr lang="en-US" dirty="0"/>
+              <a:rPr lang="en-US" dirty="0"/>
+              <a:t>Friday, July 8, 2022</a:t>
+            </a:r>
+          </a:p>
+        </p:txBody>
+      </p:sp>
+    </p:spTree>
+    <p:extLst>
+      <p:ext uri="{BB962C8B-B14F-4D97-AF65-F5344CB8AC3E}">
+        <p14:creationId xmlns:p14="http://schemas.microsoft.com/office/powerpoint/2010/main" val="2313234867"/>
+      </p:ext>
+    </p:extLst>
+  </p:cSld>
+  <p:clrMapOvr>
+    <a:masterClrMapping/>
+  </p:clrMapOvr>
+</p:sld>
+</file>
+
+<file path=ppt/slides/slide4.xml><?xml version="1.0" encoding="utf-8"?>
+<p:sld xmlns:a="http://schemas.openxmlformats.org/drawingml/2006/main" xmlns:r="http://schemas.openxmlformats.org/officeDocument/2006/relationships" xmlns:p="http://schemas.openxmlformats.org/presentationml/2006/main">
+  <p:cSld>
+    <p:spTree>
+      <p:nvGrpSpPr>
+        <p:cNvPr id="1" name=""/>
+        <p:cNvGrpSpPr/>
+        <p:nvPr/>
+      </p:nvGrpSpPr>
+      <p:grpSpPr>
+        <a:xfrm>
+          <a:off x="0" y="0"/>
+          <a:ext cx="0" cy="0"/>
+          <a:chOff x="0" y="0"/>
+          <a:chExt cx="0" cy="0"/>
+        </a:xfrm>
+      </p:grpSpPr>
+      <p:sp>
+        <p:nvSpPr>
+          <p:cNvPr id="14" name="Title 13">
+            <a:extLst>
+              <a:ext uri="{FF2B5EF4-FFF2-40B4-BE49-F238E27FC236}">
+                <a16:creationId xmlns:a16="http://schemas.microsoft.com/office/drawing/2014/main" id="{C15EE852-24F1-4643-8082-AB45CFF2BA10}"/>
+              </a:ext>
+            </a:extLst>
+          </p:cNvPr>
+          <p:cNvSpPr>
+            <a:spLocks noGrp="1"/>
+          </p:cNvSpPr>
+          <p:nvPr>
+            <p:ph type="title"/>
+          </p:nvPr>
+        </p:nvSpPr>
+        <p:spPr>
+          <a:xfrm>
+            <a:off x="550227" y="0"/>
+            <a:ext cx="3566160" cy="3384550"/>
+          </a:xfrm>
+        </p:spPr>
+        <p:txBody>
+          <a:bodyPr>
+            <a:normAutofit/>
+          </a:bodyPr>
+          <a:lstStyle/>
+          <a:p>
+            <a:pPr algn="ctr"/>
+            <a:r>
+              <a:rPr lang="en-US" dirty="0"/>
+              <a:t>An easy way to search for band information and concert locations</a:t>
+            </a:r>
           </a:p>
         </p:txBody>
       </p:sp>
       <p:sp>
         <p:nvSpPr>
-          <p:cNvPr id="5" name="Footer Placeholder 4">
+          <p:cNvPr id="15" name="Content Placeholder 14">
             <a:extLst>
               <a:ext uri="{FF2B5EF4-FFF2-40B4-BE49-F238E27FC236}">
-                <a16:creationId xmlns:a16="http://schemas.microsoft.com/office/drawing/2014/main" id="{06A3302E-502D-4151-81C9-5FD6AF9596D6}"/>
+                <a16:creationId xmlns:a16="http://schemas.microsoft.com/office/drawing/2014/main" id="{4139825C-53C7-44F4-A064-9795CECD081B}"/>
+              </a:ext>
+            </a:extLst>
+          </p:cNvPr>
+          <p:cNvSpPr>
+            <a:spLocks noGrp="1"/>
+          </p:cNvSpPr>
+          <p:nvPr>
+            <p:ph sz="quarter" idx="15"/>
+          </p:nvPr>
+        </p:nvSpPr>
+        <p:spPr>
+          <a:xfrm>
+            <a:off x="550862" y="4097338"/>
+            <a:ext cx="5227085" cy="2351087"/>
+          </a:xfrm>
+        </p:spPr>
+        <p:txBody>
+          <a:bodyPr/>
+          <a:lstStyle/>
+          <a:p>
+            <a:pPr>
+              <a:lnSpc>
+                <a:spcPct val="100000"/>
+              </a:lnSpc>
+            </a:pPr>
+            <a:r>
+              <a:rPr lang="en-US" dirty="0"/>
+              <a:t>The only things you need to know:</a:t>
+            </a:r>
+          </a:p>
+          <a:p>
+            <a:pPr>
+              <a:spcBef>
+                <a:spcPts val="600"/>
+              </a:spcBef>
+              <a:spcAft>
+                <a:spcPts val="200"/>
+              </a:spcAft>
+            </a:pPr>
+            <a:r>
+              <a:rPr lang="en-US" dirty="0"/>
+              <a:t>   - Band Name</a:t>
+            </a:r>
+          </a:p>
+          <a:p>
+            <a:pPr>
+              <a:spcBef>
+                <a:spcPts val="600"/>
+              </a:spcBef>
+              <a:spcAft>
+                <a:spcPts val="200"/>
+              </a:spcAft>
+            </a:pPr>
+            <a:r>
+              <a:rPr lang="en-US" dirty="0"/>
+              <a:t>   - State</a:t>
+            </a:r>
+          </a:p>
+          <a:p>
+            <a:r>
+              <a:rPr lang="en-US" dirty="0"/>
+              <a:t>   Concert Lounge tells you all the rest!</a:t>
+            </a:r>
+          </a:p>
+        </p:txBody>
+      </p:sp>
+      <p:pic>
+        <p:nvPicPr>
+          <p:cNvPr id="18" name="Picture Placeholder 17" descr="A person drawing on a white board">
+            <a:extLst>
+              <a:ext uri="{FF2B5EF4-FFF2-40B4-BE49-F238E27FC236}">
+                <a16:creationId xmlns:a16="http://schemas.microsoft.com/office/drawing/2014/main" id="{301557C2-9072-409B-88EC-E8577CEFCAFB}"/>
+              </a:ext>
+            </a:extLst>
+          </p:cNvPr>
+          <p:cNvPicPr>
+            <a:picLocks noGrp="1" noChangeAspect="1"/>
+          </p:cNvPicPr>
+          <p:nvPr>
+            <p:ph type="pic" sz="quarter" idx="13"/>
+          </p:nvPr>
+        </p:nvPicPr>
+        <p:blipFill rotWithShape="1">
+          <a:blip r:embed="rId2" cstate="screen">
+            <a:extLst>
+              <a:ext uri="{28A0092B-C50C-407E-A947-70E740481C1C}">
+                <a14:useLocalDpi xmlns:a14="http://schemas.microsoft.com/office/drawing/2010/main" val="0"/>
+              </a:ext>
+            </a:extLst>
+          </a:blip>
+          <a:srcRect/>
+          <a:stretch/>
+        </p:blipFill>
+        <p:spPr>
+          <a:xfrm>
+            <a:off x="5535809" y="656633"/>
+            <a:ext cx="5132388" cy="5132388"/>
+          </a:xfrm>
+        </p:spPr>
+      </p:pic>
+      <p:sp>
+        <p:nvSpPr>
+          <p:cNvPr id="21" name="Slide Number Placeholder 20">
+            <a:extLst>
+              <a:ext uri="{FF2B5EF4-FFF2-40B4-BE49-F238E27FC236}">
+                <a16:creationId xmlns:a16="http://schemas.microsoft.com/office/drawing/2014/main" id="{1C563B34-DD53-4FB1-B8C2-8914E01C6365}"/>
+              </a:ext>
+            </a:extLst>
+          </p:cNvPr>
+          <p:cNvSpPr>
+            <a:spLocks noGrp="1"/>
+          </p:cNvSpPr>
+          <p:nvPr>
+            <p:ph type="sldNum" sz="quarter" idx="12"/>
+          </p:nvPr>
+        </p:nvSpPr>
+        <p:spPr>
+          <a:xfrm>
+            <a:off x="9948863" y="6507212"/>
+            <a:ext cx="1692274" cy="153888"/>
+          </a:xfrm>
+        </p:spPr>
+        <p:txBody>
+          <a:bodyPr/>
+          <a:lstStyle/>
+          <a:p>
+            <a:fld id="{DBA1B0FB-D917-4C8C-928F-313BD683BF39}" type="slidenum">
+              <a:rPr lang="en-US" smtClean="0"/>
+              <a:pPr/>
+              <a:t>4</a:t>
+            </a:fld>
+            <a:endParaRPr lang="en-US"/>
+          </a:p>
+        </p:txBody>
+      </p:sp>
+      <p:sp>
+        <p:nvSpPr>
+          <p:cNvPr id="8" name="Date Placeholder 3">
+            <a:extLst>
+              <a:ext uri="{FF2B5EF4-FFF2-40B4-BE49-F238E27FC236}">
+                <a16:creationId xmlns:a16="http://schemas.microsoft.com/office/drawing/2014/main" id="{C1D80EDD-1488-09DB-0D83-87E66954042B}"/>
+              </a:ext>
+            </a:extLst>
+          </p:cNvPr>
+          <p:cNvSpPr>
+            <a:spLocks noGrp="1"/>
+          </p:cNvSpPr>
+          <p:nvPr>
+            <p:ph type="dt" sz="half" idx="10"/>
+          </p:nvPr>
+        </p:nvSpPr>
+        <p:spPr>
+          <a:xfrm>
+            <a:off x="550863" y="6507212"/>
+            <a:ext cx="2628900" cy="153888"/>
+          </a:xfrm>
+        </p:spPr>
+        <p:txBody>
+          <a:bodyPr/>
+          <a:lstStyle/>
+          <a:p>
+            <a:r>
+              <a:rPr lang="en-US" dirty="0"/>
+              <a:t>Friday, July 8, 2022</a:t>
+            </a:r>
+          </a:p>
+        </p:txBody>
+      </p:sp>
+      <p:sp>
+        <p:nvSpPr>
+          <p:cNvPr id="9" name="Footer Placeholder 14">
+            <a:extLst>
+              <a:ext uri="{FF2B5EF4-FFF2-40B4-BE49-F238E27FC236}">
+                <a16:creationId xmlns:a16="http://schemas.microsoft.com/office/drawing/2014/main" id="{A78AA492-E25C-7CA5-7642-ED616B4CE9B0}"/>
               </a:ext>
             </a:extLst>
           </p:cNvPr>
@@ -20170,113 +20081,8 @@
           <a:lstStyle/>
           <a:p>
             <a:r>
-              <a:rPr lang="en-US"/>
-              <a:t>Sample Footer Text</a:t>
-            </a:r>
-          </a:p>
-        </p:txBody>
-      </p:sp>
-      <p:sp>
-        <p:nvSpPr>
-          <p:cNvPr id="6" name="Slide Number Placeholder 5">
-            <a:extLst>
-              <a:ext uri="{FF2B5EF4-FFF2-40B4-BE49-F238E27FC236}">
-                <a16:creationId xmlns:a16="http://schemas.microsoft.com/office/drawing/2014/main" id="{9ED907F8-C614-4D59-A03F-BF9CD5E35703}"/>
-              </a:ext>
-            </a:extLst>
-          </p:cNvPr>
-          <p:cNvSpPr>
-            <a:spLocks noGrp="1"/>
-          </p:cNvSpPr>
-          <p:nvPr>
-            <p:ph type="sldNum" sz="quarter" idx="12"/>
-          </p:nvPr>
-        </p:nvSpPr>
-        <p:spPr>
-          <a:xfrm>
-            <a:off x="9948863" y="6507212"/>
-            <a:ext cx="1692274" cy="153888"/>
-          </a:xfrm>
-        </p:spPr>
-        <p:txBody>
-          <a:bodyPr/>
-          <a:lstStyle/>
-          <a:p>
-            <a:fld id="{DBA1B0FB-D917-4C8C-928F-313BD683BF39}" type="slidenum">
-              <a:rPr lang="en-US" smtClean="0"/>
-              <a:pPr/>
-              <a:t>3</a:t>
-            </a:fld>
-            <a:endParaRPr lang="en-US"/>
-          </a:p>
-        </p:txBody>
-      </p:sp>
-      <p:pic>
-        <p:nvPicPr>
-          <p:cNvPr id="23" name="Picture Placeholder 22" descr="A person drawing on a white board">
-            <a:extLst>
-              <a:ext uri="{FF2B5EF4-FFF2-40B4-BE49-F238E27FC236}">
-                <a16:creationId xmlns:a16="http://schemas.microsoft.com/office/drawing/2014/main" id="{2B3C4F95-A0FA-45D9-BF43-1C398F65B891}"/>
-              </a:ext>
-            </a:extLst>
-          </p:cNvPr>
-          <p:cNvPicPr>
-            <a:picLocks noGrp="1" noChangeAspect="1"/>
-          </p:cNvPicPr>
-          <p:nvPr>
-            <p:ph type="pic" sz="quarter" idx="15"/>
-          </p:nvPr>
-        </p:nvPicPr>
-        <p:blipFill rotWithShape="1">
-          <a:blip r:embed="rId6" cstate="screen">
-            <a:extLst>
-              <a:ext uri="{28A0092B-C50C-407E-A947-70E740481C1C}">
-                <a14:useLocalDpi xmlns:a14="http://schemas.microsoft.com/office/drawing/2010/main" val="0"/>
-              </a:ext>
-            </a:extLst>
-          </a:blip>
-          <a:srcRect t="42" b="42"/>
-          <a:stretch/>
-        </p:blipFill>
-        <p:spPr>
-          <a:xfrm>
-            <a:off x="6083808" y="0"/>
-            <a:ext cx="3054096" cy="3776472"/>
-          </a:xfrm>
-        </p:spPr>
-      </p:pic>
-      <p:sp>
-        <p:nvSpPr>
-          <p:cNvPr id="12" name="Content Placeholder 11">
-            <a:extLst>
-              <a:ext uri="{FF2B5EF4-FFF2-40B4-BE49-F238E27FC236}">
-                <a16:creationId xmlns:a16="http://schemas.microsoft.com/office/drawing/2014/main" id="{E5127060-CDBF-435F-9009-A5451CCE305D}"/>
-              </a:ext>
-            </a:extLst>
-          </p:cNvPr>
-          <p:cNvSpPr>
-            <a:spLocks noGrp="1"/>
-          </p:cNvSpPr>
-          <p:nvPr>
-            <p:ph sz="quarter" idx="15"/>
-          </p:nvPr>
-        </p:nvSpPr>
-        <p:spPr>
-          <a:xfrm>
-            <a:off x="5262563" y="4508500"/>
-            <a:ext cx="6221412" cy="1563688"/>
-          </a:xfrm>
-          <a:noFill/>
-        </p:spPr>
-        <p:txBody>
-          <a:bodyPr>
-            <a:normAutofit lnSpcReduction="10000"/>
-          </a:bodyPr>
-          <a:lstStyle/>
-          <a:p>
-            <a:r>
               <a:rPr lang="en-US" dirty="0"/>
-              <a:t>G-10’s Concert Lounge allows users to search for a band’s concert within a selected State.  It will display a map of the address of the concert along with a link to buy tickets.  The site also allows the user to search for general information about the band. </a:t>
+              <a:t>G-10 Concert Lounge</a:t>
             </a:r>
           </a:p>
         </p:txBody>
@@ -20284,7 +20090,7 @@
     </p:spTree>
     <p:extLst>
       <p:ext uri="{BB962C8B-B14F-4D97-AF65-F5344CB8AC3E}">
-        <p14:creationId xmlns:p14="http://schemas.microsoft.com/office/powerpoint/2010/main" val="2158886557"/>
+        <p14:creationId xmlns:p14="http://schemas.microsoft.com/office/powerpoint/2010/main" val="395518310"/>
       </p:ext>
     </p:extLst>
   </p:cSld>
@@ -20294,7 +20100,7 @@
 </p:sld>
 </file>
 
-<file path=ppt/slides/slide4.xml><?xml version="1.0" encoding="utf-8"?>
+<file path=ppt/slides/slide5.xml><?xml version="1.0" encoding="utf-8"?>
 <p:sld xmlns:a="http://schemas.openxmlformats.org/drawingml/2006/main" xmlns:r="http://schemas.openxmlformats.org/officeDocument/2006/relationships" xmlns:p="http://schemas.openxmlformats.org/presentationml/2006/main">
   <p:cSld>
     <p:bg>
@@ -21465,7 +21271,7 @@
         </p:spPr>
         <p:txBody>
           <a:bodyPr vert="horz" wrap="square" lIns="0" tIns="0" rIns="0" bIns="0" rtlCol="0">
-            <a:normAutofit/>
+            <a:normAutofit fontScale="85000" lnSpcReduction="20000"/>
           </a:bodyPr>
           <a:lstStyle/>
           <a:p>
@@ -21514,6 +21320,28 @@
               </a:rPr>
               <a:t>Bootstrap</a:t>
             </a:r>
+          </a:p>
+          <a:p>
+            <a:pPr marL="342900" indent="-342900">
+              <a:lnSpc>
+                <a:spcPct val="100000"/>
+              </a:lnSpc>
+              <a:buFont typeface="Arial" panose="020B0604020202020204" pitchFamily="34" charset="0"/>
+              <a:buChar char="•"/>
+            </a:pPr>
+            <a:r>
+              <a:rPr lang="en-US" kern="1200" dirty="0" err="1">
+                <a:latin typeface="+mn-lt"/>
+                <a:ea typeface="+mn-ea"/>
+                <a:cs typeface="+mn-cs"/>
+              </a:rPr>
+              <a:t>JQuery</a:t>
+            </a:r>
+            <a:endParaRPr lang="en-US" kern="1200" dirty="0">
+              <a:latin typeface="+mn-lt"/>
+              <a:ea typeface="+mn-ea"/>
+              <a:cs typeface="+mn-cs"/>
+            </a:endParaRPr>
           </a:p>
           <a:p>
             <a:pPr marL="342900" indent="-342900">
@@ -21555,62 +21383,6 @@
       </p:sp>
       <p:sp>
         <p:nvSpPr>
-          <p:cNvPr id="2" name="Date Placeholder 1">
-            <a:extLst>
-              <a:ext uri="{FF2B5EF4-FFF2-40B4-BE49-F238E27FC236}">
-                <a16:creationId xmlns:a16="http://schemas.microsoft.com/office/drawing/2014/main" id="{2910D835-B454-4270-BB35-86A187307E6F}"/>
-              </a:ext>
-            </a:extLst>
-          </p:cNvPr>
-          <p:cNvSpPr>
-            <a:spLocks noGrp="1"/>
-          </p:cNvSpPr>
-          <p:nvPr>
-            <p:ph type="dt" sz="half" idx="10"/>
-          </p:nvPr>
-        </p:nvSpPr>
-        <p:spPr/>
-        <p:txBody>
-          <a:bodyPr/>
-          <a:lstStyle/>
-          <a:p>
-            <a:r>
-              <a:rPr lang="en-US"/>
-              <a:t>Tuesday, February 2, 20XX</a:t>
-            </a:r>
-          </a:p>
-        </p:txBody>
-      </p:sp>
-      <p:sp>
-        <p:nvSpPr>
-          <p:cNvPr id="3" name="Footer Placeholder 2">
-            <a:extLst>
-              <a:ext uri="{FF2B5EF4-FFF2-40B4-BE49-F238E27FC236}">
-                <a16:creationId xmlns:a16="http://schemas.microsoft.com/office/drawing/2014/main" id="{7F7F653B-90B5-4F47-A33F-93DCB2EF68C2}"/>
-              </a:ext>
-            </a:extLst>
-          </p:cNvPr>
-          <p:cNvSpPr>
-            <a:spLocks noGrp="1"/>
-          </p:cNvSpPr>
-          <p:nvPr>
-            <p:ph type="ftr" sz="quarter" idx="11"/>
-          </p:nvPr>
-        </p:nvSpPr>
-        <p:spPr/>
-        <p:txBody>
-          <a:bodyPr/>
-          <a:lstStyle/>
-          <a:p>
-            <a:r>
-              <a:rPr lang="en-US"/>
-              <a:t>Sample Footer Text</a:t>
-            </a:r>
-          </a:p>
-        </p:txBody>
-      </p:sp>
-      <p:sp>
-        <p:nvSpPr>
           <p:cNvPr id="4" name="Slide Number Placeholder 3">
             <a:extLst>
               <a:ext uri="{FF2B5EF4-FFF2-40B4-BE49-F238E27FC236}">
@@ -21632,7 +21404,7 @@
           <a:p>
             <a:fld id="{DBA1B0FB-D917-4C8C-928F-313BD683BF39}" type="slidenum">
               <a:rPr lang="en-US" smtClean="0"/>
-              <a:t>4</a:t>
+              <a:t>5</a:t>
             </a:fld>
             <a:endParaRPr lang="en-US"/>
           </a:p>
@@ -21653,7 +21425,7 @@
         <p:spPr>
           <a:xfrm>
             <a:off x="3024554" y="3756074"/>
-            <a:ext cx="2700997" cy="1938992"/>
+            <a:ext cx="2700997" cy="2308324"/>
           </a:xfrm>
           <a:prstGeom prst="rect">
             <a:avLst/>
@@ -21711,6 +21483,22 @@
                 </a:solidFill>
               </a:rPr>
               <a:t>Ticketmaster</a:t>
+            </a:r>
+          </a:p>
+          <a:p>
+            <a:pPr marL="742950" lvl="1" indent="-285750">
+              <a:buFont typeface="Arial" panose="020B0604020202020204" pitchFamily="34" charset="0"/>
+              <a:buChar char="•"/>
+            </a:pPr>
+            <a:r>
+              <a:rPr lang="en-US" sz="2400" dirty="0">
+                <a:solidFill>
+                  <a:schemeClr val="tx1">
+                    <a:lumMod val="65000"/>
+                  </a:schemeClr>
+                </a:solidFill>
+              </a:rPr>
+              <a:t>Leaflet</a:t>
             </a:r>
           </a:p>
           <a:p>
@@ -21805,10 +21593,76 @@
       </p:sp>
       <p:sp>
         <p:nvSpPr>
-          <p:cNvPr id="7" name="TextBox 6">
+          <p:cNvPr id="22" name="Footer Placeholder 14">
             <a:extLst>
               <a:ext uri="{FF2B5EF4-FFF2-40B4-BE49-F238E27FC236}">
-                <a16:creationId xmlns:a16="http://schemas.microsoft.com/office/drawing/2014/main" id="{476A08E6-8A4B-4CF8-5184-C2FB937DF23D}"/>
+                <a16:creationId xmlns:a16="http://schemas.microsoft.com/office/drawing/2014/main" id="{975777C3-B8E5-EC3D-759B-49ED3CE2A8A9}"/>
+              </a:ext>
+            </a:extLst>
+          </p:cNvPr>
+          <p:cNvSpPr>
+            <a:spLocks noGrp="1"/>
+          </p:cNvSpPr>
+          <p:nvPr>
+            <p:ph type="ftr" sz="quarter" idx="11"/>
+          </p:nvPr>
+        </p:nvSpPr>
+        <p:spPr>
+          <a:xfrm>
+            <a:off x="3359150" y="6507212"/>
+            <a:ext cx="6379210" cy="153888"/>
+          </a:xfrm>
+        </p:spPr>
+        <p:txBody>
+          <a:bodyPr/>
+          <a:lstStyle/>
+          <a:p>
+            <a:r>
+              <a:rPr lang="en-US" dirty="0"/>
+              <a:t>G-10 Concert Lounge</a:t>
+            </a:r>
+          </a:p>
+        </p:txBody>
+      </p:sp>
+      <p:sp>
+        <p:nvSpPr>
+          <p:cNvPr id="23" name="Date Placeholder 3">
+            <a:extLst>
+              <a:ext uri="{FF2B5EF4-FFF2-40B4-BE49-F238E27FC236}">
+                <a16:creationId xmlns:a16="http://schemas.microsoft.com/office/drawing/2014/main" id="{E375BD3C-1F41-A437-FDC0-4DE9CEE3598D}"/>
+              </a:ext>
+            </a:extLst>
+          </p:cNvPr>
+          <p:cNvSpPr>
+            <a:spLocks noGrp="1"/>
+          </p:cNvSpPr>
+          <p:nvPr>
+            <p:ph type="dt" sz="half" idx="10"/>
+          </p:nvPr>
+        </p:nvSpPr>
+        <p:spPr>
+          <a:xfrm>
+            <a:off x="550863" y="6507212"/>
+            <a:ext cx="2628900" cy="153888"/>
+          </a:xfrm>
+        </p:spPr>
+        <p:txBody>
+          <a:bodyPr/>
+          <a:lstStyle/>
+          <a:p>
+            <a:r>
+              <a:rPr lang="en-US" dirty="0"/>
+              <a:t>Friday, July 8, 2022</a:t>
+            </a:r>
+          </a:p>
+        </p:txBody>
+      </p:sp>
+      <p:sp>
+        <p:nvSpPr>
+          <p:cNvPr id="9" name="TextBox 8">
+            <a:extLst>
+              <a:ext uri="{FF2B5EF4-FFF2-40B4-BE49-F238E27FC236}">
+                <a16:creationId xmlns:a16="http://schemas.microsoft.com/office/drawing/2014/main" id="{76416BD9-BAE9-B318-EDFC-9FF7201BC5B7}"/>
               </a:ext>
             </a:extLst>
           </p:cNvPr>
@@ -21817,8 +21671,8 @@
         </p:nvSpPr>
         <p:spPr>
           <a:xfrm>
-            <a:off x="7395869" y="2953985"/>
-            <a:ext cx="4157125" cy="3785652"/>
+            <a:off x="7315197" y="3561236"/>
+            <a:ext cx="4471332" cy="3416320"/>
           </a:xfrm>
           <a:prstGeom prst="rect">
             <a:avLst/>
@@ -21836,14 +21690,14 @@
               <a:buChar char="•"/>
             </a:pPr>
             <a:r>
-              <a:rPr lang="en-US" sz="2400" dirty="0">
+              <a:rPr lang="en-US" dirty="0">
                 <a:solidFill>
                   <a:schemeClr val="tx1">
                     <a:lumMod val="65000"/>
                   </a:schemeClr>
                 </a:solidFill>
               </a:rPr>
-              <a:t>UI/UX</a:t>
+              <a:t>Merge Conflicts!!!</a:t>
             </a:r>
           </a:p>
           <a:p>
@@ -21852,30 +21706,30 @@
               <a:buChar char="•"/>
             </a:pPr>
             <a:r>
-              <a:rPr lang="en-US" sz="2400" dirty="0">
+              <a:rPr lang="en-US" dirty="0">
                 <a:solidFill>
                   <a:schemeClr val="tx1">
                     <a:lumMod val="65000"/>
                   </a:schemeClr>
                 </a:solidFill>
               </a:rPr>
-              <a:t>AA</a:t>
-            </a:r>
-          </a:p>
-          <a:p>
-            <a:pPr marL="742950" lvl="1" indent="-285750">
+              <a:t>Collaboration and Teamwork</a:t>
+            </a:r>
+          </a:p>
+          <a:p>
+            <a:pPr marL="285750" indent="-285750">
               <a:buFont typeface="Arial" panose="020B0604020202020204" pitchFamily="34" charset="0"/>
               <a:buChar char="•"/>
             </a:pPr>
             <a:r>
-              <a:rPr lang="en-US" sz="2400" dirty="0">
+              <a:rPr lang="en-US" dirty="0">
                 <a:solidFill>
                   <a:schemeClr val="tx1">
                     <a:lumMod val="65000"/>
                   </a:schemeClr>
                 </a:solidFill>
               </a:rPr>
-              <a:t>BB</a:t>
+              <a:t>Trying to do too much</a:t>
             </a:r>
           </a:p>
           <a:p>
@@ -21884,30 +21738,30 @@
               <a:buChar char="•"/>
             </a:pPr>
             <a:r>
-              <a:rPr lang="en-US" sz="2400" dirty="0">
+              <a:rPr lang="en-US" dirty="0">
                 <a:solidFill>
                   <a:schemeClr val="tx1">
                     <a:lumMod val="65000"/>
                   </a:schemeClr>
                 </a:solidFill>
               </a:rPr>
-              <a:t>CC</a:t>
-            </a:r>
-          </a:p>
-          <a:p>
-            <a:pPr marL="742950" lvl="1" indent="-285750">
+              <a:t>Focusing on MVP first</a:t>
+            </a:r>
+          </a:p>
+          <a:p>
+            <a:pPr marL="285750" indent="-285750">
               <a:buFont typeface="Arial" panose="020B0604020202020204" pitchFamily="34" charset="0"/>
               <a:buChar char="•"/>
             </a:pPr>
             <a:r>
-              <a:rPr lang="en-US" sz="2400" dirty="0">
+              <a:rPr lang="en-US" dirty="0">
                 <a:solidFill>
                   <a:schemeClr val="tx1">
                     <a:lumMod val="65000"/>
                   </a:schemeClr>
                 </a:solidFill>
               </a:rPr>
-              <a:t>DD</a:t>
+              <a:t>Local Storage</a:t>
             </a:r>
           </a:p>
           <a:p>
@@ -21916,14 +21770,14 @@
               <a:buChar char="•"/>
             </a:pPr>
             <a:r>
-              <a:rPr lang="en-US" sz="2400" dirty="0">
+              <a:rPr lang="en-US" dirty="0">
                 <a:solidFill>
                   <a:schemeClr val="tx1">
                     <a:lumMod val="65000"/>
                   </a:schemeClr>
                 </a:solidFill>
               </a:rPr>
-              <a:t>JS</a:t>
+              <a:t>Navigating the objects from Ticketmaster</a:t>
             </a:r>
           </a:p>
           <a:p>
@@ -21932,63 +21786,88 @@
               <a:buChar char="•"/>
             </a:pPr>
             <a:r>
-              <a:rPr lang="en-US" sz="2400" dirty="0">
+              <a:rPr lang="en-US" dirty="0">
                 <a:solidFill>
                   <a:schemeClr val="tx1">
                     <a:lumMod val="65000"/>
                   </a:schemeClr>
                 </a:solidFill>
               </a:rPr>
-              <a:t>AA</a:t>
-            </a:r>
-          </a:p>
-          <a:p>
-            <a:pPr marL="742950" lvl="1" indent="-285750">
-              <a:buFont typeface="Arial" panose="020B0604020202020204" pitchFamily="34" charset="0"/>
-              <a:buChar char="•"/>
-            </a:pPr>
-            <a:r>
-              <a:rPr lang="en-US" sz="2400" dirty="0">
+              <a:t>Using cleaner </a:t>
+            </a:r>
+            <a:r>
+              <a:rPr lang="en-US" dirty="0" err="1">
                 <a:solidFill>
                   <a:schemeClr val="tx1">
                     <a:lumMod val="65000"/>
                   </a:schemeClr>
                 </a:solidFill>
               </a:rPr>
-              <a:t>BB</a:t>
-            </a:r>
-          </a:p>
-          <a:p>
-            <a:pPr marL="742950" lvl="1" indent="-285750">
-              <a:buFont typeface="Arial" panose="020B0604020202020204" pitchFamily="34" charset="0"/>
-              <a:buChar char="•"/>
-            </a:pPr>
-            <a:r>
-              <a:rPr lang="en-US" sz="2400" dirty="0">
+              <a:t>Jquery</a:t>
+            </a:r>
+            <a:r>
+              <a:rPr lang="en-US" dirty="0">
                 <a:solidFill>
                   <a:schemeClr val="tx1">
                     <a:lumMod val="65000"/>
                   </a:schemeClr>
                 </a:solidFill>
               </a:rPr>
-              <a:t>CC</a:t>
-            </a:r>
-          </a:p>
-          <a:p>
-            <a:pPr marL="742950" lvl="1" indent="-285750">
+              <a:t> methods</a:t>
+            </a:r>
+          </a:p>
+          <a:p>
+            <a:pPr marL="285750" indent="-285750">
               <a:buFont typeface="Arial" panose="020B0604020202020204" pitchFamily="34" charset="0"/>
               <a:buChar char="•"/>
             </a:pPr>
             <a:r>
-              <a:rPr lang="en-US" sz="2400" dirty="0">
+              <a:rPr lang="en-US" dirty="0">
                 <a:solidFill>
                   <a:schemeClr val="tx1">
                     <a:lumMod val="65000"/>
                   </a:schemeClr>
                 </a:solidFill>
               </a:rPr>
-              <a:t>DD</a:t>
-            </a:r>
+              <a:t>Adjusting layouts to match Wireframe</a:t>
+            </a:r>
+          </a:p>
+          <a:p>
+            <a:pPr marL="742950" lvl="1" indent="-285750">
+              <a:buFont typeface="Arial" panose="020B0604020202020204" pitchFamily="34" charset="0"/>
+              <a:buChar char="•"/>
+            </a:pPr>
+            <a:r>
+              <a:rPr lang="en-US" dirty="0">
+                <a:solidFill>
+                  <a:schemeClr val="tx1">
+                    <a:lumMod val="65000"/>
+                  </a:schemeClr>
+                </a:solidFill>
+              </a:rPr>
+              <a:t>Being flexible with our collective ideas</a:t>
+            </a:r>
+          </a:p>
+          <a:p>
+            <a:pPr marL="285750" indent="-285750">
+              <a:buFont typeface="Arial" panose="020B0604020202020204" pitchFamily="34" charset="0"/>
+              <a:buChar char="•"/>
+            </a:pPr>
+            <a:endParaRPr lang="en-US" dirty="0"/>
+          </a:p>
+          <a:p>
+            <a:pPr marL="285750" indent="-285750">
+              <a:buFont typeface="Arial" panose="020B0604020202020204" pitchFamily="34" charset="0"/>
+              <a:buChar char="•"/>
+            </a:pPr>
+            <a:endParaRPr lang="en-US" dirty="0"/>
+          </a:p>
+          <a:p>
+            <a:pPr marL="285750" indent="-285750">
+              <a:buFont typeface="Arial" panose="020B0604020202020204" pitchFamily="34" charset="0"/>
+              <a:buChar char="•"/>
+            </a:pPr>
+            <a:endParaRPr lang="en-US" dirty="0"/>
           </a:p>
         </p:txBody>
       </p:sp>
@@ -22005,7 +21884,7 @@
 </p:sld>
 </file>
 
-<file path=ppt/slides/slide5.xml><?xml version="1.0" encoding="utf-8"?>
+<file path=ppt/slides/slide6.xml><?xml version="1.0" encoding="utf-8"?>
 <p:sld xmlns:a="http://schemas.openxmlformats.org/drawingml/2006/main" xmlns:r="http://schemas.openxmlformats.org/officeDocument/2006/relationships" xmlns:p="http://schemas.openxmlformats.org/presentationml/2006/main">
   <p:cSld>
     <p:spTree>
@@ -22071,7 +21950,7 @@
             <p:ph idx="1"/>
             <p:extLst>
               <p:ext uri="{D42A27DB-BD31-4B8C-83A1-F6EECF244321}">
-                <p14:modId xmlns:p14="http://schemas.microsoft.com/office/powerpoint/2010/main" val="713740634"/>
+                <p14:modId xmlns:p14="http://schemas.microsoft.com/office/powerpoint/2010/main" val="2687697253"/>
               </p:ext>
             </p:extLst>
           </p:nvPr>
@@ -22462,14 +22341,11 @@
                     <a:lstStyle/>
                     <a:p>
                       <a:pPr algn="ctr"/>
-                      <a:r>
-                        <a:rPr lang="en-US" dirty="0">
-                          <a:solidFill>
-                            <a:schemeClr val="tx1"/>
-                          </a:solidFill>
-                        </a:rPr>
-                        <a:t>4.5</a:t>
-                      </a:r>
+                      <a:endParaRPr lang="en-US" dirty="0">
+                        <a:solidFill>
+                          <a:schemeClr val="tx1"/>
+                        </a:solidFill>
+                      </a:endParaRPr>
                     </a:p>
                   </a:txBody>
                   <a:tcPr anchor="ctr">
@@ -22518,14 +22394,11 @@
                     <a:lstStyle/>
                     <a:p>
                       <a:pPr algn="ctr"/>
-                      <a:r>
-                        <a:rPr lang="en-US" dirty="0">
-                          <a:solidFill>
-                            <a:schemeClr val="tx1"/>
-                          </a:solidFill>
-                        </a:rPr>
-                        <a:t>2.3</a:t>
-                      </a:r>
+                      <a:endParaRPr lang="en-US" dirty="0">
+                        <a:solidFill>
+                          <a:schemeClr val="tx1"/>
+                        </a:solidFill>
+                      </a:endParaRPr>
                     </a:p>
                   </a:txBody>
                   <a:tcPr anchor="ctr">
@@ -22574,14 +22447,11 @@
                     <a:lstStyle/>
                     <a:p>
                       <a:pPr algn="ctr"/>
-                      <a:r>
-                        <a:rPr lang="en-US" dirty="0">
-                          <a:solidFill>
-                            <a:schemeClr val="tx1"/>
-                          </a:solidFill>
-                        </a:rPr>
-                        <a:t>1.7</a:t>
-                      </a:r>
+                      <a:endParaRPr lang="en-US" dirty="0">
+                        <a:solidFill>
+                          <a:schemeClr val="tx1"/>
+                        </a:solidFill>
+                      </a:endParaRPr>
                     </a:p>
                   </a:txBody>
                   <a:tcPr anchor="ctr">
@@ -22630,14 +22500,11 @@
                     <a:lstStyle/>
                     <a:p>
                       <a:pPr algn="ctr"/>
-                      <a:r>
-                        <a:rPr lang="en-US" dirty="0">
-                          <a:solidFill>
-                            <a:schemeClr val="tx1"/>
-                          </a:solidFill>
-                        </a:rPr>
-                        <a:t>5</a:t>
-                      </a:r>
+                      <a:endParaRPr lang="en-US" dirty="0">
+                        <a:solidFill>
+                          <a:schemeClr val="tx1"/>
+                        </a:solidFill>
+                      </a:endParaRPr>
                     </a:p>
                   </a:txBody>
                   <a:tcPr anchor="ctr">
@@ -22762,14 +22629,11 @@
                     <a:lstStyle/>
                     <a:p>
                       <a:pPr algn="ctr"/>
-                      <a:r>
-                        <a:rPr lang="en-US" dirty="0">
-                          <a:solidFill>
-                            <a:schemeClr val="tx1"/>
-                          </a:solidFill>
-                        </a:rPr>
-                        <a:t>3.2</a:t>
-                      </a:r>
+                      <a:endParaRPr lang="en-US" dirty="0">
+                        <a:solidFill>
+                          <a:schemeClr val="tx1"/>
+                        </a:solidFill>
+                      </a:endParaRPr>
                     </a:p>
                   </a:txBody>
                   <a:tcPr anchor="ctr">
@@ -22818,14 +22682,11 @@
                     <a:lstStyle/>
                     <a:p>
                       <a:pPr algn="ctr"/>
-                      <a:r>
-                        <a:rPr lang="en-US" dirty="0">
-                          <a:solidFill>
-                            <a:schemeClr val="tx1"/>
-                          </a:solidFill>
-                        </a:rPr>
-                        <a:t>5.1</a:t>
-                      </a:r>
+                      <a:endParaRPr lang="en-US" dirty="0">
+                        <a:solidFill>
+                          <a:schemeClr val="tx1"/>
+                        </a:solidFill>
+                      </a:endParaRPr>
                     </a:p>
                   </a:txBody>
                   <a:tcPr anchor="ctr">
@@ -22874,14 +22735,11 @@
                     <a:lstStyle/>
                     <a:p>
                       <a:pPr algn="ctr"/>
-                      <a:r>
-                        <a:rPr lang="en-US" dirty="0">
-                          <a:solidFill>
-                            <a:schemeClr val="tx1"/>
-                          </a:solidFill>
-                        </a:rPr>
-                        <a:t>4.4</a:t>
-                      </a:r>
+                      <a:endParaRPr lang="en-US" dirty="0">
+                        <a:solidFill>
+                          <a:schemeClr val="tx1"/>
+                        </a:solidFill>
+                      </a:endParaRPr>
                     </a:p>
                   </a:txBody>
                   <a:tcPr anchor="ctr">
@@ -22930,14 +22788,11 @@
                     <a:lstStyle/>
                     <a:p>
                       <a:pPr algn="ctr"/>
-                      <a:r>
-                        <a:rPr lang="en-US" dirty="0">
-                          <a:solidFill>
-                            <a:schemeClr val="tx1"/>
-                          </a:solidFill>
-                        </a:rPr>
-                        <a:t>3</a:t>
-                      </a:r>
+                      <a:endParaRPr lang="en-US" dirty="0">
+                        <a:solidFill>
+                          <a:schemeClr val="tx1"/>
+                        </a:solidFill>
+                      </a:endParaRPr>
                     </a:p>
                   </a:txBody>
                   <a:tcPr anchor="ctr">
@@ -23049,14 +22904,11 @@
                     <a:lstStyle/>
                     <a:p>
                       <a:pPr algn="ctr"/>
-                      <a:r>
-                        <a:rPr lang="en-US" dirty="0">
-                          <a:solidFill>
-                            <a:schemeClr val="tx1"/>
-                          </a:solidFill>
-                        </a:rPr>
-                        <a:t>2.1</a:t>
-                      </a:r>
+                      <a:endParaRPr lang="en-US" dirty="0">
+                        <a:solidFill>
+                          <a:schemeClr val="tx1"/>
+                        </a:solidFill>
+                      </a:endParaRPr>
                     </a:p>
                   </a:txBody>
                   <a:tcPr anchor="ctr">
@@ -23105,14 +22957,11 @@
                     <a:lstStyle/>
                     <a:p>
                       <a:pPr algn="ctr"/>
-                      <a:r>
-                        <a:rPr lang="en-US" dirty="0">
-                          <a:solidFill>
-                            <a:schemeClr val="tx1"/>
-                          </a:solidFill>
-                        </a:rPr>
-                        <a:t>1.7</a:t>
-                      </a:r>
+                      <a:endParaRPr lang="en-US" dirty="0">
+                        <a:solidFill>
+                          <a:schemeClr val="tx1"/>
+                        </a:solidFill>
+                      </a:endParaRPr>
                     </a:p>
                   </a:txBody>
                   <a:tcPr anchor="ctr">
@@ -23161,14 +23010,11 @@
                     <a:lstStyle/>
                     <a:p>
                       <a:pPr algn="ctr"/>
-                      <a:r>
-                        <a:rPr lang="en-US" dirty="0">
-                          <a:solidFill>
-                            <a:schemeClr val="tx1"/>
-                          </a:solidFill>
-                        </a:rPr>
-                        <a:t>2.5</a:t>
-                      </a:r>
+                      <a:endParaRPr lang="en-US" dirty="0">
+                        <a:solidFill>
+                          <a:schemeClr val="tx1"/>
+                        </a:solidFill>
+                      </a:endParaRPr>
                     </a:p>
                   </a:txBody>
                   <a:tcPr anchor="ctr">
@@ -23217,14 +23063,11 @@
                     <a:lstStyle/>
                     <a:p>
                       <a:pPr algn="ctr"/>
-                      <a:r>
-                        <a:rPr lang="en-US" dirty="0">
-                          <a:solidFill>
-                            <a:schemeClr val="tx1"/>
-                          </a:solidFill>
-                        </a:rPr>
-                        <a:t>2.8</a:t>
-                      </a:r>
+                      <a:endParaRPr lang="en-US" dirty="0">
+                        <a:solidFill>
+                          <a:schemeClr val="tx1"/>
+                        </a:solidFill>
+                      </a:endParaRPr>
                     </a:p>
                   </a:txBody>
                   <a:tcPr anchor="ctr">
@@ -23336,14 +23179,11 @@
                     <a:lstStyle/>
                     <a:p>
                       <a:pPr algn="ctr"/>
-                      <a:r>
-                        <a:rPr lang="en-US" dirty="0">
-                          <a:solidFill>
-                            <a:schemeClr val="tx1"/>
-                          </a:solidFill>
-                        </a:rPr>
-                        <a:t>4.5</a:t>
-                      </a:r>
+                      <a:endParaRPr lang="en-US" dirty="0">
+                        <a:solidFill>
+                          <a:schemeClr val="tx1"/>
+                        </a:solidFill>
+                      </a:endParaRPr>
                     </a:p>
                   </a:txBody>
                   <a:tcPr anchor="ctr">
@@ -23392,14 +23232,11 @@
                     <a:lstStyle/>
                     <a:p>
                       <a:pPr algn="ctr"/>
-                      <a:r>
-                        <a:rPr lang="en-US" dirty="0">
-                          <a:solidFill>
-                            <a:schemeClr val="tx1"/>
-                          </a:solidFill>
-                        </a:rPr>
-                        <a:t>2.2</a:t>
-                      </a:r>
+                      <a:endParaRPr lang="en-US" dirty="0">
+                        <a:solidFill>
+                          <a:schemeClr val="tx1"/>
+                        </a:solidFill>
+                      </a:endParaRPr>
                     </a:p>
                   </a:txBody>
                   <a:tcPr anchor="ctr">
@@ -23448,14 +23285,11 @@
                     <a:lstStyle/>
                     <a:p>
                       <a:pPr algn="ctr"/>
-                      <a:r>
-                        <a:rPr lang="en-US" dirty="0">
-                          <a:solidFill>
-                            <a:schemeClr val="tx1"/>
-                          </a:solidFill>
-                        </a:rPr>
-                        <a:t>1.7</a:t>
-                      </a:r>
+                      <a:endParaRPr lang="en-US" dirty="0">
+                        <a:solidFill>
+                          <a:schemeClr val="tx1"/>
+                        </a:solidFill>
+                      </a:endParaRPr>
                     </a:p>
                   </a:txBody>
                   <a:tcPr anchor="ctr">
@@ -23504,14 +23338,11 @@
                     <a:lstStyle/>
                     <a:p>
                       <a:pPr algn="ctr"/>
-                      <a:r>
-                        <a:rPr lang="en-US" dirty="0">
-                          <a:solidFill>
-                            <a:schemeClr val="tx1"/>
-                          </a:solidFill>
-                        </a:rPr>
-                        <a:t>7</a:t>
-                      </a:r>
+                      <a:endParaRPr lang="en-US" dirty="0">
+                        <a:solidFill>
+                          <a:schemeClr val="tx1"/>
+                        </a:solidFill>
+                      </a:endParaRPr>
                     </a:p>
                   </a:txBody>
                   <a:tcPr anchor="ctr">
@@ -23566,10 +23397,78 @@
       </p:graphicFrame>
       <p:sp>
         <p:nvSpPr>
-          <p:cNvPr id="14" name="Date Placeholder 13">
+          <p:cNvPr id="15" name="Footer Placeholder 14">
             <a:extLst>
               <a:ext uri="{FF2B5EF4-FFF2-40B4-BE49-F238E27FC236}">
-                <a16:creationId xmlns:a16="http://schemas.microsoft.com/office/drawing/2014/main" id="{DC738669-5750-45EA-9715-A0041D4C569B}"/>
+                <a16:creationId xmlns:a16="http://schemas.microsoft.com/office/drawing/2014/main" id="{CD05A243-8080-4F6D-8538-65CDDF891BA6}"/>
+              </a:ext>
+            </a:extLst>
+          </p:cNvPr>
+          <p:cNvSpPr>
+            <a:spLocks noGrp="1"/>
+          </p:cNvSpPr>
+          <p:nvPr>
+            <p:ph type="ftr" sz="quarter" idx="11"/>
+          </p:nvPr>
+        </p:nvSpPr>
+        <p:spPr>
+          <a:xfrm>
+            <a:off x="3359150" y="6507212"/>
+            <a:ext cx="6379210" cy="153888"/>
+          </a:xfrm>
+        </p:spPr>
+        <p:txBody>
+          <a:bodyPr/>
+          <a:lstStyle/>
+          <a:p>
+            <a:r>
+              <a:rPr lang="en-US" dirty="0"/>
+              <a:t>G-10 Concert Lounge</a:t>
+            </a:r>
+          </a:p>
+        </p:txBody>
+      </p:sp>
+      <p:sp>
+        <p:nvSpPr>
+          <p:cNvPr id="16" name="Slide Number Placeholder 15">
+            <a:extLst>
+              <a:ext uri="{FF2B5EF4-FFF2-40B4-BE49-F238E27FC236}">
+                <a16:creationId xmlns:a16="http://schemas.microsoft.com/office/drawing/2014/main" id="{3F8A62C8-5437-4C47-AC0F-0605F84CBA57}"/>
+              </a:ext>
+            </a:extLst>
+          </p:cNvPr>
+          <p:cNvSpPr>
+            <a:spLocks noGrp="1"/>
+          </p:cNvSpPr>
+          <p:nvPr>
+            <p:ph type="sldNum" sz="quarter" idx="12"/>
+          </p:nvPr>
+        </p:nvSpPr>
+        <p:spPr>
+          <a:xfrm>
+            <a:off x="9948863" y="6507212"/>
+            <a:ext cx="1692274" cy="153888"/>
+          </a:xfrm>
+        </p:spPr>
+        <p:txBody>
+          <a:bodyPr/>
+          <a:lstStyle/>
+          <a:p>
+            <a:fld id="{DBA1B0FB-D917-4C8C-928F-313BD683BF39}" type="slidenum">
+              <a:rPr lang="en-US" smtClean="0"/>
+              <a:pPr/>
+              <a:t>6</a:t>
+            </a:fld>
+            <a:endParaRPr lang="en-US"/>
+          </a:p>
+        </p:txBody>
+      </p:sp>
+      <p:sp>
+        <p:nvSpPr>
+          <p:cNvPr id="7" name="Date Placeholder 3">
+            <a:extLst>
+              <a:ext uri="{FF2B5EF4-FFF2-40B4-BE49-F238E27FC236}">
+                <a16:creationId xmlns:a16="http://schemas.microsoft.com/office/drawing/2014/main" id="{ED2CA4A3-703B-9562-8588-77A5BF33ED16}"/>
               </a:ext>
             </a:extLst>
           </p:cNvPr>
@@ -23591,77 +23490,9 @@
           <a:lstStyle/>
           <a:p>
             <a:r>
-              <a:rPr lang="en-US"/>
-              <a:t>Tuesday, February 2, 20XX</a:t>
-            </a:r>
-          </a:p>
-        </p:txBody>
-      </p:sp>
-      <p:sp>
-        <p:nvSpPr>
-          <p:cNvPr id="15" name="Footer Placeholder 14">
-            <a:extLst>
-              <a:ext uri="{FF2B5EF4-FFF2-40B4-BE49-F238E27FC236}">
-                <a16:creationId xmlns:a16="http://schemas.microsoft.com/office/drawing/2014/main" id="{CD05A243-8080-4F6D-8538-65CDDF891BA6}"/>
-              </a:ext>
-            </a:extLst>
-          </p:cNvPr>
-          <p:cNvSpPr>
-            <a:spLocks noGrp="1"/>
-          </p:cNvSpPr>
-          <p:nvPr>
-            <p:ph type="ftr" sz="quarter" idx="11"/>
-          </p:nvPr>
-        </p:nvSpPr>
-        <p:spPr>
-          <a:xfrm>
-            <a:off x="3359150" y="6507212"/>
-            <a:ext cx="6379210" cy="153888"/>
-          </a:xfrm>
-        </p:spPr>
-        <p:txBody>
-          <a:bodyPr/>
-          <a:lstStyle/>
-          <a:p>
-            <a:r>
-              <a:rPr lang="en-US"/>
-              <a:t>Sample Footer Text</a:t>
-            </a:r>
-          </a:p>
-        </p:txBody>
-      </p:sp>
-      <p:sp>
-        <p:nvSpPr>
-          <p:cNvPr id="16" name="Slide Number Placeholder 15">
-            <a:extLst>
-              <a:ext uri="{FF2B5EF4-FFF2-40B4-BE49-F238E27FC236}">
-                <a16:creationId xmlns:a16="http://schemas.microsoft.com/office/drawing/2014/main" id="{3F8A62C8-5437-4C47-AC0F-0605F84CBA57}"/>
-              </a:ext>
-            </a:extLst>
-          </p:cNvPr>
-          <p:cNvSpPr>
-            <a:spLocks noGrp="1"/>
-          </p:cNvSpPr>
-          <p:nvPr>
-            <p:ph type="sldNum" sz="quarter" idx="12"/>
-          </p:nvPr>
-        </p:nvSpPr>
-        <p:spPr>
-          <a:xfrm>
-            <a:off x="9948863" y="6507212"/>
-            <a:ext cx="1692274" cy="153888"/>
-          </a:xfrm>
-        </p:spPr>
-        <p:txBody>
-          <a:bodyPr/>
-          <a:lstStyle/>
-          <a:p>
-            <a:fld id="{DBA1B0FB-D917-4C8C-928F-313BD683BF39}" type="slidenum">
-              <a:rPr lang="en-US" smtClean="0"/>
-              <a:pPr/>
-              <a:t>5</a:t>
-            </a:fld>
-            <a:endParaRPr lang="en-US"/>
+              <a:rPr lang="en-US" dirty="0"/>
+              <a:t>Friday, July 8, 2022</a:t>
+            </a:r>
           </a:p>
         </p:txBody>
       </p:sp>
@@ -23669,171 +23500,6 @@
     <p:extLst>
       <p:ext uri="{BB962C8B-B14F-4D97-AF65-F5344CB8AC3E}">
         <p14:creationId xmlns:p14="http://schemas.microsoft.com/office/powerpoint/2010/main" val="2496947791"/>
-      </p:ext>
-    </p:extLst>
-  </p:cSld>
-  <p:clrMapOvr>
-    <a:masterClrMapping/>
-  </p:clrMapOvr>
-</p:sld>
-</file>
-
-<file path=ppt/slides/slide6.xml><?xml version="1.0" encoding="utf-8"?>
-<p:sld xmlns:a="http://schemas.openxmlformats.org/drawingml/2006/main" xmlns:r="http://schemas.openxmlformats.org/officeDocument/2006/relationships" xmlns:p="http://schemas.openxmlformats.org/presentationml/2006/main">
-  <p:cSld>
-    <p:spTree>
-      <p:nvGrpSpPr>
-        <p:cNvPr id="1" name=""/>
-        <p:cNvGrpSpPr/>
-        <p:nvPr/>
-      </p:nvGrpSpPr>
-      <p:grpSpPr>
-        <a:xfrm>
-          <a:off x="0" y="0"/>
-          <a:ext cx="0" cy="0"/>
-          <a:chOff x="0" y="0"/>
-          <a:chExt cx="0" cy="0"/>
-        </a:xfrm>
-      </p:grpSpPr>
-      <p:sp>
-        <p:nvSpPr>
-          <p:cNvPr id="7" name="Title 6">
-            <a:extLst>
-              <a:ext uri="{FF2B5EF4-FFF2-40B4-BE49-F238E27FC236}">
-                <a16:creationId xmlns:a16="http://schemas.microsoft.com/office/drawing/2014/main" id="{3E174092-82D3-44E0-8948-4096232ED0A7}"/>
-              </a:ext>
-            </a:extLst>
-          </p:cNvPr>
-          <p:cNvSpPr>
-            <a:spLocks noGrp="1"/>
-          </p:cNvSpPr>
-          <p:nvPr>
-            <p:ph type="title"/>
-          </p:nvPr>
-        </p:nvSpPr>
-        <p:spPr>
-          <a:xfrm>
-            <a:off x="550862" y="549275"/>
-            <a:ext cx="11091600" cy="1332000"/>
-          </a:xfrm>
-        </p:spPr>
-        <p:txBody>
-          <a:bodyPr/>
-          <a:lstStyle/>
-          <a:p>
-            <a:r>
-              <a:rPr lang="en-US" dirty="0"/>
-              <a:t>Website Screenshot</a:t>
-            </a:r>
-          </a:p>
-        </p:txBody>
-      </p:sp>
-      <p:sp>
-        <p:nvSpPr>
-          <p:cNvPr id="4" name="Date Placeholder 3">
-            <a:extLst>
-              <a:ext uri="{FF2B5EF4-FFF2-40B4-BE49-F238E27FC236}">
-                <a16:creationId xmlns:a16="http://schemas.microsoft.com/office/drawing/2014/main" id="{E39EF484-38C8-4EDC-ACF5-695CFB216839}"/>
-              </a:ext>
-            </a:extLst>
-          </p:cNvPr>
-          <p:cNvSpPr>
-            <a:spLocks noGrp="1"/>
-          </p:cNvSpPr>
-          <p:nvPr>
-            <p:ph type="dt" sz="half" idx="10"/>
-          </p:nvPr>
-        </p:nvSpPr>
-        <p:spPr>
-          <a:xfrm>
-            <a:off x="550863" y="6507212"/>
-            <a:ext cx="2628900" cy="153888"/>
-          </a:xfrm>
-        </p:spPr>
-        <p:txBody>
-          <a:bodyPr/>
-          <a:lstStyle/>
-          <a:p>
-            <a:r>
-              <a:rPr lang="en-US"/>
-              <a:t>Tuesday, February 2, 20XX</a:t>
-            </a:r>
-            <a:endParaRPr lang="en-US" dirty="0"/>
-          </a:p>
-        </p:txBody>
-      </p:sp>
-      <p:sp>
-        <p:nvSpPr>
-          <p:cNvPr id="5" name="Footer Placeholder 4">
-            <a:extLst>
-              <a:ext uri="{FF2B5EF4-FFF2-40B4-BE49-F238E27FC236}">
-                <a16:creationId xmlns:a16="http://schemas.microsoft.com/office/drawing/2014/main" id="{AFD183D7-B16E-4A9D-BC4B-D1EC347BF97E}"/>
-              </a:ext>
-            </a:extLst>
-          </p:cNvPr>
-          <p:cNvSpPr>
-            <a:spLocks noGrp="1"/>
-          </p:cNvSpPr>
-          <p:nvPr>
-            <p:ph type="ftr" sz="quarter" idx="11"/>
-          </p:nvPr>
-        </p:nvSpPr>
-        <p:spPr>
-          <a:xfrm>
-            <a:off x="3359150" y="6507212"/>
-            <a:ext cx="6379210" cy="153888"/>
-          </a:xfrm>
-        </p:spPr>
-        <p:txBody>
-          <a:bodyPr/>
-          <a:lstStyle/>
-          <a:p>
-            <a:r>
-              <a:rPr lang="en-US"/>
-              <a:t>Sample Footer Text</a:t>
-            </a:r>
-          </a:p>
-        </p:txBody>
-      </p:sp>
-      <p:sp>
-        <p:nvSpPr>
-          <p:cNvPr id="6" name="Slide Number Placeholder 5">
-            <a:extLst>
-              <a:ext uri="{FF2B5EF4-FFF2-40B4-BE49-F238E27FC236}">
-                <a16:creationId xmlns:a16="http://schemas.microsoft.com/office/drawing/2014/main" id="{705C33DF-36C9-49E9-B48D-A320B179C4D4}"/>
-              </a:ext>
-            </a:extLst>
-          </p:cNvPr>
-          <p:cNvSpPr>
-            <a:spLocks noGrp="1"/>
-          </p:cNvSpPr>
-          <p:nvPr>
-            <p:ph type="sldNum" sz="quarter" idx="12"/>
-          </p:nvPr>
-        </p:nvSpPr>
-        <p:spPr>
-          <a:xfrm>
-            <a:off x="9948863" y="6507212"/>
-            <a:ext cx="1692274" cy="153888"/>
-          </a:xfrm>
-        </p:spPr>
-        <p:txBody>
-          <a:bodyPr/>
-          <a:lstStyle/>
-          <a:p>
-            <a:fld id="{DBA1B0FB-D917-4C8C-928F-313BD683BF39}" type="slidenum">
-              <a:rPr lang="en-US" smtClean="0"/>
-              <a:pPr/>
-              <a:t>6</a:t>
-            </a:fld>
-            <a:endParaRPr lang="en-US"/>
-          </a:p>
-        </p:txBody>
-      </p:sp>
-    </p:spTree>
-    <p:extLst>
-      <p:ext uri="{BB962C8B-B14F-4D97-AF65-F5344CB8AC3E}">
-        <p14:creationId xmlns:p14="http://schemas.microsoft.com/office/powerpoint/2010/main" val="3740286033"/>
       </p:ext>
     </p:extLst>
   </p:cSld>
@@ -23862,10 +23528,10 @@
       </p:grpSpPr>
       <p:sp>
         <p:nvSpPr>
-          <p:cNvPr id="14" name="Title 13">
+          <p:cNvPr id="7" name="Title 6">
             <a:extLst>
               <a:ext uri="{FF2B5EF4-FFF2-40B4-BE49-F238E27FC236}">
-                <a16:creationId xmlns:a16="http://schemas.microsoft.com/office/drawing/2014/main" id="{C15EE852-24F1-4643-8082-AB45CFF2BA10}"/>
+                <a16:creationId xmlns:a16="http://schemas.microsoft.com/office/drawing/2014/main" id="{3E174092-82D3-44E0-8948-4096232ED0A7}"/>
               </a:ext>
             </a:extLst>
           </p:cNvPr>
@@ -23878,29 +23544,27 @@
         </p:nvSpPr>
         <p:spPr>
           <a:xfrm>
-            <a:off x="550864" y="549275"/>
-            <a:ext cx="3566160" cy="3384550"/>
+            <a:off x="550862" y="549275"/>
+            <a:ext cx="11091600" cy="1332000"/>
           </a:xfrm>
         </p:spPr>
         <p:txBody>
-          <a:bodyPr>
-            <a:normAutofit/>
-          </a:bodyPr>
+          <a:bodyPr/>
           <a:lstStyle/>
           <a:p>
             <a:r>
               <a:rPr lang="en-US" dirty="0"/>
-              <a:t>The way to get started is to quit talking and begin doing.</a:t>
+              <a:t>Website Screenshot</a:t>
             </a:r>
           </a:p>
         </p:txBody>
       </p:sp>
       <p:sp>
         <p:nvSpPr>
-          <p:cNvPr id="15" name="Content Placeholder 14">
+          <p:cNvPr id="6" name="Slide Number Placeholder 5">
             <a:extLst>
               <a:ext uri="{FF2B5EF4-FFF2-40B4-BE49-F238E27FC236}">
-                <a16:creationId xmlns:a16="http://schemas.microsoft.com/office/drawing/2014/main" id="{4139825C-53C7-44F4-A064-9795CECD081B}"/>
+                <a16:creationId xmlns:a16="http://schemas.microsoft.com/office/drawing/2014/main" id="{705C33DF-36C9-49E9-B48D-A320B179C4D4}"/>
               </a:ext>
             </a:extLst>
           </p:cNvPr>
@@ -23908,69 +23572,67 @@
             <a:spLocks noGrp="1"/>
           </p:cNvSpPr>
           <p:nvPr>
-            <p:ph sz="quarter" idx="15"/>
+            <p:ph type="sldNum" sz="quarter" idx="12"/>
           </p:nvPr>
         </p:nvSpPr>
         <p:spPr>
           <a:xfrm>
-            <a:off x="550863" y="4097338"/>
-            <a:ext cx="3565524" cy="2351087"/>
+            <a:off x="9948863" y="6507212"/>
+            <a:ext cx="1692274" cy="153888"/>
           </a:xfrm>
         </p:spPr>
         <p:txBody>
           <a:bodyPr/>
           <a:lstStyle/>
           <a:p>
-            <a:r>
-              <a:rPr lang="en-US" dirty="0"/>
-              <a:t>Walt Disney</a:t>
-            </a:r>
-          </a:p>
-          <a:p>
-            <a:endParaRPr lang="en-US" dirty="0"/>
+            <a:fld id="{DBA1B0FB-D917-4C8C-928F-313BD683BF39}" type="slidenum">
+              <a:rPr lang="en-US" smtClean="0"/>
+              <a:pPr/>
+              <a:t>7</a:t>
+            </a:fld>
+            <a:endParaRPr lang="en-US"/>
           </a:p>
         </p:txBody>
       </p:sp>
-      <p:pic>
-        <p:nvPicPr>
-          <p:cNvPr id="18" name="Picture Placeholder 17" descr="A person drawing on a white board">
+      <p:sp>
+        <p:nvSpPr>
+          <p:cNvPr id="9" name="Footer Placeholder 14">
             <a:extLst>
               <a:ext uri="{FF2B5EF4-FFF2-40B4-BE49-F238E27FC236}">
-                <a16:creationId xmlns:a16="http://schemas.microsoft.com/office/drawing/2014/main" id="{301557C2-9072-409B-88EC-E8577CEFCAFB}"/>
+                <a16:creationId xmlns:a16="http://schemas.microsoft.com/office/drawing/2014/main" id="{C58AE1E6-680B-697D-BF21-008688FD5FD6}"/>
               </a:ext>
             </a:extLst>
           </p:cNvPr>
-          <p:cNvPicPr>
-            <a:picLocks noGrp="1" noChangeAspect="1"/>
-          </p:cNvPicPr>
+          <p:cNvSpPr>
+            <a:spLocks noGrp="1"/>
+          </p:cNvSpPr>
           <p:nvPr>
-            <p:ph type="pic" sz="quarter" idx="13"/>
+            <p:ph type="ftr" sz="quarter" idx="11"/>
           </p:nvPr>
-        </p:nvPicPr>
-        <p:blipFill rotWithShape="1">
-          <a:blip r:embed="rId2" cstate="screen">
-            <a:extLst>
-              <a:ext uri="{28A0092B-C50C-407E-A947-70E740481C1C}">
-                <a14:useLocalDpi xmlns:a14="http://schemas.microsoft.com/office/drawing/2010/main" val="0"/>
-              </a:ext>
-            </a:extLst>
-          </a:blip>
-          <a:srcRect/>
-          <a:stretch/>
-        </p:blipFill>
+        </p:nvSpPr>
         <p:spPr>
           <a:xfrm>
-            <a:off x="5535809" y="656633"/>
-            <a:ext cx="5132388" cy="5132388"/>
+            <a:off x="3359150" y="6507212"/>
+            <a:ext cx="6379210" cy="153888"/>
           </a:xfrm>
         </p:spPr>
-      </p:pic>
+        <p:txBody>
+          <a:bodyPr/>
+          <a:lstStyle/>
+          <a:p>
+            <a:r>
+              <a:rPr lang="en-US" dirty="0"/>
+              <a:t>G-10 Concert Lounge</a:t>
+            </a:r>
+          </a:p>
+        </p:txBody>
+      </p:sp>
       <p:sp>
         <p:nvSpPr>
-          <p:cNvPr id="19" name="Date Placeholder 18">
+          <p:cNvPr id="10" name="Date Placeholder 3">
             <a:extLst>
               <a:ext uri="{FF2B5EF4-FFF2-40B4-BE49-F238E27FC236}">
-                <a16:creationId xmlns:a16="http://schemas.microsoft.com/office/drawing/2014/main" id="{386DB667-0553-4FB8-B0E0-776539934AFF}"/>
+                <a16:creationId xmlns:a16="http://schemas.microsoft.com/office/drawing/2014/main" id="{BDD02D88-254B-ADDD-EDC6-33B843459FB3}"/>
               </a:ext>
             </a:extLst>
           </p:cNvPr>
@@ -23992,85 +23654,16 @@
           <a:lstStyle/>
           <a:p>
             <a:r>
-              <a:rPr lang="en-US"/>
-              <a:t>Tuesday, February 2, 20XX</a:t>
-            </a:r>
-            <a:endParaRPr lang="en-US" dirty="0"/>
-          </a:p>
-        </p:txBody>
-      </p:sp>
-      <p:sp>
-        <p:nvSpPr>
-          <p:cNvPr id="20" name="Footer Placeholder 19">
-            <a:extLst>
-              <a:ext uri="{FF2B5EF4-FFF2-40B4-BE49-F238E27FC236}">
-                <a16:creationId xmlns:a16="http://schemas.microsoft.com/office/drawing/2014/main" id="{C77C6228-C5A8-44DC-ABD7-A22A4475D3DF}"/>
-              </a:ext>
-            </a:extLst>
-          </p:cNvPr>
-          <p:cNvSpPr>
-            <a:spLocks noGrp="1"/>
-          </p:cNvSpPr>
-          <p:nvPr>
-            <p:ph type="ftr" sz="quarter" idx="11"/>
-          </p:nvPr>
-        </p:nvSpPr>
-        <p:spPr>
-          <a:xfrm>
-            <a:off x="3359150" y="6507212"/>
-            <a:ext cx="6379210" cy="153888"/>
-          </a:xfrm>
-        </p:spPr>
-        <p:txBody>
-          <a:bodyPr/>
-          <a:lstStyle/>
-          <a:p>
-            <a:r>
-              <a:rPr lang="en-US"/>
-              <a:t>Sample Footer Text</a:t>
-            </a:r>
-          </a:p>
-        </p:txBody>
-      </p:sp>
-      <p:sp>
-        <p:nvSpPr>
-          <p:cNvPr id="21" name="Slide Number Placeholder 20">
-            <a:extLst>
-              <a:ext uri="{FF2B5EF4-FFF2-40B4-BE49-F238E27FC236}">
-                <a16:creationId xmlns:a16="http://schemas.microsoft.com/office/drawing/2014/main" id="{1C563B34-DD53-4FB1-B8C2-8914E01C6365}"/>
-              </a:ext>
-            </a:extLst>
-          </p:cNvPr>
-          <p:cNvSpPr>
-            <a:spLocks noGrp="1"/>
-          </p:cNvSpPr>
-          <p:nvPr>
-            <p:ph type="sldNum" sz="quarter" idx="12"/>
-          </p:nvPr>
-        </p:nvSpPr>
-        <p:spPr>
-          <a:xfrm>
-            <a:off x="9948863" y="6507212"/>
-            <a:ext cx="1692274" cy="153888"/>
-          </a:xfrm>
-        </p:spPr>
-        <p:txBody>
-          <a:bodyPr/>
-          <a:lstStyle/>
-          <a:p>
-            <a:fld id="{DBA1B0FB-D917-4C8C-928F-313BD683BF39}" type="slidenum">
-              <a:rPr lang="en-US" smtClean="0"/>
-              <a:pPr/>
-              <a:t>7</a:t>
-            </a:fld>
-            <a:endParaRPr lang="en-US"/>
+              <a:rPr lang="en-US" dirty="0"/>
+              <a:t>Friday, July 8, 2022</a:t>
+            </a:r>
           </a:p>
         </p:txBody>
       </p:sp>
     </p:spTree>
     <p:extLst>
       <p:ext uri="{BB962C8B-B14F-4D97-AF65-F5344CB8AC3E}">
-        <p14:creationId xmlns:p14="http://schemas.microsoft.com/office/powerpoint/2010/main" val="395518310"/>
+        <p14:creationId xmlns:p14="http://schemas.microsoft.com/office/powerpoint/2010/main" val="3740286033"/>
       </p:ext>
     </p:extLst>
   </p:cSld>
@@ -24097,12 +23690,340 @@
           <a:chExt cx="0" cy="0"/>
         </a:xfrm>
       </p:grpSpPr>
+      <p:grpSp>
+        <p:nvGrpSpPr>
+          <p:cNvPr id="25" name="Group 24">
+            <a:extLst>
+              <a:ext uri="{FF2B5EF4-FFF2-40B4-BE49-F238E27FC236}">
+                <a16:creationId xmlns:a16="http://schemas.microsoft.com/office/drawing/2014/main" id="{D10F3D66-0109-4903-90B9-66D0E288F721}"/>
+              </a:ext>
+              <a:ext uri="{C183D7F6-B498-43B3-948B-1728B52AA6E4}">
+                <adec:decorative xmlns:adec="http://schemas.microsoft.com/office/drawing/2017/decorative" val="1"/>
+              </a:ext>
+            </a:extLst>
+          </p:cNvPr>
+          <p:cNvGrpSpPr/>
+          <p:nvPr/>
+        </p:nvGrpSpPr>
+        <p:grpSpPr>
+          <a:xfrm>
+            <a:off x="10379261" y="2030035"/>
+            <a:ext cx="1335600" cy="1262947"/>
+            <a:chOff x="10145015" y="2343978"/>
+            <a:chExt cx="1335600" cy="1262947"/>
+          </a:xfrm>
+        </p:grpSpPr>
+        <p:sp>
+          <p:nvSpPr>
+            <p:cNvPr id="26" name="Freeform: Shape 25">
+              <a:extLst>
+                <a:ext uri="{FF2B5EF4-FFF2-40B4-BE49-F238E27FC236}">
+                  <a16:creationId xmlns:a16="http://schemas.microsoft.com/office/drawing/2014/main" id="{57DAB968-9B52-4EFF-AD39-7657DFEA6E48}"/>
+                </a:ext>
+              </a:extLst>
+            </p:cNvPr>
+            <p:cNvSpPr>
+              <a:spLocks noChangeAspect="1"/>
+            </p:cNvSpPr>
+            <p:nvPr/>
+          </p:nvSpPr>
+          <p:spPr>
+            <a:xfrm rot="8100000">
+              <a:off x="10400615" y="2343978"/>
+              <a:ext cx="1080000" cy="1262947"/>
+            </a:xfrm>
+            <a:custGeom>
+              <a:avLst/>
+              <a:gdLst>
+                <a:gd name="connsiteX0" fmla="*/ 540000 w 1080000"/>
+                <a:gd name="connsiteY0" fmla="*/ 0 h 1262947"/>
+                <a:gd name="connsiteX1" fmla="*/ 1080000 w 1080000"/>
+                <a:gd name="connsiteY1" fmla="*/ 931034 h 1262947"/>
+                <a:gd name="connsiteX2" fmla="*/ 1064374 w 1080000"/>
+                <a:gd name="connsiteY2" fmla="*/ 931034 h 1262947"/>
+                <a:gd name="connsiteX3" fmla="*/ 1069029 w 1080000"/>
+                <a:gd name="connsiteY3" fmla="*/ 938533 h 1262947"/>
+                <a:gd name="connsiteX4" fmla="*/ 1080000 w 1080000"/>
+                <a:gd name="connsiteY4" fmla="*/ 992947 h 1262947"/>
+                <a:gd name="connsiteX5" fmla="*/ 540000 w 1080000"/>
+                <a:gd name="connsiteY5" fmla="*/ 1262947 h 1262947"/>
+                <a:gd name="connsiteX6" fmla="*/ 0 w 1080000"/>
+                <a:gd name="connsiteY6" fmla="*/ 992947 h 1262947"/>
+                <a:gd name="connsiteX7" fmla="*/ 10971 w 1080000"/>
+                <a:gd name="connsiteY7" fmla="*/ 938533 h 1262947"/>
+                <a:gd name="connsiteX8" fmla="*/ 15626 w 1080000"/>
+                <a:gd name="connsiteY8" fmla="*/ 931034 h 1262947"/>
+                <a:gd name="connsiteX9" fmla="*/ 0 w 1080000"/>
+                <a:gd name="connsiteY9" fmla="*/ 931034 h 1262947"/>
+                <a:gd name="connsiteX0" fmla="*/ 540000 w 1080000"/>
+                <a:gd name="connsiteY0" fmla="*/ 0 h 1262947"/>
+                <a:gd name="connsiteX1" fmla="*/ 1080000 w 1080000"/>
+                <a:gd name="connsiteY1" fmla="*/ 931034 h 1262947"/>
+                <a:gd name="connsiteX2" fmla="*/ 1064374 w 1080000"/>
+                <a:gd name="connsiteY2" fmla="*/ 931034 h 1262947"/>
+                <a:gd name="connsiteX3" fmla="*/ 1069029 w 1080000"/>
+                <a:gd name="connsiteY3" fmla="*/ 938533 h 1262947"/>
+                <a:gd name="connsiteX4" fmla="*/ 1080000 w 1080000"/>
+                <a:gd name="connsiteY4" fmla="*/ 992947 h 1262947"/>
+                <a:gd name="connsiteX5" fmla="*/ 540000 w 1080000"/>
+                <a:gd name="connsiteY5" fmla="*/ 1262947 h 1262947"/>
+                <a:gd name="connsiteX6" fmla="*/ 0 w 1080000"/>
+                <a:gd name="connsiteY6" fmla="*/ 992947 h 1262947"/>
+                <a:gd name="connsiteX7" fmla="*/ 10971 w 1080000"/>
+                <a:gd name="connsiteY7" fmla="*/ 938533 h 1262947"/>
+                <a:gd name="connsiteX8" fmla="*/ 15626 w 1080000"/>
+                <a:gd name="connsiteY8" fmla="*/ 931034 h 1262947"/>
+                <a:gd name="connsiteX9" fmla="*/ 540000 w 1080000"/>
+                <a:gd name="connsiteY9" fmla="*/ 0 h 1262947"/>
+                <a:gd name="connsiteX0" fmla="*/ 540000 w 1080000"/>
+                <a:gd name="connsiteY0" fmla="*/ 0 h 1262947"/>
+                <a:gd name="connsiteX1" fmla="*/ 1064374 w 1080000"/>
+                <a:gd name="connsiteY1" fmla="*/ 931034 h 1262947"/>
+                <a:gd name="connsiteX2" fmla="*/ 1069029 w 1080000"/>
+                <a:gd name="connsiteY2" fmla="*/ 938533 h 1262947"/>
+                <a:gd name="connsiteX3" fmla="*/ 1080000 w 1080000"/>
+                <a:gd name="connsiteY3" fmla="*/ 992947 h 1262947"/>
+                <a:gd name="connsiteX4" fmla="*/ 540000 w 1080000"/>
+                <a:gd name="connsiteY4" fmla="*/ 1262947 h 1262947"/>
+                <a:gd name="connsiteX5" fmla="*/ 0 w 1080000"/>
+                <a:gd name="connsiteY5" fmla="*/ 992947 h 1262947"/>
+                <a:gd name="connsiteX6" fmla="*/ 10971 w 1080000"/>
+                <a:gd name="connsiteY6" fmla="*/ 938533 h 1262947"/>
+                <a:gd name="connsiteX7" fmla="*/ 15626 w 1080000"/>
+                <a:gd name="connsiteY7" fmla="*/ 931034 h 1262947"/>
+                <a:gd name="connsiteX8" fmla="*/ 540000 w 1080000"/>
+                <a:gd name="connsiteY8" fmla="*/ 0 h 1262947"/>
+              </a:gdLst>
+              <a:ahLst/>
+              <a:cxnLst>
+                <a:cxn ang="0">
+                  <a:pos x="connsiteX0" y="connsiteY0"/>
+                </a:cxn>
+                <a:cxn ang="0">
+                  <a:pos x="connsiteX1" y="connsiteY1"/>
+                </a:cxn>
+                <a:cxn ang="0">
+                  <a:pos x="connsiteX2" y="connsiteY2"/>
+                </a:cxn>
+                <a:cxn ang="0">
+                  <a:pos x="connsiteX3" y="connsiteY3"/>
+                </a:cxn>
+                <a:cxn ang="0">
+                  <a:pos x="connsiteX4" y="connsiteY4"/>
+                </a:cxn>
+                <a:cxn ang="0">
+                  <a:pos x="connsiteX5" y="connsiteY5"/>
+                </a:cxn>
+                <a:cxn ang="0">
+                  <a:pos x="connsiteX6" y="connsiteY6"/>
+                </a:cxn>
+                <a:cxn ang="0">
+                  <a:pos x="connsiteX7" y="connsiteY7"/>
+                </a:cxn>
+                <a:cxn ang="0">
+                  <a:pos x="connsiteX8" y="connsiteY8"/>
+                </a:cxn>
+              </a:cxnLst>
+              <a:rect l="l" t="t" r="r" b="b"/>
+              <a:pathLst>
+                <a:path w="1080000" h="1262947">
+                  <a:moveTo>
+                    <a:pt x="540000" y="0"/>
+                  </a:moveTo>
+                  <a:lnTo>
+                    <a:pt x="1064374" y="931034"/>
+                  </a:lnTo>
+                  <a:lnTo>
+                    <a:pt x="1069029" y="938533"/>
+                  </a:lnTo>
+                  <a:cubicBezTo>
+                    <a:pt x="1076223" y="956109"/>
+                    <a:pt x="1080000" y="974307"/>
+                    <a:pt x="1080000" y="992947"/>
+                  </a:cubicBezTo>
+                  <a:cubicBezTo>
+                    <a:pt x="1080000" y="1142064"/>
+                    <a:pt x="838234" y="1262947"/>
+                    <a:pt x="540000" y="1262947"/>
+                  </a:cubicBezTo>
+                  <a:cubicBezTo>
+                    <a:pt x="241766" y="1262947"/>
+                    <a:pt x="0" y="1142064"/>
+                    <a:pt x="0" y="992947"/>
+                  </a:cubicBezTo>
+                  <a:cubicBezTo>
+                    <a:pt x="0" y="974307"/>
+                    <a:pt x="3778" y="956109"/>
+                    <a:pt x="10971" y="938533"/>
+                  </a:cubicBezTo>
+                  <a:lnTo>
+                    <a:pt x="15626" y="931034"/>
+                  </a:lnTo>
+                  <a:lnTo>
+                    <a:pt x="540000" y="0"/>
+                  </a:lnTo>
+                  <a:close/>
+                </a:path>
+              </a:pathLst>
+            </a:custGeom>
+            <a:gradFill>
+              <a:gsLst>
+                <a:gs pos="60000">
+                  <a:schemeClr val="bg2">
+                    <a:lumMod val="90000"/>
+                    <a:lumOff val="10000"/>
+                  </a:schemeClr>
+                </a:gs>
+                <a:gs pos="30000">
+                  <a:schemeClr val="bg2">
+                    <a:lumMod val="90000"/>
+                    <a:lumOff val="10000"/>
+                  </a:schemeClr>
+                </a:gs>
+                <a:gs pos="40000">
+                  <a:schemeClr val="bg2">
+                    <a:lumMod val="80000"/>
+                    <a:lumOff val="20000"/>
+                  </a:schemeClr>
+                </a:gs>
+                <a:gs pos="100000">
+                  <a:schemeClr val="bg2"/>
+                </a:gs>
+              </a:gsLst>
+              <a:lin ang="600000" scaled="0"/>
+            </a:gradFill>
+            <a:ln>
+              <a:noFill/>
+            </a:ln>
+            <a:effectLst>
+              <a:innerShdw blurRad="254000" dist="101600" dir="7320000">
+                <a:schemeClr val="accent1">
+                  <a:lumMod val="60000"/>
+                  <a:lumOff val="40000"/>
+                  <a:alpha val="40000"/>
+                </a:schemeClr>
+              </a:innerShdw>
+            </a:effectLst>
+          </p:spPr>
+          <p:style>
+            <a:lnRef idx="2">
+              <a:schemeClr val="accent1">
+                <a:shade val="50000"/>
+              </a:schemeClr>
+            </a:lnRef>
+            <a:fillRef idx="1">
+              <a:schemeClr val="accent1"/>
+            </a:fillRef>
+            <a:effectRef idx="0">
+              <a:schemeClr val="accent1"/>
+            </a:effectRef>
+            <a:fontRef idx="minor">
+              <a:schemeClr val="lt1"/>
+            </a:fontRef>
+          </p:style>
+          <p:txBody>
+            <a:bodyPr rot="0" spcFirstLastPara="0" vertOverflow="overflow" horzOverflow="overflow" vert="horz" wrap="square" lIns="91440" tIns="45720" rIns="91440" bIns="45720" numCol="1" spcCol="0" rtlCol="0" fromWordArt="0" anchor="ctr" anchorCtr="0" forceAA="0" compatLnSpc="1">
+              <a:prstTxWarp prst="textNoShape">
+                <a:avLst/>
+              </a:prstTxWarp>
+              <a:noAutofit/>
+            </a:bodyPr>
+            <a:lstStyle/>
+            <a:p>
+              <a:pPr algn="ctr"/>
+              <a:endParaRPr lang="en-US"/>
+            </a:p>
+          </p:txBody>
+        </p:sp>
+        <p:sp>
+          <p:nvSpPr>
+            <p:cNvPr id="27" name="Oval 26">
+              <a:extLst>
+                <a:ext uri="{FF2B5EF4-FFF2-40B4-BE49-F238E27FC236}">
+                  <a16:creationId xmlns:a16="http://schemas.microsoft.com/office/drawing/2014/main" id="{962BE440-9634-4380-B142-5DB692420C52}"/>
+                </a:ext>
+              </a:extLst>
+            </p:cNvPr>
+            <p:cNvSpPr/>
+            <p:nvPr/>
+          </p:nvSpPr>
+          <p:spPr>
+            <a:xfrm rot="13500000">
+              <a:off x="10415015" y="2179851"/>
+              <a:ext cx="540000" cy="1080000"/>
+            </a:xfrm>
+            <a:prstGeom prst="ellipse">
+              <a:avLst/>
+            </a:prstGeom>
+            <a:gradFill>
+              <a:gsLst>
+                <a:gs pos="100000">
+                  <a:schemeClr val="accent1">
+                    <a:lumMod val="60000"/>
+                    <a:lumOff val="40000"/>
+                    <a:alpha val="0"/>
+                  </a:schemeClr>
+                </a:gs>
+                <a:gs pos="0">
+                  <a:schemeClr val="bg2">
+                    <a:lumMod val="75000"/>
+                    <a:lumOff val="25000"/>
+                    <a:alpha val="33000"/>
+                  </a:schemeClr>
+                </a:gs>
+              </a:gsLst>
+              <a:lin ang="5400000" scaled="0"/>
+            </a:gradFill>
+            <a:ln>
+              <a:noFill/>
+            </a:ln>
+            <a:effectLst>
+              <a:innerShdw blurRad="1270000" dist="2540000">
+                <a:schemeClr val="accent1">
+                  <a:lumMod val="60000"/>
+                  <a:lumOff val="40000"/>
+                  <a:alpha val="0"/>
+                </a:schemeClr>
+              </a:innerShdw>
+            </a:effectLst>
+          </p:spPr>
+          <p:style>
+            <a:lnRef idx="2">
+              <a:schemeClr val="accent1">
+                <a:shade val="50000"/>
+              </a:schemeClr>
+            </a:lnRef>
+            <a:fillRef idx="1">
+              <a:schemeClr val="accent1"/>
+            </a:fillRef>
+            <a:effectRef idx="0">
+              <a:schemeClr val="accent1"/>
+            </a:effectRef>
+            <a:fontRef idx="minor">
+              <a:schemeClr val="lt1"/>
+            </a:fontRef>
+          </p:style>
+          <p:txBody>
+            <a:bodyPr rot="0" spcFirstLastPara="0" vertOverflow="overflow" horzOverflow="overflow" vert="horz" wrap="square" lIns="91440" tIns="45720" rIns="91440" bIns="45720" numCol="1" spcCol="0" rtlCol="0" fromWordArt="0" anchor="ctr" anchorCtr="0" forceAA="0" compatLnSpc="1">
+              <a:prstTxWarp prst="textNoShape">
+                <a:avLst/>
+              </a:prstTxWarp>
+              <a:noAutofit/>
+            </a:bodyPr>
+            <a:lstStyle/>
+            <a:p>
+              <a:pPr algn="ctr"/>
+              <a:endParaRPr lang="en-US"/>
+            </a:p>
+          </p:txBody>
+        </p:sp>
+      </p:grpSp>
       <p:sp>
         <p:nvSpPr>
-          <p:cNvPr id="6" name="Title 5">
+          <p:cNvPr id="7" name="Title 6">
             <a:extLst>
               <a:ext uri="{FF2B5EF4-FFF2-40B4-BE49-F238E27FC236}">
-                <a16:creationId xmlns:a16="http://schemas.microsoft.com/office/drawing/2014/main" id="{ED2A30C0-1BC4-4764-9C0F-5D811CAB8312}"/>
+                <a16:creationId xmlns:a16="http://schemas.microsoft.com/office/drawing/2014/main" id="{4B18D636-CC10-4B1E-AA38-419DCCF2D9C9}"/>
               </a:ext>
             </a:extLst>
           </p:cNvPr>
@@ -24110,168 +24031,138 @@
             <a:spLocks noGrp="1"/>
           </p:cNvSpPr>
           <p:nvPr>
-            <p:ph type="ctrTitle"/>
+            <p:ph type="title"/>
           </p:nvPr>
         </p:nvSpPr>
         <p:spPr>
           <a:xfrm>
-            <a:off x="548640" y="548640"/>
-            <a:ext cx="8281987" cy="1253041"/>
+            <a:off x="550862" y="549275"/>
+            <a:ext cx="11097551" cy="1332000"/>
+          </a:xfrm>
+        </p:spPr>
+        <p:txBody>
+          <a:bodyPr>
+            <a:normAutofit/>
+          </a:bodyPr>
+          <a:lstStyle/>
+          <a:p>
+            <a:r>
+              <a:rPr lang="en-US" dirty="0"/>
+              <a:t>User Case Scenario</a:t>
+            </a:r>
+          </a:p>
+        </p:txBody>
+      </p:sp>
+      <p:sp>
+        <p:nvSpPr>
+          <p:cNvPr id="10" name="Content Placeholder 9">
+            <a:extLst>
+              <a:ext uri="{FF2B5EF4-FFF2-40B4-BE49-F238E27FC236}">
+                <a16:creationId xmlns:a16="http://schemas.microsoft.com/office/drawing/2014/main" id="{1DB251F7-EBE7-46AC-A920-FFE2C5AF68EA}"/>
+              </a:ext>
+            </a:extLst>
+          </p:cNvPr>
+          <p:cNvSpPr>
+            <a:spLocks noGrp="1"/>
+          </p:cNvSpPr>
+          <p:nvPr>
+            <p:ph sz="half" idx="2"/>
+          </p:nvPr>
+        </p:nvSpPr>
+        <p:spPr>
+          <a:xfrm>
+            <a:off x="550863" y="2427370"/>
+            <a:ext cx="5429114" cy="3515555"/>
           </a:xfrm>
         </p:spPr>
         <p:txBody>
           <a:bodyPr/>
           <a:lstStyle/>
           <a:p>
+            <a:pPr>
+              <a:spcAft>
+                <a:spcPts val="0"/>
+              </a:spcAft>
+            </a:pPr>
             <a:r>
               <a:rPr lang="en-US" dirty="0"/>
-              <a:t>Team</a:t>
+              <a:t>Extremely Busy</a:t>
+            </a:r>
+          </a:p>
+          <a:p>
+            <a:pPr>
+              <a:spcAft>
+                <a:spcPts val="0"/>
+              </a:spcAft>
+            </a:pPr>
+            <a:r>
+              <a:rPr lang="en-US" dirty="0"/>
+              <a:t>Makes a lot of money</a:t>
+            </a:r>
+          </a:p>
+          <a:p>
+            <a:pPr lvl="1">
+              <a:spcAft>
+                <a:spcPts val="0"/>
+              </a:spcAft>
+            </a:pPr>
+            <a:r>
+              <a:rPr lang="en-US" dirty="0"/>
+              <a:t>Programming</a:t>
+            </a:r>
+          </a:p>
+          <a:p>
+            <a:pPr lvl="1">
+              <a:spcAft>
+                <a:spcPts val="0"/>
+              </a:spcAft>
+            </a:pPr>
+            <a:r>
+              <a:rPr lang="en-US" dirty="0"/>
+              <a:t>Consulting</a:t>
+            </a:r>
+          </a:p>
+          <a:p>
+            <a:pPr lvl="1">
+              <a:spcAft>
+                <a:spcPts val="0"/>
+              </a:spcAft>
+            </a:pPr>
+            <a:r>
+              <a:rPr lang="en-US" dirty="0"/>
+              <a:t>Instructor</a:t>
+            </a:r>
+          </a:p>
+          <a:p>
+            <a:pPr>
+              <a:spcAft>
+                <a:spcPts val="0"/>
+              </a:spcAft>
+            </a:pPr>
+            <a:r>
+              <a:rPr lang="en-US" dirty="0"/>
+              <a:t>Doesn’t have a lot of time</a:t>
+            </a:r>
+          </a:p>
+          <a:p>
+            <a:pPr>
+              <a:spcAft>
+                <a:spcPts val="0"/>
+              </a:spcAft>
+            </a:pPr>
+            <a:r>
+              <a:rPr lang="en-US" dirty="0"/>
+              <a:t>Avid Gamer</a:t>
             </a:r>
           </a:p>
         </p:txBody>
       </p:sp>
-      <p:pic>
-        <p:nvPicPr>
-          <p:cNvPr id="17" name="Picture Placeholder 16" descr="A man smiling in the office">
-            <a:extLst>
-              <a:ext uri="{FF2B5EF4-FFF2-40B4-BE49-F238E27FC236}">
-                <a16:creationId xmlns:a16="http://schemas.microsoft.com/office/drawing/2014/main" id="{05ED5B1E-974F-476C-A3C9-572D3602E95E}"/>
-              </a:ext>
-            </a:extLst>
-          </p:cNvPr>
-          <p:cNvPicPr>
-            <a:picLocks noGrp="1" noChangeAspect="1"/>
-          </p:cNvPicPr>
-          <p:nvPr>
-            <p:ph type="pic" sz="quarter" idx="13"/>
-          </p:nvPr>
-        </p:nvPicPr>
-        <p:blipFill rotWithShape="1">
-          <a:blip r:embed="rId3" cstate="screen">
-            <a:extLst>
-              <a:ext uri="{28A0092B-C50C-407E-A947-70E740481C1C}">
-                <a14:useLocalDpi xmlns:a14="http://schemas.microsoft.com/office/drawing/2010/main" val="0"/>
-              </a:ext>
-            </a:extLst>
-          </a:blip>
-          <a:srcRect/>
-          <a:stretch/>
-        </p:blipFill>
-        <p:spPr>
-          <a:xfrm>
-            <a:off x="1078992" y="1990724"/>
-            <a:ext cx="1691640" cy="1435608"/>
-          </a:xfrm>
-        </p:spPr>
-      </p:pic>
-      <p:pic>
-        <p:nvPicPr>
-          <p:cNvPr id="36" name="Picture Placeholder 35" descr="A lady smiling in the office">
-            <a:extLst>
-              <a:ext uri="{FF2B5EF4-FFF2-40B4-BE49-F238E27FC236}">
-                <a16:creationId xmlns:a16="http://schemas.microsoft.com/office/drawing/2014/main" id="{F3CCCCDF-EA66-4F5E-98F3-A05239CBBAC4}"/>
-              </a:ext>
-            </a:extLst>
-          </p:cNvPr>
-          <p:cNvPicPr>
-            <a:picLocks noGrp="1" noChangeAspect="1"/>
-          </p:cNvPicPr>
-          <p:nvPr>
-            <p:ph type="pic" sz="quarter" idx="14"/>
-          </p:nvPr>
-        </p:nvPicPr>
-        <p:blipFill rotWithShape="1">
-          <a:blip r:embed="rId4" cstate="screen">
-            <a:extLst>
-              <a:ext uri="{28A0092B-C50C-407E-A947-70E740481C1C}">
-                <a14:useLocalDpi xmlns:a14="http://schemas.microsoft.com/office/drawing/2010/main" val="0"/>
-              </a:ext>
-            </a:extLst>
-          </a:blip>
-          <a:srcRect/>
-          <a:stretch/>
-        </p:blipFill>
-        <p:spPr>
-          <a:xfrm>
-            <a:off x="3838384" y="1990724"/>
-            <a:ext cx="1691640" cy="1435608"/>
-          </a:xfrm>
-        </p:spPr>
-      </p:pic>
-      <p:pic>
-        <p:nvPicPr>
-          <p:cNvPr id="38" name="Picture Placeholder 37" descr="A lady in the office smiling at the camera&#10;">
-            <a:extLst>
-              <a:ext uri="{FF2B5EF4-FFF2-40B4-BE49-F238E27FC236}">
-                <a16:creationId xmlns:a16="http://schemas.microsoft.com/office/drawing/2014/main" id="{8A6BB597-41F4-432E-8432-8F39511B2941}"/>
-              </a:ext>
-            </a:extLst>
-          </p:cNvPr>
-          <p:cNvPicPr>
-            <a:picLocks noGrp="1" noChangeAspect="1"/>
-          </p:cNvPicPr>
-          <p:nvPr>
-            <p:ph type="pic" sz="quarter" idx="15"/>
-          </p:nvPr>
-        </p:nvPicPr>
-        <p:blipFill rotWithShape="1">
-          <a:blip r:embed="rId5" cstate="screen">
-            <a:extLst>
-              <a:ext uri="{28A0092B-C50C-407E-A947-70E740481C1C}">
-                <a14:useLocalDpi xmlns:a14="http://schemas.microsoft.com/office/drawing/2010/main" val="0"/>
-              </a:ext>
-            </a:extLst>
-          </a:blip>
-          <a:srcRect/>
-          <a:stretch/>
-        </p:blipFill>
-        <p:spPr>
-          <a:xfrm>
-            <a:off x="6661976" y="1993392"/>
-            <a:ext cx="1691640" cy="1435608"/>
-          </a:xfrm>
-        </p:spPr>
-      </p:pic>
-      <p:pic>
-        <p:nvPicPr>
-          <p:cNvPr id="40" name="Picture Placeholder 39" descr="Smiling man with a beard">
-            <a:extLst>
-              <a:ext uri="{FF2B5EF4-FFF2-40B4-BE49-F238E27FC236}">
-                <a16:creationId xmlns:a16="http://schemas.microsoft.com/office/drawing/2014/main" id="{76B2FC80-9F3B-46D8-94D9-882D90A858F6}"/>
-              </a:ext>
-            </a:extLst>
-          </p:cNvPr>
-          <p:cNvPicPr>
-            <a:picLocks noGrp="1" noChangeAspect="1"/>
-          </p:cNvPicPr>
-          <p:nvPr>
-            <p:ph type="pic" sz="quarter" idx="16"/>
-          </p:nvPr>
-        </p:nvPicPr>
-        <p:blipFill rotWithShape="1">
-          <a:blip r:embed="rId6" cstate="screen">
-            <a:extLst>
-              <a:ext uri="{28A0092B-C50C-407E-A947-70E740481C1C}">
-                <a14:useLocalDpi xmlns:a14="http://schemas.microsoft.com/office/drawing/2010/main" val="0"/>
-              </a:ext>
-            </a:extLst>
-          </a:blip>
-          <a:srcRect/>
-          <a:stretch/>
-        </p:blipFill>
-        <p:spPr>
-          <a:xfrm>
-            <a:off x="9485568" y="1990724"/>
-            <a:ext cx="1691640" cy="1435608"/>
-          </a:xfrm>
-        </p:spPr>
-      </p:pic>
       <p:sp>
         <p:nvSpPr>
-          <p:cNvPr id="41" name="Text Placeholder 40">
+          <p:cNvPr id="11" name="Text Placeholder 10">
             <a:extLst>
               <a:ext uri="{FF2B5EF4-FFF2-40B4-BE49-F238E27FC236}">
-                <a16:creationId xmlns:a16="http://schemas.microsoft.com/office/drawing/2014/main" id="{91181F6D-A54F-4289-8C36-80ECE3B2C8E2}"/>
+                <a16:creationId xmlns:a16="http://schemas.microsoft.com/office/drawing/2014/main" id="{60726BA7-44D6-4116-90E3-38325026EAAD}"/>
               </a:ext>
             </a:extLst>
           </p:cNvPr>
@@ -24279,32 +24170,33 @@
             <a:spLocks noGrp="1"/>
           </p:cNvSpPr>
           <p:nvPr>
-            <p:ph type="body" sz="quarter" idx="18"/>
+            <p:ph type="body" sz="quarter" idx="3"/>
           </p:nvPr>
         </p:nvSpPr>
         <p:spPr>
           <a:xfrm>
-            <a:off x="1079500" y="3781425"/>
-            <a:ext cx="1711325" cy="365760"/>
+            <a:off x="6212024" y="1731375"/>
+            <a:ext cx="5436392" cy="535354"/>
           </a:xfrm>
         </p:spPr>
         <p:txBody>
           <a:bodyPr/>
           <a:lstStyle/>
           <a:p>
-            <a:r>
-              <a:rPr lang="en-US" dirty="0"/>
-              <a:t>Name</a:t>
+            <a:pPr algn="ctr"/>
+            <a:r>
+              <a:rPr lang="en-US" sz="2800" b="1" u="sng" dirty="0"/>
+              <a:t>Scenario</a:t>
             </a:r>
           </a:p>
         </p:txBody>
       </p:sp>
       <p:sp>
         <p:nvSpPr>
-          <p:cNvPr id="15" name="Subtitle 14">
+          <p:cNvPr id="12" name="Content Placeholder 11">
             <a:extLst>
               <a:ext uri="{FF2B5EF4-FFF2-40B4-BE49-F238E27FC236}">
-                <a16:creationId xmlns:a16="http://schemas.microsoft.com/office/drawing/2014/main" id="{84D39D81-9726-4BD7-BDC0-FA0B2AD0D219}"/>
+                <a16:creationId xmlns:a16="http://schemas.microsoft.com/office/drawing/2014/main" id="{7FB7F30B-2A84-4C44-BC5A-E826ED6E74A2}"/>
               </a:ext>
             </a:extLst>
           </p:cNvPr>
@@ -24312,13 +24204,13 @@
             <a:spLocks noGrp="1"/>
           </p:cNvSpPr>
           <p:nvPr>
-            <p:ph type="body" sz="quarter" idx="17"/>
+            <p:ph sz="quarter" idx="4"/>
           </p:nvPr>
         </p:nvSpPr>
         <p:spPr>
           <a:xfrm>
-            <a:off x="1078733" y="4232949"/>
-            <a:ext cx="1711572" cy="638175"/>
+            <a:off x="6212023" y="2427370"/>
+            <a:ext cx="5436391" cy="3515555"/>
           </a:xfrm>
         </p:spPr>
         <p:txBody>
@@ -24327,17 +24219,45 @@
           <a:p>
             <a:r>
               <a:rPr lang="en-US" dirty="0"/>
-              <a:t>Title</a:t>
-            </a:r>
+              <a:t>Meets another person playing a game</a:t>
+            </a:r>
+          </a:p>
+          <a:p>
+            <a:pPr lvl="1"/>
+            <a:r>
+              <a:rPr lang="en-US" dirty="0"/>
+              <a:t>Let’s say Lost Ark (it is a MULTI-PLAYER game after all..)</a:t>
+            </a:r>
+          </a:p>
+          <a:p>
+            <a:r>
+              <a:rPr lang="en-US" dirty="0"/>
+              <a:t>They find they live in the same area</a:t>
+            </a:r>
+          </a:p>
+          <a:p>
+            <a:r>
+              <a:rPr lang="en-US" dirty="0"/>
+              <a:t>The person invites our hypothetical user to a concert</a:t>
+            </a:r>
+          </a:p>
+          <a:p>
+            <a:r>
+              <a:rPr lang="en-US" dirty="0"/>
+              <a:t>The User says they’d love to go to the concert</a:t>
+            </a:r>
+          </a:p>
+          <a:p>
+            <a:endParaRPr lang="en-US" dirty="0"/>
           </a:p>
         </p:txBody>
       </p:sp>
       <p:sp>
         <p:nvSpPr>
-          <p:cNvPr id="43" name="Text Placeholder 42">
+          <p:cNvPr id="6" name="Slide Number Placeholder 5">
             <a:extLst>
               <a:ext uri="{FF2B5EF4-FFF2-40B4-BE49-F238E27FC236}">
-                <a16:creationId xmlns:a16="http://schemas.microsoft.com/office/drawing/2014/main" id="{E4387CED-5FBE-4AFF-B64D-975B5574F16F}"/>
+                <a16:creationId xmlns:a16="http://schemas.microsoft.com/office/drawing/2014/main" id="{9ED907F8-C614-4D59-A03F-BF9CD5E35703}"/>
               </a:ext>
             </a:extLst>
           </p:cNvPr>
@@ -24345,32 +24265,195 @@
             <a:spLocks noGrp="1"/>
           </p:cNvSpPr>
           <p:nvPr>
-            <p:ph type="body" sz="quarter" idx="20"/>
+            <p:ph type="sldNum" sz="quarter" idx="12"/>
           </p:nvPr>
         </p:nvSpPr>
         <p:spPr>
           <a:xfrm>
-            <a:off x="3839151" y="3781425"/>
-            <a:ext cx="1711325" cy="365760"/>
+            <a:off x="9948863" y="6507212"/>
+            <a:ext cx="1692274" cy="153888"/>
           </a:xfrm>
         </p:spPr>
         <p:txBody>
           <a:bodyPr/>
           <a:lstStyle/>
           <a:p>
-            <a:r>
-              <a:rPr lang="en-US" dirty="0"/>
-              <a:t>Name</a:t>
-            </a:r>
+            <a:fld id="{DBA1B0FB-D917-4C8C-928F-313BD683BF39}" type="slidenum">
+              <a:rPr lang="en-US" smtClean="0"/>
+              <a:pPr/>
+              <a:t>8</a:t>
+            </a:fld>
+            <a:endParaRPr lang="en-US"/>
           </a:p>
         </p:txBody>
       </p:sp>
       <p:sp>
         <p:nvSpPr>
-          <p:cNvPr id="42" name="Text Placeholder 41">
+          <p:cNvPr id="22" name="Freeform: Shape 21">
             <a:extLst>
               <a:ext uri="{FF2B5EF4-FFF2-40B4-BE49-F238E27FC236}">
-                <a16:creationId xmlns:a16="http://schemas.microsoft.com/office/drawing/2014/main" id="{CCDF84CD-BC27-4182-9FBA-9D4FEED95410}"/>
+                <a16:creationId xmlns:a16="http://schemas.microsoft.com/office/drawing/2014/main" id="{C6F3814E-455F-456B-B1AF-7B993965A2C0}"/>
+              </a:ext>
+              <a:ext uri="{C183D7F6-B498-43B3-948B-1728B52AA6E4}">
+                <adec:decorative xmlns:adec="http://schemas.microsoft.com/office/drawing/2017/decorative" val="1"/>
+              </a:ext>
+            </a:extLst>
+          </p:cNvPr>
+          <p:cNvSpPr>
+            <a:spLocks noChangeAspect="1"/>
+          </p:cNvSpPr>
+          <p:nvPr/>
+        </p:nvSpPr>
+        <p:spPr>
+          <a:xfrm>
+            <a:off x="4295775" y="0"/>
+            <a:ext cx="360000" cy="274638"/>
+          </a:xfrm>
+          <a:custGeom>
+            <a:avLst/>
+            <a:gdLst>
+              <a:gd name="connsiteX0" fmla="*/ 30714 w 360000"/>
+              <a:gd name="connsiteY0" fmla="*/ 0 h 274638"/>
+              <a:gd name="connsiteX1" fmla="*/ 329286 w 360000"/>
+              <a:gd name="connsiteY1" fmla="*/ 0 h 274638"/>
+              <a:gd name="connsiteX2" fmla="*/ 345855 w 360000"/>
+              <a:gd name="connsiteY2" fmla="*/ 24574 h 274638"/>
+              <a:gd name="connsiteX3" fmla="*/ 360000 w 360000"/>
+              <a:gd name="connsiteY3" fmla="*/ 94638 h 274638"/>
+              <a:gd name="connsiteX4" fmla="*/ 180000 w 360000"/>
+              <a:gd name="connsiteY4" fmla="*/ 274638 h 274638"/>
+              <a:gd name="connsiteX5" fmla="*/ 0 w 360000"/>
+              <a:gd name="connsiteY5" fmla="*/ 94638 h 274638"/>
+              <a:gd name="connsiteX6" fmla="*/ 14145 w 360000"/>
+              <a:gd name="connsiteY6" fmla="*/ 24574 h 274638"/>
+            </a:gdLst>
+            <a:ahLst/>
+            <a:cxnLst>
+              <a:cxn ang="0">
+                <a:pos x="connsiteX0" y="connsiteY0"/>
+              </a:cxn>
+              <a:cxn ang="0">
+                <a:pos x="connsiteX1" y="connsiteY1"/>
+              </a:cxn>
+              <a:cxn ang="0">
+                <a:pos x="connsiteX2" y="connsiteY2"/>
+              </a:cxn>
+              <a:cxn ang="0">
+                <a:pos x="connsiteX3" y="connsiteY3"/>
+              </a:cxn>
+              <a:cxn ang="0">
+                <a:pos x="connsiteX4" y="connsiteY4"/>
+              </a:cxn>
+              <a:cxn ang="0">
+                <a:pos x="connsiteX5" y="connsiteY5"/>
+              </a:cxn>
+              <a:cxn ang="0">
+                <a:pos x="connsiteX6" y="connsiteY6"/>
+              </a:cxn>
+            </a:cxnLst>
+            <a:rect l="l" t="t" r="r" b="b"/>
+            <a:pathLst>
+              <a:path w="360000" h="274638">
+                <a:moveTo>
+                  <a:pt x="30714" y="0"/>
+                </a:moveTo>
+                <a:lnTo>
+                  <a:pt x="329286" y="0"/>
+                </a:lnTo>
+                <a:lnTo>
+                  <a:pt x="345855" y="24574"/>
+                </a:lnTo>
+                <a:cubicBezTo>
+                  <a:pt x="354963" y="46109"/>
+                  <a:pt x="360000" y="69785"/>
+                  <a:pt x="360000" y="94638"/>
+                </a:cubicBezTo>
+                <a:cubicBezTo>
+                  <a:pt x="360000" y="194049"/>
+                  <a:pt x="279411" y="274638"/>
+                  <a:pt x="180000" y="274638"/>
+                </a:cubicBezTo>
+                <a:cubicBezTo>
+                  <a:pt x="80589" y="274638"/>
+                  <a:pt x="0" y="194049"/>
+                  <a:pt x="0" y="94638"/>
+                </a:cubicBezTo>
+                <a:cubicBezTo>
+                  <a:pt x="0" y="69785"/>
+                  <a:pt x="5037" y="46109"/>
+                  <a:pt x="14145" y="24574"/>
+                </a:cubicBezTo>
+                <a:close/>
+              </a:path>
+            </a:pathLst>
+          </a:custGeom>
+          <a:gradFill flip="none" rotWithShape="1">
+            <a:gsLst>
+              <a:gs pos="100000">
+                <a:schemeClr val="bg2">
+                  <a:lumMod val="50000"/>
+                  <a:lumOff val="50000"/>
+                </a:schemeClr>
+              </a:gs>
+              <a:gs pos="60000">
+                <a:schemeClr val="bg2"/>
+              </a:gs>
+            </a:gsLst>
+            <a:path path="circle">
+              <a:fillToRect l="100000" b="100000"/>
+            </a:path>
+            <a:tileRect t="-100000" r="-100000"/>
+          </a:gradFill>
+          <a:ln>
+            <a:noFill/>
+          </a:ln>
+          <a:effectLst>
+            <a:innerShdw blurRad="127000" dist="63500" dir="2700000">
+              <a:schemeClr val="accent1">
+                <a:lumMod val="60000"/>
+                <a:lumOff val="40000"/>
+                <a:alpha val="20000"/>
+              </a:schemeClr>
+            </a:innerShdw>
+            <a:softEdge rad="0"/>
+          </a:effectLst>
+        </p:spPr>
+        <p:style>
+          <a:lnRef idx="2">
+            <a:schemeClr val="accent1">
+              <a:shade val="50000"/>
+            </a:schemeClr>
+          </a:lnRef>
+          <a:fillRef idx="1">
+            <a:schemeClr val="accent1"/>
+          </a:fillRef>
+          <a:effectRef idx="0">
+            <a:schemeClr val="accent1"/>
+          </a:effectRef>
+          <a:fontRef idx="minor">
+            <a:schemeClr val="lt1"/>
+          </a:fontRef>
+        </p:style>
+        <p:txBody>
+          <a:bodyPr rot="0" spcFirstLastPara="0" vertOverflow="overflow" horzOverflow="overflow" vert="horz" wrap="square" lIns="91440" tIns="45720" rIns="91440" bIns="45720" numCol="1" spcCol="0" rtlCol="0" fromWordArt="0" anchor="ctr" anchorCtr="0" forceAA="0" compatLnSpc="1">
+            <a:prstTxWarp prst="textNoShape">
+              <a:avLst/>
+            </a:prstTxWarp>
+            <a:noAutofit/>
+          </a:bodyPr>
+          <a:lstStyle/>
+          <a:p>
+            <a:pPr algn="ctr"/>
+            <a:endParaRPr lang="en-US"/>
+          </a:p>
+        </p:txBody>
+      </p:sp>
+      <p:sp>
+        <p:nvSpPr>
+          <p:cNvPr id="3" name="Text Placeholder 2">
+            <a:extLst>
+              <a:ext uri="{FF2B5EF4-FFF2-40B4-BE49-F238E27FC236}">
+                <a16:creationId xmlns:a16="http://schemas.microsoft.com/office/drawing/2014/main" id="{721E0A37-94DC-93B8-E153-738B3ED91FDF}"/>
               </a:ext>
             </a:extLst>
           </p:cNvPr>
@@ -24378,13 +24461,42 @@
             <a:spLocks noGrp="1"/>
           </p:cNvSpPr>
           <p:nvPr>
-            <p:ph type="body" sz="quarter" idx="19"/>
+            <p:ph type="body" idx="1"/>
+          </p:nvPr>
+        </p:nvSpPr>
+        <p:spPr/>
+        <p:txBody>
+          <a:bodyPr/>
+          <a:lstStyle/>
+          <a:p>
+            <a:pPr algn="ctr"/>
+            <a:r>
+              <a:rPr lang="en-US" sz="2800" b="1" u="sng" dirty="0"/>
+              <a:t>User</a:t>
+            </a:r>
+          </a:p>
+        </p:txBody>
+      </p:sp>
+      <p:sp>
+        <p:nvSpPr>
+          <p:cNvPr id="16" name="Footer Placeholder 14">
+            <a:extLst>
+              <a:ext uri="{FF2B5EF4-FFF2-40B4-BE49-F238E27FC236}">
+                <a16:creationId xmlns:a16="http://schemas.microsoft.com/office/drawing/2014/main" id="{0B71E616-F17D-8118-7C3B-15A160601758}"/>
+              </a:ext>
+            </a:extLst>
+          </p:cNvPr>
+          <p:cNvSpPr>
+            <a:spLocks noGrp="1"/>
+          </p:cNvSpPr>
+          <p:nvPr>
+            <p:ph type="ftr" sz="quarter" idx="11"/>
           </p:nvPr>
         </p:nvSpPr>
         <p:spPr>
           <a:xfrm>
-            <a:off x="3838384" y="4232949"/>
-            <a:ext cx="1711572" cy="638175"/>
+            <a:off x="3359150" y="6507212"/>
+            <a:ext cx="6379210" cy="153888"/>
           </a:xfrm>
         </p:spPr>
         <p:txBody>
@@ -24393,149 +24505,17 @@
           <a:p>
             <a:r>
               <a:rPr lang="en-US" dirty="0"/>
-              <a:t>Title</a:t>
+              <a:t>G-10 Concert Lounge</a:t>
             </a:r>
           </a:p>
         </p:txBody>
       </p:sp>
       <p:sp>
         <p:nvSpPr>
-          <p:cNvPr id="45" name="Text Placeholder 44">
+          <p:cNvPr id="17" name="Date Placeholder 3">
             <a:extLst>
               <a:ext uri="{FF2B5EF4-FFF2-40B4-BE49-F238E27FC236}">
-                <a16:creationId xmlns:a16="http://schemas.microsoft.com/office/drawing/2014/main" id="{FE5CD03B-066A-46AF-8FB8-E8A78074ABEF}"/>
-              </a:ext>
-            </a:extLst>
-          </p:cNvPr>
-          <p:cNvSpPr>
-            <a:spLocks noGrp="1"/>
-          </p:cNvSpPr>
-          <p:nvPr>
-            <p:ph type="body" sz="quarter" idx="22"/>
-          </p:nvPr>
-        </p:nvSpPr>
-        <p:spPr>
-          <a:xfrm>
-            <a:off x="6662743" y="3781425"/>
-            <a:ext cx="1711325" cy="365760"/>
-          </a:xfrm>
-        </p:spPr>
-        <p:txBody>
-          <a:bodyPr/>
-          <a:lstStyle/>
-          <a:p>
-            <a:r>
-              <a:rPr lang="en-US" dirty="0"/>
-              <a:t>Name</a:t>
-            </a:r>
-          </a:p>
-        </p:txBody>
-      </p:sp>
-      <p:sp>
-        <p:nvSpPr>
-          <p:cNvPr id="44" name="Text Placeholder 43">
-            <a:extLst>
-              <a:ext uri="{FF2B5EF4-FFF2-40B4-BE49-F238E27FC236}">
-                <a16:creationId xmlns:a16="http://schemas.microsoft.com/office/drawing/2014/main" id="{10E83414-3440-46C7-8C07-7D073B69C422}"/>
-              </a:ext>
-            </a:extLst>
-          </p:cNvPr>
-          <p:cNvSpPr>
-            <a:spLocks noGrp="1"/>
-          </p:cNvSpPr>
-          <p:nvPr>
-            <p:ph type="body" sz="quarter" idx="21"/>
-          </p:nvPr>
-        </p:nvSpPr>
-        <p:spPr>
-          <a:xfrm>
-            <a:off x="6661976" y="4232949"/>
-            <a:ext cx="1711572" cy="638175"/>
-          </a:xfrm>
-        </p:spPr>
-        <p:txBody>
-          <a:bodyPr/>
-          <a:lstStyle/>
-          <a:p>
-            <a:r>
-              <a:rPr lang="en-US" dirty="0"/>
-              <a:t>Title</a:t>
-            </a:r>
-          </a:p>
-        </p:txBody>
-      </p:sp>
-      <p:sp>
-        <p:nvSpPr>
-          <p:cNvPr id="47" name="Text Placeholder 46">
-            <a:extLst>
-              <a:ext uri="{FF2B5EF4-FFF2-40B4-BE49-F238E27FC236}">
-                <a16:creationId xmlns:a16="http://schemas.microsoft.com/office/drawing/2014/main" id="{F4640D91-CB97-4FCC-8FEF-F4B22B844DC4}"/>
-              </a:ext>
-            </a:extLst>
-          </p:cNvPr>
-          <p:cNvSpPr>
-            <a:spLocks noGrp="1"/>
-          </p:cNvSpPr>
-          <p:nvPr>
-            <p:ph type="body" sz="quarter" idx="24"/>
-          </p:nvPr>
-        </p:nvSpPr>
-        <p:spPr>
-          <a:xfrm>
-            <a:off x="9433112" y="3787288"/>
-            <a:ext cx="1711325" cy="365760"/>
-          </a:xfrm>
-        </p:spPr>
-        <p:txBody>
-          <a:bodyPr/>
-          <a:lstStyle/>
-          <a:p>
-            <a:r>
-              <a:rPr lang="en-US" dirty="0"/>
-              <a:t>Name</a:t>
-            </a:r>
-          </a:p>
-        </p:txBody>
-      </p:sp>
-      <p:sp>
-        <p:nvSpPr>
-          <p:cNvPr id="3" name="Text Placeholder 2">
-            <a:extLst>
-              <a:ext uri="{FF2B5EF4-FFF2-40B4-BE49-F238E27FC236}">
-                <a16:creationId xmlns:a16="http://schemas.microsoft.com/office/drawing/2014/main" id="{B1C6A53C-7538-4FF9-BC09-EFC116FE7054}"/>
-              </a:ext>
-            </a:extLst>
-          </p:cNvPr>
-          <p:cNvSpPr>
-            <a:spLocks noGrp="1"/>
-          </p:cNvSpPr>
-          <p:nvPr>
-            <p:ph type="body" sz="quarter" idx="23"/>
-          </p:nvPr>
-        </p:nvSpPr>
-        <p:spPr>
-          <a:xfrm>
-            <a:off x="9432345" y="4238812"/>
-            <a:ext cx="1711572" cy="638175"/>
-          </a:xfrm>
-        </p:spPr>
-        <p:txBody>
-          <a:bodyPr/>
-          <a:lstStyle/>
-          <a:p>
-            <a:r>
-              <a:rPr lang="en-US" dirty="0"/>
-              <a:t>Title</a:t>
-            </a:r>
-          </a:p>
-        </p:txBody>
-      </p:sp>
-      <p:sp>
-        <p:nvSpPr>
-          <p:cNvPr id="7" name="Date Placeholder 6">
-            <a:extLst>
-              <a:ext uri="{FF2B5EF4-FFF2-40B4-BE49-F238E27FC236}">
-                <a16:creationId xmlns:a16="http://schemas.microsoft.com/office/drawing/2014/main" id="{45F69D6A-822D-4DB9-A2CC-D9106F1F2B68}"/>
+                <a16:creationId xmlns:a16="http://schemas.microsoft.com/office/drawing/2014/main" id="{A09D5BD5-BF26-EA38-D3AC-88136B580DDC}"/>
               </a:ext>
             </a:extLst>
           </p:cNvPr>
@@ -24557,85 +24537,16 @@
           <a:lstStyle/>
           <a:p>
             <a:r>
-              <a:rPr lang="en-US"/>
-              <a:t>Tuesday, February 2, 20XX</a:t>
-            </a:r>
-            <a:endParaRPr lang="en-US" dirty="0"/>
-          </a:p>
-        </p:txBody>
-      </p:sp>
-      <p:sp>
-        <p:nvSpPr>
-          <p:cNvPr id="8" name="Footer Placeholder 7">
-            <a:extLst>
-              <a:ext uri="{FF2B5EF4-FFF2-40B4-BE49-F238E27FC236}">
-                <a16:creationId xmlns:a16="http://schemas.microsoft.com/office/drawing/2014/main" id="{6375D7F3-165A-439B-8D1D-6553B68C2886}"/>
-              </a:ext>
-            </a:extLst>
-          </p:cNvPr>
-          <p:cNvSpPr>
-            <a:spLocks noGrp="1"/>
-          </p:cNvSpPr>
-          <p:nvPr>
-            <p:ph type="ftr" sz="quarter" idx="11"/>
-          </p:nvPr>
-        </p:nvSpPr>
-        <p:spPr>
-          <a:xfrm>
-            <a:off x="3359150" y="6507212"/>
-            <a:ext cx="6379210" cy="153888"/>
-          </a:xfrm>
-        </p:spPr>
-        <p:txBody>
-          <a:bodyPr/>
-          <a:lstStyle/>
-          <a:p>
-            <a:r>
-              <a:rPr lang="en-US"/>
-              <a:t>Sample Footer Text</a:t>
-            </a:r>
-          </a:p>
-        </p:txBody>
-      </p:sp>
-      <p:sp>
-        <p:nvSpPr>
-          <p:cNvPr id="9" name="Slide Number Placeholder 8">
-            <a:extLst>
-              <a:ext uri="{FF2B5EF4-FFF2-40B4-BE49-F238E27FC236}">
-                <a16:creationId xmlns:a16="http://schemas.microsoft.com/office/drawing/2014/main" id="{7AF9A883-CC44-4401-AE67-8FCEACB7DDDA}"/>
-              </a:ext>
-            </a:extLst>
-          </p:cNvPr>
-          <p:cNvSpPr>
-            <a:spLocks noGrp="1"/>
-          </p:cNvSpPr>
-          <p:nvPr>
-            <p:ph type="sldNum" sz="quarter" idx="12"/>
-          </p:nvPr>
-        </p:nvSpPr>
-        <p:spPr>
-          <a:xfrm>
-            <a:off x="9948863" y="6507212"/>
-            <a:ext cx="1692274" cy="153888"/>
-          </a:xfrm>
-        </p:spPr>
-        <p:txBody>
-          <a:bodyPr/>
-          <a:lstStyle/>
-          <a:p>
-            <a:fld id="{DBA1B0FB-D917-4C8C-928F-313BD683BF39}" type="slidenum">
-              <a:rPr lang="en-US" smtClean="0"/>
-              <a:pPr/>
-              <a:t>8</a:t>
-            </a:fld>
-            <a:endParaRPr lang="en-US"/>
+              <a:rPr lang="en-US" dirty="0"/>
+              <a:t>Friday, July 8, 2022</a:t>
+            </a:r>
           </a:p>
         </p:txBody>
       </p:sp>
     </p:spTree>
     <p:extLst>
       <p:ext uri="{BB962C8B-B14F-4D97-AF65-F5344CB8AC3E}">
-        <p14:creationId xmlns:p14="http://schemas.microsoft.com/office/powerpoint/2010/main" val="2979876663"/>
+        <p14:creationId xmlns:p14="http://schemas.microsoft.com/office/powerpoint/2010/main" val="3891345585"/>
       </p:ext>
     </p:extLst>
   </p:cSld>
@@ -24664,10 +24575,10 @@
       </p:grpSpPr>
       <p:sp>
         <p:nvSpPr>
-          <p:cNvPr id="3" name="Title 2">
+          <p:cNvPr id="7" name="Title 6">
             <a:extLst>
               <a:ext uri="{FF2B5EF4-FFF2-40B4-BE49-F238E27FC236}">
-                <a16:creationId xmlns:a16="http://schemas.microsoft.com/office/drawing/2014/main" id="{FAD72D26-24EF-4CBD-9431-A558CB7CA906}"/>
+                <a16:creationId xmlns:a16="http://schemas.microsoft.com/office/drawing/2014/main" id="{47788B34-4190-4916-9048-47720EA5ABF1}"/>
               </a:ext>
             </a:extLst>
           </p:cNvPr>
@@ -24681,7 +24592,7 @@
         <p:spPr>
           <a:xfrm>
             <a:off x="550862" y="549275"/>
-            <a:ext cx="11091600" cy="1332000"/>
+            <a:ext cx="11097551" cy="1332000"/>
           </a:xfrm>
         </p:spPr>
         <p:txBody>
@@ -24690,48 +24601,398 @@
           <a:p>
             <a:r>
               <a:rPr lang="en-US" dirty="0"/>
-              <a:t>Timeline</a:t>
+              <a:t>User Case Scenario </a:t>
+            </a:r>
+            <a:r>
+              <a:rPr lang="en-US" dirty="0" err="1"/>
+              <a:t>Cont</a:t>
+            </a:r>
+            <a:r>
+              <a:rPr lang="en-US" dirty="0"/>
+              <a:t>…</a:t>
             </a:r>
           </a:p>
         </p:txBody>
       </p:sp>
-      <p:graphicFrame>
-        <p:nvGraphicFramePr>
-          <p:cNvPr id="4" name="Content Placeholder 3" descr="Timeline Smart Art Placeholder ">
-            <a:extLst>
-              <a:ext uri="{FF2B5EF4-FFF2-40B4-BE49-F238E27FC236}">
-                <a16:creationId xmlns:a16="http://schemas.microsoft.com/office/drawing/2014/main" id="{93897051-DA8D-4072-A594-51769F8D52F5}"/>
-              </a:ext>
-            </a:extLst>
-          </p:cNvPr>
-          <p:cNvGraphicFramePr>
-            <a:graphicFrameLocks noGrp="1"/>
-          </p:cNvGraphicFramePr>
-          <p:nvPr>
-            <p:ph idx="1"/>
-            <p:extLst>
-              <p:ext uri="{D42A27DB-BD31-4B8C-83A1-F6EECF244321}">
-                <p14:modId xmlns:p14="http://schemas.microsoft.com/office/powerpoint/2010/main" val="3844914864"/>
-              </p:ext>
-            </p:extLst>
-          </p:nvPr>
-        </p:nvGraphicFramePr>
-        <p:xfrm>
-          <a:off x="550863" y="2112963"/>
-          <a:ext cx="11090275" cy="3979862"/>
-        </p:xfrm>
-        <a:graphic>
-          <a:graphicData uri="http://schemas.openxmlformats.org/drawingml/2006/diagram">
-            <dgm:relIds xmlns:dgm="http://schemas.openxmlformats.org/drawingml/2006/diagram" xmlns:r="http://schemas.openxmlformats.org/officeDocument/2006/relationships" r:dm="rId3" r:lo="rId4" r:qs="rId5" r:cs="rId6"/>
-          </a:graphicData>
-        </a:graphic>
-      </p:graphicFrame>
       <p:sp>
         <p:nvSpPr>
-          <p:cNvPr id="2" name="Date Placeholder 1">
+          <p:cNvPr id="8" name="Text Placeholder 7">
             <a:extLst>
               <a:ext uri="{FF2B5EF4-FFF2-40B4-BE49-F238E27FC236}">
-                <a16:creationId xmlns:a16="http://schemas.microsoft.com/office/drawing/2014/main" id="{81FCAF0A-629F-4EC6-B3E6-563ED999F360}"/>
+                <a16:creationId xmlns:a16="http://schemas.microsoft.com/office/drawing/2014/main" id="{ABA415A0-3B77-43FB-A408-5F1DA4B0AAFA}"/>
+              </a:ext>
+            </a:extLst>
+          </p:cNvPr>
+          <p:cNvSpPr>
+            <a:spLocks noGrp="1"/>
+          </p:cNvSpPr>
+          <p:nvPr>
+            <p:ph type="body" idx="1"/>
+          </p:nvPr>
+        </p:nvSpPr>
+        <p:spPr>
+          <a:xfrm>
+            <a:off x="550864" y="1731375"/>
+            <a:ext cx="3563936" cy="535354"/>
+          </a:xfrm>
+        </p:spPr>
+        <p:txBody>
+          <a:bodyPr/>
+          <a:lstStyle/>
+          <a:p>
+            <a:r>
+              <a:rPr lang="en-US" dirty="0"/>
+              <a:t>The Problem</a:t>
+            </a:r>
+          </a:p>
+        </p:txBody>
+      </p:sp>
+      <p:sp>
+        <p:nvSpPr>
+          <p:cNvPr id="9" name="Content Placeholder 8">
+            <a:extLst>
+              <a:ext uri="{FF2B5EF4-FFF2-40B4-BE49-F238E27FC236}">
+                <a16:creationId xmlns:a16="http://schemas.microsoft.com/office/drawing/2014/main" id="{8598ECEC-4413-4244-8F21-0076EC511806}"/>
+              </a:ext>
+            </a:extLst>
+          </p:cNvPr>
+          <p:cNvSpPr>
+            <a:spLocks noGrp="1"/>
+          </p:cNvSpPr>
+          <p:nvPr>
+            <p:ph sz="half" idx="2"/>
+          </p:nvPr>
+        </p:nvSpPr>
+        <p:spPr>
+          <a:xfrm>
+            <a:off x="559476" y="2432304"/>
+            <a:ext cx="3563936" cy="3515555"/>
+          </a:xfrm>
+        </p:spPr>
+        <p:txBody>
+          <a:bodyPr>
+            <a:normAutofit fontScale="85000" lnSpcReduction="10000"/>
+          </a:bodyPr>
+          <a:lstStyle/>
+          <a:p>
+            <a:pPr lvl="0"/>
+            <a:r>
+              <a:rPr lang="en-US" dirty="0"/>
+              <a:t>Our Hypothetical User only remembers the name of the band</a:t>
+            </a:r>
+          </a:p>
+          <a:p>
+            <a:pPr lvl="1"/>
+            <a:r>
+              <a:rPr lang="en-US" dirty="0"/>
+              <a:t>He only knows about one band, Breaking Benjamins….</a:t>
+            </a:r>
+          </a:p>
+          <a:p>
+            <a:pPr lvl="0"/>
+            <a:r>
+              <a:rPr lang="en-US" dirty="0"/>
+              <a:t>They don’t remember where the concert it located or when it’s occurring</a:t>
+            </a:r>
+          </a:p>
+          <a:p>
+            <a:pPr lvl="0"/>
+            <a:r>
+              <a:rPr lang="en-US" dirty="0"/>
+              <a:t>They don’t even know any information about the band (songs, members etc..)</a:t>
+            </a:r>
+          </a:p>
+          <a:p>
+            <a:pPr lvl="0"/>
+            <a:r>
+              <a:rPr lang="en-US" dirty="0"/>
+              <a:t>What will they do?????</a:t>
+            </a:r>
+          </a:p>
+          <a:p>
+            <a:endParaRPr lang="en-US" dirty="0"/>
+          </a:p>
+          <a:p>
+            <a:pPr lvl="0"/>
+            <a:endParaRPr lang="en-US" dirty="0"/>
+          </a:p>
+          <a:p>
+            <a:endParaRPr lang="en-US" dirty="0"/>
+          </a:p>
+        </p:txBody>
+      </p:sp>
+      <p:sp>
+        <p:nvSpPr>
+          <p:cNvPr id="12" name="Text Placeholder 11">
+            <a:extLst>
+              <a:ext uri="{FF2B5EF4-FFF2-40B4-BE49-F238E27FC236}">
+                <a16:creationId xmlns:a16="http://schemas.microsoft.com/office/drawing/2014/main" id="{3A63626D-0E6E-4023-ABFC-A744C9862159}"/>
+              </a:ext>
+            </a:extLst>
+          </p:cNvPr>
+          <p:cNvSpPr>
+            <a:spLocks noGrp="1"/>
+          </p:cNvSpPr>
+          <p:nvPr>
+            <p:ph type="body" sz="quarter" idx="13"/>
+          </p:nvPr>
+        </p:nvSpPr>
+        <p:spPr>
+          <a:xfrm>
+            <a:off x="4341573" y="1731375"/>
+            <a:ext cx="3566160" cy="535354"/>
+          </a:xfrm>
+        </p:spPr>
+        <p:txBody>
+          <a:bodyPr/>
+          <a:lstStyle/>
+          <a:p>
+            <a:r>
+              <a:rPr lang="en-US" dirty="0"/>
+              <a:t>The Solution</a:t>
+            </a:r>
+          </a:p>
+        </p:txBody>
+      </p:sp>
+      <p:sp>
+        <p:nvSpPr>
+          <p:cNvPr id="13" name="Content Placeholder 12">
+            <a:extLst>
+              <a:ext uri="{FF2B5EF4-FFF2-40B4-BE49-F238E27FC236}">
+                <a16:creationId xmlns:a16="http://schemas.microsoft.com/office/drawing/2014/main" id="{258E9390-685C-4BAD-BFAD-EC56E81C4745}"/>
+              </a:ext>
+            </a:extLst>
+          </p:cNvPr>
+          <p:cNvSpPr>
+            <a:spLocks noGrp="1"/>
+          </p:cNvSpPr>
+          <p:nvPr>
+            <p:ph sz="quarter" idx="14"/>
+          </p:nvPr>
+        </p:nvSpPr>
+        <p:spPr>
+          <a:xfrm>
+            <a:off x="4341573" y="2427370"/>
+            <a:ext cx="3508755" cy="3515555"/>
+          </a:xfrm>
+        </p:spPr>
+        <p:txBody>
+          <a:bodyPr>
+            <a:normAutofit fontScale="85000" lnSpcReduction="10000"/>
+          </a:bodyPr>
+          <a:lstStyle/>
+          <a:p>
+            <a:pPr lvl="0"/>
+            <a:r>
+              <a:rPr lang="en-US" dirty="0"/>
+              <a:t>The User goes to G-10’s Concert Lounge</a:t>
+            </a:r>
+          </a:p>
+          <a:p>
+            <a:pPr lvl="0"/>
+            <a:r>
+              <a:rPr lang="en-US" dirty="0"/>
+              <a:t>They select their state and type in the band name </a:t>
+            </a:r>
+          </a:p>
+          <a:p>
+            <a:pPr lvl="0"/>
+            <a:r>
+              <a:rPr lang="en-US" dirty="0"/>
+              <a:t>The receive options showing the location and time of the band’s performance</a:t>
+            </a:r>
+          </a:p>
+          <a:p>
+            <a:r>
+              <a:rPr lang="en-US" dirty="0"/>
+              <a:t>They use the search bar in the top right to look up the band’s information so now they are an expert.</a:t>
+            </a:r>
+          </a:p>
+          <a:p>
+            <a:r>
+              <a:rPr lang="en-US" dirty="0"/>
+              <a:t>They can even listen to some of the band’s tracks using the Pandora link in the Carousel</a:t>
+            </a:r>
+          </a:p>
+        </p:txBody>
+      </p:sp>
+      <p:sp>
+        <p:nvSpPr>
+          <p:cNvPr id="10" name="Text Placeholder 9">
+            <a:extLst>
+              <a:ext uri="{FF2B5EF4-FFF2-40B4-BE49-F238E27FC236}">
+                <a16:creationId xmlns:a16="http://schemas.microsoft.com/office/drawing/2014/main" id="{34A9BC34-CFDB-4D7A-8D6C-1CE608D0909F}"/>
+              </a:ext>
+            </a:extLst>
+          </p:cNvPr>
+          <p:cNvSpPr>
+            <a:spLocks noGrp="1"/>
+          </p:cNvSpPr>
+          <p:nvPr>
+            <p:ph type="body" sz="quarter" idx="3"/>
+          </p:nvPr>
+        </p:nvSpPr>
+        <p:spPr>
+          <a:xfrm>
+            <a:off x="8139659" y="1731375"/>
+            <a:ext cx="3566160" cy="535354"/>
+          </a:xfrm>
+        </p:spPr>
+        <p:txBody>
+          <a:bodyPr/>
+          <a:lstStyle/>
+          <a:p>
+            <a:r>
+              <a:rPr lang="en-US" dirty="0"/>
+              <a:t>Resolution</a:t>
+            </a:r>
+          </a:p>
+        </p:txBody>
+      </p:sp>
+      <p:sp>
+        <p:nvSpPr>
+          <p:cNvPr id="11" name="Content Placeholder 10">
+            <a:extLst>
+              <a:ext uri="{FF2B5EF4-FFF2-40B4-BE49-F238E27FC236}">
+                <a16:creationId xmlns:a16="http://schemas.microsoft.com/office/drawing/2014/main" id="{1D014E48-5DD9-49CE-AD5B-0FEF69204F68}"/>
+              </a:ext>
+            </a:extLst>
+          </p:cNvPr>
+          <p:cNvSpPr>
+            <a:spLocks noGrp="1"/>
+          </p:cNvSpPr>
+          <p:nvPr>
+            <p:ph sz="quarter" idx="4"/>
+          </p:nvPr>
+        </p:nvSpPr>
+        <p:spPr>
+          <a:xfrm>
+            <a:off x="8139659" y="2427370"/>
+            <a:ext cx="3508755" cy="3515555"/>
+          </a:xfrm>
+        </p:spPr>
+        <p:txBody>
+          <a:bodyPr>
+            <a:normAutofit fontScale="85000" lnSpcReduction="10000"/>
+          </a:bodyPr>
+          <a:lstStyle/>
+          <a:p>
+            <a:pPr lvl="0"/>
+            <a:r>
+              <a:rPr lang="en-US" dirty="0"/>
+              <a:t>*Gasp* Disaster! The user needs to purchase two more tickets (for their parents)  to the concert.</a:t>
+            </a:r>
+          </a:p>
+          <a:p>
+            <a:pPr lvl="1"/>
+            <a:r>
+              <a:rPr lang="en-US" dirty="0"/>
+              <a:t>They use the carousel Ticketmaster link to buy more tickets</a:t>
+            </a:r>
+          </a:p>
+          <a:p>
+            <a:pPr lvl="0"/>
+            <a:r>
+              <a:rPr lang="en-US" dirty="0"/>
+              <a:t>The user, friend and parents all go to the concert and have a great time!</a:t>
+            </a:r>
+          </a:p>
+          <a:p>
+            <a:pPr lvl="0"/>
+            <a:r>
+              <a:rPr lang="en-US" dirty="0"/>
+              <a:t>The User impresses his friend with their knowledge about the band and their ability to sing along with the songs</a:t>
+            </a:r>
+          </a:p>
+          <a:p>
+            <a:pPr lvl="0"/>
+            <a:r>
+              <a:rPr lang="en-US" dirty="0"/>
+              <a:t>The parents are thrilled because soon they may have grandbabies. </a:t>
+            </a:r>
+          </a:p>
+          <a:p>
+            <a:pPr marL="0" indent="0">
+              <a:buNone/>
+            </a:pPr>
+            <a:endParaRPr lang="en-US" dirty="0"/>
+          </a:p>
+        </p:txBody>
+      </p:sp>
+      <p:sp>
+        <p:nvSpPr>
+          <p:cNvPr id="16" name="Slide Number Placeholder 15">
+            <a:extLst>
+              <a:ext uri="{FF2B5EF4-FFF2-40B4-BE49-F238E27FC236}">
+                <a16:creationId xmlns:a16="http://schemas.microsoft.com/office/drawing/2014/main" id="{CF0A8666-4477-461C-A79D-E91232EE973E}"/>
+              </a:ext>
+            </a:extLst>
+          </p:cNvPr>
+          <p:cNvSpPr>
+            <a:spLocks noGrp="1"/>
+          </p:cNvSpPr>
+          <p:nvPr>
+            <p:ph type="sldNum" sz="quarter" idx="12"/>
+          </p:nvPr>
+        </p:nvSpPr>
+        <p:spPr>
+          <a:xfrm>
+            <a:off x="9948863" y="6507212"/>
+            <a:ext cx="1692274" cy="153888"/>
+          </a:xfrm>
+        </p:spPr>
+        <p:txBody>
+          <a:bodyPr/>
+          <a:lstStyle/>
+          <a:p>
+            <a:fld id="{DBA1B0FB-D917-4C8C-928F-313BD683BF39}" type="slidenum">
+              <a:rPr lang="en-US" smtClean="0"/>
+              <a:pPr/>
+              <a:t>9</a:t>
+            </a:fld>
+            <a:endParaRPr lang="en-US"/>
+          </a:p>
+        </p:txBody>
+      </p:sp>
+      <p:sp>
+        <p:nvSpPr>
+          <p:cNvPr id="17" name="Footer Placeholder 14">
+            <a:extLst>
+              <a:ext uri="{FF2B5EF4-FFF2-40B4-BE49-F238E27FC236}">
+                <a16:creationId xmlns:a16="http://schemas.microsoft.com/office/drawing/2014/main" id="{BD067879-9037-F428-E695-64367995D301}"/>
+              </a:ext>
+            </a:extLst>
+          </p:cNvPr>
+          <p:cNvSpPr>
+            <a:spLocks noGrp="1"/>
+          </p:cNvSpPr>
+          <p:nvPr>
+            <p:ph type="ftr" sz="quarter" idx="11"/>
+          </p:nvPr>
+        </p:nvSpPr>
+        <p:spPr>
+          <a:xfrm>
+            <a:off x="3359150" y="6507212"/>
+            <a:ext cx="6379210" cy="153888"/>
+          </a:xfrm>
+        </p:spPr>
+        <p:txBody>
+          <a:bodyPr/>
+          <a:lstStyle/>
+          <a:p>
+            <a:r>
+              <a:rPr lang="en-US" dirty="0"/>
+              <a:t>G-10 Concert Lounge</a:t>
+            </a:r>
+          </a:p>
+        </p:txBody>
+      </p:sp>
+      <p:sp>
+        <p:nvSpPr>
+          <p:cNvPr id="18" name="Date Placeholder 3">
+            <a:extLst>
+              <a:ext uri="{FF2B5EF4-FFF2-40B4-BE49-F238E27FC236}">
+                <a16:creationId xmlns:a16="http://schemas.microsoft.com/office/drawing/2014/main" id="{BB7DA330-FBE5-98D1-EAE3-183CD9CF0080}"/>
               </a:ext>
             </a:extLst>
           </p:cNvPr>
@@ -24753,85 +25014,16 @@
           <a:lstStyle/>
           <a:p>
             <a:r>
-              <a:rPr lang="en-US"/>
-              <a:t>Tuesday, February 2, 20XX</a:t>
-            </a:r>
-            <a:endParaRPr lang="en-US" dirty="0"/>
-          </a:p>
-        </p:txBody>
-      </p:sp>
-      <p:sp>
-        <p:nvSpPr>
-          <p:cNvPr id="7" name="Footer Placeholder 6">
-            <a:extLst>
-              <a:ext uri="{FF2B5EF4-FFF2-40B4-BE49-F238E27FC236}">
-                <a16:creationId xmlns:a16="http://schemas.microsoft.com/office/drawing/2014/main" id="{920A7C57-D6C5-4BA0-AB3C-41D4E3436B0E}"/>
-              </a:ext>
-            </a:extLst>
-          </p:cNvPr>
-          <p:cNvSpPr>
-            <a:spLocks noGrp="1"/>
-          </p:cNvSpPr>
-          <p:nvPr>
-            <p:ph type="ftr" sz="quarter" idx="11"/>
-          </p:nvPr>
-        </p:nvSpPr>
-        <p:spPr>
-          <a:xfrm>
-            <a:off x="3359150" y="6507212"/>
-            <a:ext cx="6379210" cy="153888"/>
-          </a:xfrm>
-        </p:spPr>
-        <p:txBody>
-          <a:bodyPr/>
-          <a:lstStyle/>
-          <a:p>
-            <a:r>
-              <a:rPr lang="en-US"/>
-              <a:t>Sample Footer Text</a:t>
-            </a:r>
-          </a:p>
-        </p:txBody>
-      </p:sp>
-      <p:sp>
-        <p:nvSpPr>
-          <p:cNvPr id="6" name="Slide Number Placeholder 5">
-            <a:extLst>
-              <a:ext uri="{FF2B5EF4-FFF2-40B4-BE49-F238E27FC236}">
-                <a16:creationId xmlns:a16="http://schemas.microsoft.com/office/drawing/2014/main" id="{5E5CAC52-3FD1-464A-805A-B8F7AF04574A}"/>
-              </a:ext>
-            </a:extLst>
-          </p:cNvPr>
-          <p:cNvSpPr>
-            <a:spLocks noGrp="1"/>
-          </p:cNvSpPr>
-          <p:nvPr>
-            <p:ph type="sldNum" sz="quarter" idx="12"/>
-          </p:nvPr>
-        </p:nvSpPr>
-        <p:spPr>
-          <a:xfrm>
-            <a:off x="9948863" y="6507212"/>
-            <a:ext cx="1692274" cy="153888"/>
-          </a:xfrm>
-        </p:spPr>
-        <p:txBody>
-          <a:bodyPr/>
-          <a:lstStyle/>
-          <a:p>
-            <a:fld id="{DBA1B0FB-D917-4C8C-928F-313BD683BF39}" type="slidenum">
-              <a:rPr lang="en-US" smtClean="0"/>
-              <a:pPr/>
-              <a:t>9</a:t>
-            </a:fld>
-            <a:endParaRPr lang="en-US"/>
+              <a:rPr lang="en-US" dirty="0"/>
+              <a:t>Friday, July 8, 2022</a:t>
+            </a:r>
           </a:p>
         </p:txBody>
       </p:sp>
     </p:spTree>
     <p:extLst>
       <p:ext uri="{BB962C8B-B14F-4D97-AF65-F5344CB8AC3E}">
-        <p14:creationId xmlns:p14="http://schemas.microsoft.com/office/powerpoint/2010/main" val="2624630061"/>
+        <p14:creationId xmlns:p14="http://schemas.microsoft.com/office/powerpoint/2010/main" val="1420547054"/>
       </p:ext>
     </p:extLst>
   </p:cSld>
@@ -25633,34 +25825,6 @@
 </file>
 
 <file path=customXml/item1.xml><?xml version="1.0" encoding="utf-8"?>
-<p:properties xmlns:p="http://schemas.microsoft.com/office/2006/metadata/properties" xmlns:xsi="http://www.w3.org/2001/XMLSchema-instance" xmlns:pc="http://schemas.microsoft.com/office/infopath/2007/PartnerControls">
-  <documentManagement>
-    <_ip_UnifiedCompliancePolicyUIAction xmlns="http://schemas.microsoft.com/sharepoint/v3" xsi:nil="true"/>
-    <Image xmlns="71af3243-3dd4-4a8d-8c0d-dd76da1f02a5">
-      <Url xsi:nil="true"/>
-      <Description xsi:nil="true"/>
-    </Image>
-    <Status xmlns="71af3243-3dd4-4a8d-8c0d-dd76da1f02a5">Not started</Status>
-    <_ip_UnifiedCompliancePolicyProperties xmlns="http://schemas.microsoft.com/sharepoint/v3" xsi:nil="true"/>
-    <lcf76f155ced4ddcb4097134ff3c332f xmlns="71af3243-3dd4-4a8d-8c0d-dd76da1f02a5">
-      <Terms xmlns="http://schemas.microsoft.com/office/infopath/2007/PartnerControls"/>
-    </lcf76f155ced4ddcb4097134ff3c332f>
-    <TaxCatchAll xmlns="230e9df3-be65-4c73-a93b-d1236ebd677e"/>
-    <MediaServiceKeyPoints xmlns="71af3243-3dd4-4a8d-8c0d-dd76da1f02a5" xsi:nil="true"/>
-  </documentManagement>
-</p:properties>
-</file>
-
-<file path=customXml/item2.xml><?xml version="1.0" encoding="utf-8"?>
-<?mso-contentType ?>
-<FormTemplates xmlns="http://schemas.microsoft.com/sharepoint/v3/contenttype/forms">
-  <Display>DocumentLibraryForm</Display>
-  <Edit>DocumentLibraryForm</Edit>
-  <New>DocumentLibraryForm</New>
-</FormTemplates>
-</file>
-
-<file path=customXml/item3.xml><?xml version="1.0" encoding="utf-8"?>
 <ct:contentTypeSchema xmlns:ct="http://schemas.microsoft.com/office/2006/metadata/contentType" xmlns:ma="http://schemas.microsoft.com/office/2006/metadata/properties/metaAttributes" ct:_="" ma:_="" ma:contentTypeName="Document" ma:contentTypeID="0x01010079F111ED35F8CC479449609E8A0923A6" ma:contentTypeVersion="18" ma:contentTypeDescription="Create a new document." ma:contentTypeScope="" ma:versionID="22a266b9fa9a230c5a512669d8b298c3">
   <xsd:schema xmlns:xsd="http://www.w3.org/2001/XMLSchema" xmlns:xs="http://www.w3.org/2001/XMLSchema" xmlns:p="http://schemas.microsoft.com/office/2006/metadata/properties" xmlns:ns1="http://schemas.microsoft.com/sharepoint/v3" xmlns:ns2="71af3243-3dd4-4a8d-8c0d-dd76da1f02a5" xmlns:ns3="16c05727-aa75-4e4a-9b5f-8a80a1165891" xmlns:ns4="230e9df3-be65-4c73-a93b-d1236ebd677e" targetNamespace="http://schemas.microsoft.com/office/2006/metadata/properties" ma:root="true" ma:fieldsID="eddc33fff6b14141ee5c74a0d29ea6a1" ns1:_="" ns2:_="" ns3:_="" ns4:_="">
     <xsd:import namespace="http://schemas.microsoft.com/sharepoint/v3"/>
@@ -25936,27 +26100,35 @@
 </ct:contentTypeSchema>
 </file>
 
-<file path=customXml/itemProps1.xml><?xml version="1.0" encoding="utf-8"?>
-<ds:datastoreItem xmlns:ds="http://schemas.openxmlformats.org/officeDocument/2006/customXml" ds:itemID="{50811A92-D464-4AC4-A396-BA73B10CEEAC}">
-  <ds:schemaRefs>
-    <ds:schemaRef ds:uri="http://schemas.microsoft.com/office/2006/metadata/properties"/>
-    <ds:schemaRef ds:uri="http://schemas.microsoft.com/office/infopath/2007/PartnerControls"/>
-    <ds:schemaRef ds:uri="http://schemas.microsoft.com/sharepoint/v3"/>
-    <ds:schemaRef ds:uri="71af3243-3dd4-4a8d-8c0d-dd76da1f02a5"/>
-    <ds:schemaRef ds:uri="230e9df3-be65-4c73-a93b-d1236ebd677e"/>
-  </ds:schemaRefs>
-</ds:datastoreItem>
+<file path=customXml/item2.xml><?xml version="1.0" encoding="utf-8"?>
+<?mso-contentType ?>
+<FormTemplates xmlns="http://schemas.microsoft.com/sharepoint/v3/contenttype/forms">
+  <Display>DocumentLibraryForm</Display>
+  <Edit>DocumentLibraryForm</Edit>
+  <New>DocumentLibraryForm</New>
+</FormTemplates>
 </file>
 
-<file path=customXml/itemProps2.xml><?xml version="1.0" encoding="utf-8"?>
-<ds:datastoreItem xmlns:ds="http://schemas.openxmlformats.org/officeDocument/2006/customXml" ds:itemID="{904751AB-E840-446F-8D49-E697067EC887}">
-  <ds:schemaRefs>
-    <ds:schemaRef ds:uri="http://schemas.microsoft.com/sharepoint/v3/contenttype/forms"/>
-  </ds:schemaRefs>
-</ds:datastoreItem>
+<file path=customXml/item3.xml><?xml version="1.0" encoding="utf-8"?>
+<p:properties xmlns:p="http://schemas.microsoft.com/office/2006/metadata/properties" xmlns:xsi="http://www.w3.org/2001/XMLSchema-instance" xmlns:pc="http://schemas.microsoft.com/office/infopath/2007/PartnerControls">
+  <documentManagement>
+    <_ip_UnifiedCompliancePolicyUIAction xmlns="http://schemas.microsoft.com/sharepoint/v3" xsi:nil="true"/>
+    <Image xmlns="71af3243-3dd4-4a8d-8c0d-dd76da1f02a5">
+      <Url xsi:nil="true"/>
+      <Description xsi:nil="true"/>
+    </Image>
+    <Status xmlns="71af3243-3dd4-4a8d-8c0d-dd76da1f02a5">Not started</Status>
+    <_ip_UnifiedCompliancePolicyProperties xmlns="http://schemas.microsoft.com/sharepoint/v3" xsi:nil="true"/>
+    <lcf76f155ced4ddcb4097134ff3c332f xmlns="71af3243-3dd4-4a8d-8c0d-dd76da1f02a5">
+      <Terms xmlns="http://schemas.microsoft.com/office/infopath/2007/PartnerControls"/>
+    </lcf76f155ced4ddcb4097134ff3c332f>
+    <TaxCatchAll xmlns="230e9df3-be65-4c73-a93b-d1236ebd677e"/>
+    <MediaServiceKeyPoints xmlns="71af3243-3dd4-4a8d-8c0d-dd76da1f02a5" xsi:nil="true"/>
+  </documentManagement>
+</p:properties>
 </file>
 
-<file path=customXml/itemProps3.xml><?xml version="1.0" encoding="utf-8"?>
+<file path=customXml/itemProps1.xml><?xml version="1.0" encoding="utf-8"?>
 <ds:datastoreItem xmlns:ds="http://schemas.openxmlformats.org/officeDocument/2006/customXml" ds:itemID="{DE4876F9-7AE1-498D-B8FE-1E3AD703D2AF}">
   <ds:schemaRefs>
     <ds:schemaRef ds:uri="http://schemas.microsoft.com/office/2006/metadata/contentType"/>
@@ -25977,6 +26149,26 @@
 </ds:datastoreItem>
 </file>
 
+<file path=customXml/itemProps2.xml><?xml version="1.0" encoding="utf-8"?>
+<ds:datastoreItem xmlns:ds="http://schemas.openxmlformats.org/officeDocument/2006/customXml" ds:itemID="{904751AB-E840-446F-8D49-E697067EC887}">
+  <ds:schemaRefs>
+    <ds:schemaRef ds:uri="http://schemas.microsoft.com/sharepoint/v3/contenttype/forms"/>
+  </ds:schemaRefs>
+</ds:datastoreItem>
+</file>
+
+<file path=customXml/itemProps3.xml><?xml version="1.0" encoding="utf-8"?>
+<ds:datastoreItem xmlns:ds="http://schemas.openxmlformats.org/officeDocument/2006/customXml" ds:itemID="{50811A92-D464-4AC4-A396-BA73B10CEEAC}">
+  <ds:schemaRefs>
+    <ds:schemaRef ds:uri="http://schemas.microsoft.com/office/2006/metadata/properties"/>
+    <ds:schemaRef ds:uri="http://schemas.microsoft.com/office/infopath/2007/PartnerControls"/>
+    <ds:schemaRef ds:uri="http://schemas.microsoft.com/sharepoint/v3"/>
+    <ds:schemaRef ds:uri="71af3243-3dd4-4a8d-8c0d-dd76da1f02a5"/>
+    <ds:schemaRef ds:uri="230e9df3-be65-4c73-a93b-d1236ebd677e"/>
+  </ds:schemaRefs>
+</ds:datastoreItem>
+</file>
+
 <file path=docMetadata/LabelInfo.xml><?xml version="1.0" encoding="utf-8"?>
 <clbl:labelList xmlns:clbl="http://schemas.microsoft.com/office/2020/mipLabelMetadata">
   <clbl:label id="{f42aa342-8706-4288-bd11-ebb85995028c}" enabled="1" method="Standard" siteId="{72f988bf-86f1-41af-91ab-2d7cd011db47}" contentBits="0" removed="0"/>

--- a/Presentation/G-10 Presentation.pptx
+++ b/Presentation/G-10 Presentation.pptx
@@ -21043,7 +21043,7 @@
         </p:blipFill>
         <p:spPr>
           <a:xfrm>
-            <a:off x="0" y="69264"/>
+            <a:off x="-20268" y="77653"/>
             <a:ext cx="12192000" cy="6858000"/>
           </a:xfrm>
         </p:spPr>
@@ -21671,7 +21671,7 @@
         </p:nvSpPr>
         <p:spPr>
           <a:xfrm>
-            <a:off x="7315197" y="3561236"/>
+            <a:off x="7133514" y="2832855"/>
             <a:ext cx="4471332" cy="3416320"/>
           </a:xfrm>
           <a:prstGeom prst="rect">
@@ -21950,7 +21950,7 @@
             <p:ph idx="1"/>
             <p:extLst>
               <p:ext uri="{D42A27DB-BD31-4B8C-83A1-F6EECF244321}">
-                <p14:modId xmlns:p14="http://schemas.microsoft.com/office/powerpoint/2010/main" val="2687697253"/>
+                <p14:modId xmlns:p14="http://schemas.microsoft.com/office/powerpoint/2010/main" val="1518170593"/>
               </p:ext>
             </p:extLst>
           </p:nvPr>
@@ -22064,6 +22064,11 @@
                         <a:rPr lang="en-US" dirty="0"/>
                         <a:t>Planning</a:t>
                       </a:r>
+                      <a:r>
+                        <a:rPr lang="en-US"/>
+                        <a:t>/Logistics</a:t>
+                      </a:r>
+                      <a:endParaRPr lang="en-US" dirty="0"/>
                     </a:p>
                   </a:txBody>
                   <a:tcPr anchor="ctr">
@@ -22170,7 +22175,7 @@
                       <a:pPr algn="ctr"/>
                       <a:r>
                         <a:rPr lang="en-US" dirty="0"/>
-                        <a:t>Development</a:t>
+                        <a:t>Styling</a:t>
                       </a:r>
                     </a:p>
                   </a:txBody>
@@ -22224,7 +22229,7 @@
                       <a:pPr algn="ctr"/>
                       <a:r>
                         <a:rPr lang="en-US" dirty="0"/>
-                        <a:t>Testing</a:t>
+                        <a:t>Development</a:t>
                       </a:r>
                     </a:p>
                   </a:txBody>
@@ -22341,11 +22346,14 @@
                     <a:lstStyle/>
                     <a:p>
                       <a:pPr algn="ctr"/>
-                      <a:endParaRPr lang="en-US" dirty="0">
-                        <a:solidFill>
-                          <a:schemeClr val="tx1"/>
-                        </a:solidFill>
-                      </a:endParaRPr>
+                      <a:r>
+                        <a:rPr lang="en-US" dirty="0">
+                          <a:solidFill>
+                            <a:schemeClr val="tx1"/>
+                          </a:solidFill>
+                        </a:rPr>
+                        <a:t>Senior</a:t>
+                      </a:r>
                     </a:p>
                   </a:txBody>
                   <a:tcPr anchor="ctr">
@@ -22394,11 +22402,14 @@
                     <a:lstStyle/>
                     <a:p>
                       <a:pPr algn="ctr"/>
-                      <a:endParaRPr lang="en-US" dirty="0">
-                        <a:solidFill>
-                          <a:schemeClr val="tx1"/>
-                        </a:solidFill>
-                      </a:endParaRPr>
+                      <a:r>
+                        <a:rPr lang="en-US" dirty="0">
+                          <a:solidFill>
+                            <a:schemeClr val="tx1"/>
+                          </a:solidFill>
+                        </a:rPr>
+                        <a:t>Senior</a:t>
+                      </a:r>
                     </a:p>
                   </a:txBody>
                   <a:tcPr anchor="ctr">
@@ -22447,11 +22458,14 @@
                     <a:lstStyle/>
                     <a:p>
                       <a:pPr algn="ctr"/>
-                      <a:endParaRPr lang="en-US" dirty="0">
-                        <a:solidFill>
-                          <a:schemeClr val="tx1"/>
-                        </a:solidFill>
-                      </a:endParaRPr>
+                      <a:r>
+                        <a:rPr lang="en-US" dirty="0">
+                          <a:solidFill>
+                            <a:schemeClr val="tx1"/>
+                          </a:solidFill>
+                        </a:rPr>
+                        <a:t>Lead</a:t>
+                      </a:r>
                     </a:p>
                   </a:txBody>
                   <a:tcPr anchor="ctr">
@@ -22500,11 +22514,14 @@
                     <a:lstStyle/>
                     <a:p>
                       <a:pPr algn="ctr"/>
-                      <a:endParaRPr lang="en-US" dirty="0">
-                        <a:solidFill>
-                          <a:schemeClr val="tx1"/>
-                        </a:solidFill>
-                      </a:endParaRPr>
+                      <a:r>
+                        <a:rPr lang="en-US" dirty="0">
+                          <a:solidFill>
+                            <a:schemeClr val="tx1"/>
+                          </a:solidFill>
+                        </a:rPr>
+                        <a:t>Junior</a:t>
+                      </a:r>
                     </a:p>
                   </a:txBody>
                   <a:tcPr anchor="ctr">
@@ -22629,11 +22646,14 @@
                     <a:lstStyle/>
                     <a:p>
                       <a:pPr algn="ctr"/>
-                      <a:endParaRPr lang="en-US" dirty="0">
-                        <a:solidFill>
-                          <a:schemeClr val="tx1"/>
-                        </a:solidFill>
-                      </a:endParaRPr>
+                      <a:r>
+                        <a:rPr lang="en-US" dirty="0">
+                          <a:solidFill>
+                            <a:schemeClr val="tx1"/>
+                          </a:solidFill>
+                        </a:rPr>
+                        <a:t>Senior</a:t>
+                      </a:r>
                     </a:p>
                   </a:txBody>
                   <a:tcPr anchor="ctr">
@@ -22682,11 +22702,14 @@
                     <a:lstStyle/>
                     <a:p>
                       <a:pPr algn="ctr"/>
-                      <a:endParaRPr lang="en-US" dirty="0">
-                        <a:solidFill>
-                          <a:schemeClr val="tx1"/>
-                        </a:solidFill>
-                      </a:endParaRPr>
+                      <a:r>
+                        <a:rPr lang="en-US" dirty="0">
+                          <a:solidFill>
+                            <a:schemeClr val="tx1"/>
+                          </a:solidFill>
+                        </a:rPr>
+                        <a:t>Junior</a:t>
+                      </a:r>
                     </a:p>
                   </a:txBody>
                   <a:tcPr anchor="ctr">
@@ -22735,11 +22758,14 @@
                     <a:lstStyle/>
                     <a:p>
                       <a:pPr algn="ctr"/>
-                      <a:endParaRPr lang="en-US" dirty="0">
-                        <a:solidFill>
-                          <a:schemeClr val="tx1"/>
-                        </a:solidFill>
-                      </a:endParaRPr>
+                      <a:r>
+                        <a:rPr lang="en-US" dirty="0">
+                          <a:solidFill>
+                            <a:schemeClr val="tx1"/>
+                          </a:solidFill>
+                        </a:rPr>
+                        <a:t>Junior</a:t>
+                      </a:r>
                     </a:p>
                   </a:txBody>
                   <a:tcPr anchor="ctr">
@@ -22788,11 +22814,14 @@
                     <a:lstStyle/>
                     <a:p>
                       <a:pPr algn="ctr"/>
-                      <a:endParaRPr lang="en-US" dirty="0">
-                        <a:solidFill>
-                          <a:schemeClr val="tx1"/>
-                        </a:solidFill>
-                      </a:endParaRPr>
+                      <a:r>
+                        <a:rPr lang="en-US" dirty="0">
+                          <a:solidFill>
+                            <a:schemeClr val="tx1"/>
+                          </a:solidFill>
+                        </a:rPr>
+                        <a:t>Lead</a:t>
+                      </a:r>
                     </a:p>
                   </a:txBody>
                   <a:tcPr anchor="ctr">
@@ -22904,11 +22933,14 @@
                     <a:lstStyle/>
                     <a:p>
                       <a:pPr algn="ctr"/>
-                      <a:endParaRPr lang="en-US" dirty="0">
-                        <a:solidFill>
-                          <a:schemeClr val="tx1"/>
-                        </a:solidFill>
-                      </a:endParaRPr>
+                      <a:r>
+                        <a:rPr lang="en-US" dirty="0">
+                          <a:solidFill>
+                            <a:schemeClr val="tx1"/>
+                          </a:solidFill>
+                        </a:rPr>
+                        <a:t>Senior</a:t>
+                      </a:r>
                     </a:p>
                   </a:txBody>
                   <a:tcPr anchor="ctr">
@@ -22957,11 +22989,14 @@
                     <a:lstStyle/>
                     <a:p>
                       <a:pPr algn="ctr"/>
-                      <a:endParaRPr lang="en-US" dirty="0">
-                        <a:solidFill>
-                          <a:schemeClr val="tx1"/>
-                        </a:solidFill>
-                      </a:endParaRPr>
+                      <a:r>
+                        <a:rPr lang="en-US" dirty="0">
+                          <a:solidFill>
+                            <a:schemeClr val="tx1"/>
+                          </a:solidFill>
+                        </a:rPr>
+                        <a:t>Lead</a:t>
+                      </a:r>
                     </a:p>
                   </a:txBody>
                   <a:tcPr anchor="ctr">
@@ -23010,11 +23045,14 @@
                     <a:lstStyle/>
                     <a:p>
                       <a:pPr algn="ctr"/>
-                      <a:endParaRPr lang="en-US" dirty="0">
-                        <a:solidFill>
-                          <a:schemeClr val="tx1"/>
-                        </a:solidFill>
-                      </a:endParaRPr>
+                      <a:r>
+                        <a:rPr lang="en-US" dirty="0">
+                          <a:solidFill>
+                            <a:schemeClr val="tx1"/>
+                          </a:solidFill>
+                        </a:rPr>
+                        <a:t>Senior</a:t>
+                      </a:r>
                     </a:p>
                   </a:txBody>
                   <a:tcPr anchor="ctr">
@@ -23063,11 +23101,14 @@
                     <a:lstStyle/>
                     <a:p>
                       <a:pPr algn="ctr"/>
-                      <a:endParaRPr lang="en-US" dirty="0">
-                        <a:solidFill>
-                          <a:schemeClr val="tx1"/>
-                        </a:solidFill>
-                      </a:endParaRPr>
+                      <a:r>
+                        <a:rPr lang="en-US" dirty="0">
+                          <a:solidFill>
+                            <a:schemeClr val="tx1"/>
+                          </a:solidFill>
+                        </a:rPr>
+                        <a:t>Junior</a:t>
+                      </a:r>
                     </a:p>
                   </a:txBody>
                   <a:tcPr anchor="ctr">
@@ -23179,11 +23220,14 @@
                     <a:lstStyle/>
                     <a:p>
                       <a:pPr algn="ctr"/>
-                      <a:endParaRPr lang="en-US" dirty="0">
-                        <a:solidFill>
-                          <a:schemeClr val="tx1"/>
-                        </a:solidFill>
-                      </a:endParaRPr>
+                      <a:r>
+                        <a:rPr lang="en-US" dirty="0">
+                          <a:solidFill>
+                            <a:schemeClr val="tx1"/>
+                          </a:solidFill>
+                        </a:rPr>
+                        <a:t>Lead</a:t>
+                      </a:r>
                     </a:p>
                   </a:txBody>
                   <a:tcPr anchor="ctr">
@@ -23232,11 +23276,14 @@
                     <a:lstStyle/>
                     <a:p>
                       <a:pPr algn="ctr"/>
-                      <a:endParaRPr lang="en-US" dirty="0">
-                        <a:solidFill>
-                          <a:schemeClr val="tx1"/>
-                        </a:solidFill>
-                      </a:endParaRPr>
+                      <a:r>
+                        <a:rPr lang="en-US" dirty="0">
+                          <a:solidFill>
+                            <a:schemeClr val="tx1"/>
+                          </a:solidFill>
+                        </a:rPr>
+                        <a:t>Junior</a:t>
+                      </a:r>
                     </a:p>
                   </a:txBody>
                   <a:tcPr anchor="ctr">
@@ -23285,11 +23332,14 @@
                     <a:lstStyle/>
                     <a:p>
                       <a:pPr algn="ctr"/>
-                      <a:endParaRPr lang="en-US" dirty="0">
-                        <a:solidFill>
-                          <a:schemeClr val="tx1"/>
-                        </a:solidFill>
-                      </a:endParaRPr>
+                      <a:r>
+                        <a:rPr lang="en-US" dirty="0">
+                          <a:solidFill>
+                            <a:schemeClr val="tx1"/>
+                          </a:solidFill>
+                        </a:rPr>
+                        <a:t>Junior</a:t>
+                      </a:r>
                     </a:p>
                   </a:txBody>
                   <a:tcPr anchor="ctr">
@@ -23338,11 +23388,14 @@
                     <a:lstStyle/>
                     <a:p>
                       <a:pPr algn="ctr"/>
-                      <a:endParaRPr lang="en-US" dirty="0">
-                        <a:solidFill>
-                          <a:schemeClr val="tx1"/>
-                        </a:solidFill>
-                      </a:endParaRPr>
+                      <a:r>
+                        <a:rPr lang="en-US" dirty="0">
+                          <a:solidFill>
+                            <a:schemeClr val="tx1"/>
+                          </a:solidFill>
+                        </a:rPr>
+                        <a:t>Senior</a:t>
+                      </a:r>
                     </a:p>
                   </a:txBody>
                   <a:tcPr anchor="ctr">
@@ -25825,6 +25878,34 @@
 </file>
 
 <file path=customXml/item1.xml><?xml version="1.0" encoding="utf-8"?>
+<p:properties xmlns:p="http://schemas.microsoft.com/office/2006/metadata/properties" xmlns:xsi="http://www.w3.org/2001/XMLSchema-instance" xmlns:pc="http://schemas.microsoft.com/office/infopath/2007/PartnerControls">
+  <documentManagement>
+    <_ip_UnifiedCompliancePolicyUIAction xmlns="http://schemas.microsoft.com/sharepoint/v3" xsi:nil="true"/>
+    <Image xmlns="71af3243-3dd4-4a8d-8c0d-dd76da1f02a5">
+      <Url xsi:nil="true"/>
+      <Description xsi:nil="true"/>
+    </Image>
+    <Status xmlns="71af3243-3dd4-4a8d-8c0d-dd76da1f02a5">Not started</Status>
+    <_ip_UnifiedCompliancePolicyProperties xmlns="http://schemas.microsoft.com/sharepoint/v3" xsi:nil="true"/>
+    <lcf76f155ced4ddcb4097134ff3c332f xmlns="71af3243-3dd4-4a8d-8c0d-dd76da1f02a5">
+      <Terms xmlns="http://schemas.microsoft.com/office/infopath/2007/PartnerControls"/>
+    </lcf76f155ced4ddcb4097134ff3c332f>
+    <TaxCatchAll xmlns="230e9df3-be65-4c73-a93b-d1236ebd677e"/>
+    <MediaServiceKeyPoints xmlns="71af3243-3dd4-4a8d-8c0d-dd76da1f02a5" xsi:nil="true"/>
+  </documentManagement>
+</p:properties>
+</file>
+
+<file path=customXml/item2.xml><?xml version="1.0" encoding="utf-8"?>
+<?mso-contentType ?>
+<FormTemplates xmlns="http://schemas.microsoft.com/sharepoint/v3/contenttype/forms">
+  <Display>DocumentLibraryForm</Display>
+  <Edit>DocumentLibraryForm</Edit>
+  <New>DocumentLibraryForm</New>
+</FormTemplates>
+</file>
+
+<file path=customXml/item3.xml><?xml version="1.0" encoding="utf-8"?>
 <ct:contentTypeSchema xmlns:ct="http://schemas.microsoft.com/office/2006/metadata/contentType" xmlns:ma="http://schemas.microsoft.com/office/2006/metadata/properties/metaAttributes" ct:_="" ma:_="" ma:contentTypeName="Document" ma:contentTypeID="0x01010079F111ED35F8CC479449609E8A0923A6" ma:contentTypeVersion="18" ma:contentTypeDescription="Create a new document." ma:contentTypeScope="" ma:versionID="22a266b9fa9a230c5a512669d8b298c3">
   <xsd:schema xmlns:xsd="http://www.w3.org/2001/XMLSchema" xmlns:xs="http://www.w3.org/2001/XMLSchema" xmlns:p="http://schemas.microsoft.com/office/2006/metadata/properties" xmlns:ns1="http://schemas.microsoft.com/sharepoint/v3" xmlns:ns2="71af3243-3dd4-4a8d-8c0d-dd76da1f02a5" xmlns:ns3="16c05727-aa75-4e4a-9b5f-8a80a1165891" xmlns:ns4="230e9df3-be65-4c73-a93b-d1236ebd677e" targetNamespace="http://schemas.microsoft.com/office/2006/metadata/properties" ma:root="true" ma:fieldsID="eddc33fff6b14141ee5c74a0d29ea6a1" ns1:_="" ns2:_="" ns3:_="" ns4:_="">
     <xsd:import namespace="http://schemas.microsoft.com/sharepoint/v3"/>
@@ -26100,35 +26181,27 @@
 </ct:contentTypeSchema>
 </file>
 
-<file path=customXml/item2.xml><?xml version="1.0" encoding="utf-8"?>
-<?mso-contentType ?>
-<FormTemplates xmlns="http://schemas.microsoft.com/sharepoint/v3/contenttype/forms">
-  <Display>DocumentLibraryForm</Display>
-  <Edit>DocumentLibraryForm</Edit>
-  <New>DocumentLibraryForm</New>
-</FormTemplates>
+<file path=customXml/itemProps1.xml><?xml version="1.0" encoding="utf-8"?>
+<ds:datastoreItem xmlns:ds="http://schemas.openxmlformats.org/officeDocument/2006/customXml" ds:itemID="{50811A92-D464-4AC4-A396-BA73B10CEEAC}">
+  <ds:schemaRefs>
+    <ds:schemaRef ds:uri="http://schemas.microsoft.com/office/2006/metadata/properties"/>
+    <ds:schemaRef ds:uri="http://schemas.microsoft.com/office/infopath/2007/PartnerControls"/>
+    <ds:schemaRef ds:uri="http://schemas.microsoft.com/sharepoint/v3"/>
+    <ds:schemaRef ds:uri="71af3243-3dd4-4a8d-8c0d-dd76da1f02a5"/>
+    <ds:schemaRef ds:uri="230e9df3-be65-4c73-a93b-d1236ebd677e"/>
+  </ds:schemaRefs>
+</ds:datastoreItem>
 </file>
 
-<file path=customXml/item3.xml><?xml version="1.0" encoding="utf-8"?>
-<p:properties xmlns:p="http://schemas.microsoft.com/office/2006/metadata/properties" xmlns:xsi="http://www.w3.org/2001/XMLSchema-instance" xmlns:pc="http://schemas.microsoft.com/office/infopath/2007/PartnerControls">
-  <documentManagement>
-    <_ip_UnifiedCompliancePolicyUIAction xmlns="http://schemas.microsoft.com/sharepoint/v3" xsi:nil="true"/>
-    <Image xmlns="71af3243-3dd4-4a8d-8c0d-dd76da1f02a5">
-      <Url xsi:nil="true"/>
-      <Description xsi:nil="true"/>
-    </Image>
-    <Status xmlns="71af3243-3dd4-4a8d-8c0d-dd76da1f02a5">Not started</Status>
-    <_ip_UnifiedCompliancePolicyProperties xmlns="http://schemas.microsoft.com/sharepoint/v3" xsi:nil="true"/>
-    <lcf76f155ced4ddcb4097134ff3c332f xmlns="71af3243-3dd4-4a8d-8c0d-dd76da1f02a5">
-      <Terms xmlns="http://schemas.microsoft.com/office/infopath/2007/PartnerControls"/>
-    </lcf76f155ced4ddcb4097134ff3c332f>
-    <TaxCatchAll xmlns="230e9df3-be65-4c73-a93b-d1236ebd677e"/>
-    <MediaServiceKeyPoints xmlns="71af3243-3dd4-4a8d-8c0d-dd76da1f02a5" xsi:nil="true"/>
-  </documentManagement>
-</p:properties>
+<file path=customXml/itemProps2.xml><?xml version="1.0" encoding="utf-8"?>
+<ds:datastoreItem xmlns:ds="http://schemas.openxmlformats.org/officeDocument/2006/customXml" ds:itemID="{904751AB-E840-446F-8D49-E697067EC887}">
+  <ds:schemaRefs>
+    <ds:schemaRef ds:uri="http://schemas.microsoft.com/sharepoint/v3/contenttype/forms"/>
+  </ds:schemaRefs>
+</ds:datastoreItem>
 </file>
 
-<file path=customXml/itemProps1.xml><?xml version="1.0" encoding="utf-8"?>
+<file path=customXml/itemProps3.xml><?xml version="1.0" encoding="utf-8"?>
 <ds:datastoreItem xmlns:ds="http://schemas.openxmlformats.org/officeDocument/2006/customXml" ds:itemID="{DE4876F9-7AE1-498D-B8FE-1E3AD703D2AF}">
   <ds:schemaRefs>
     <ds:schemaRef ds:uri="http://schemas.microsoft.com/office/2006/metadata/contentType"/>
@@ -26149,26 +26222,6 @@
 </ds:datastoreItem>
 </file>
 
-<file path=customXml/itemProps2.xml><?xml version="1.0" encoding="utf-8"?>
-<ds:datastoreItem xmlns:ds="http://schemas.openxmlformats.org/officeDocument/2006/customXml" ds:itemID="{904751AB-E840-446F-8D49-E697067EC887}">
-  <ds:schemaRefs>
-    <ds:schemaRef ds:uri="http://schemas.microsoft.com/sharepoint/v3/contenttype/forms"/>
-  </ds:schemaRefs>
-</ds:datastoreItem>
-</file>
-
-<file path=customXml/itemProps3.xml><?xml version="1.0" encoding="utf-8"?>
-<ds:datastoreItem xmlns:ds="http://schemas.openxmlformats.org/officeDocument/2006/customXml" ds:itemID="{50811A92-D464-4AC4-A396-BA73B10CEEAC}">
-  <ds:schemaRefs>
-    <ds:schemaRef ds:uri="http://schemas.microsoft.com/office/2006/metadata/properties"/>
-    <ds:schemaRef ds:uri="http://schemas.microsoft.com/office/infopath/2007/PartnerControls"/>
-    <ds:schemaRef ds:uri="http://schemas.microsoft.com/sharepoint/v3"/>
-    <ds:schemaRef ds:uri="71af3243-3dd4-4a8d-8c0d-dd76da1f02a5"/>
-    <ds:schemaRef ds:uri="230e9df3-be65-4c73-a93b-d1236ebd677e"/>
-  </ds:schemaRefs>
-</ds:datastoreItem>
-</file>
-
 <file path=docMetadata/LabelInfo.xml><?xml version="1.0" encoding="utf-8"?>
 <clbl:labelList xmlns:clbl="http://schemas.microsoft.com/office/2020/mipLabelMetadata">
   <clbl:label id="{f42aa342-8706-4288-bd11-ebb85995028c}" enabled="1" method="Standard" siteId="{72f988bf-86f1-41af-91ab-2d7cd011db47}" contentBits="0" removed="0"/>
